--- a/template/template.pptx
+++ b/template/template.pptx
@@ -590,7 +590,7 @@
 
 <file path=ppt/slideLayouts/slideLayout1.xml><?xml version="1.0" encoding="utf-8"?>
 <p:sldLayout xmlns:a="http://schemas.openxmlformats.org/drawingml/2006/main" xmlns:r="http://schemas.openxmlformats.org/officeDocument/2006/relationships" xmlns:p="http://schemas.openxmlformats.org/presentationml/2006/main" xmlns:m="http://schemas.openxmlformats.org/officeDocument/2006/math" xmlns:w="http://schemas.openxmlformats.org/wordprocessingml/2006/main" matchingName="" preserve="1" showMasterPhAnim="0" showMasterSp="1" type="obj" userDrawn="1">
-  <p:cSld name="Title Slide">
+  <p:cSld name="Title and Content">
     <p:spTree>
       <p:nvGrpSpPr>
         <p:cNvPr id="1" name=""/>
@@ -607,27 +607,22 @@
       </p:grpSpPr>
       <p:sp>
         <p:nvSpPr>
-          <p:cNvPr id="2" name="Holder 2"/>
+          <p:cNvPr id="2" name="title_text"/>
           <p:cNvSpPr>
             <a:spLocks noGrp="1"/>
           </p:cNvSpPr>
           <p:nvPr>
-            <p:ph type="ctrTitle"/>
+            <p:ph type="title"/>
           </p:nvPr>
         </p:nvSpPr>
         <p:spPr bwMode="auto">
-          <a:xfrm>
-            <a:off x="1372552" y="3192907"/>
-            <a:ext cx="15555595" cy="2162937"/>
+          <a:xfrm rot="0" flipH="0" flipV="0">
+            <a:off x="4957199" y="3110400"/>
+            <a:ext cx="8384157" cy="882649"/>
           </a:xfrm>
-          <a:prstGeom prst="rect">
-            <a:avLst/>
-          </a:prstGeom>
         </p:spPr>
         <p:txBody>
-          <a:bodyPr wrap="square" lIns="0" tIns="0" rIns="0" bIns="0">
-            <a:spAutoFit/>
-          </a:bodyPr>
+          <a:bodyPr lIns="0" tIns="0" rIns="0" bIns="0"/>
           <a:lstStyle>
             <a:lvl1pPr>
               <a:defRPr sz="5600" b="1" i="0">
@@ -649,27 +644,22 @@
       </p:sp>
       <p:sp>
         <p:nvSpPr>
-          <p:cNvPr id="3" name="Holder 3"/>
+          <p:cNvPr id="3" name="subtitle_text"/>
           <p:cNvSpPr>
             <a:spLocks noGrp="1"/>
           </p:cNvSpPr>
           <p:nvPr>
-            <p:ph type="subTitle" idx="4"/>
+            <p:ph type="body" idx="1"/>
           </p:nvPr>
         </p:nvSpPr>
         <p:spPr bwMode="auto">
-          <a:xfrm>
-            <a:off x="2745105" y="5767832"/>
-            <a:ext cx="12810490" cy="2574925"/>
+          <a:xfrm rot="0" flipH="0" flipV="0">
+            <a:off x="4860000" y="4294800"/>
+            <a:ext cx="8579793" cy="2120899"/>
           </a:xfrm>
-          <a:prstGeom prst="rect">
-            <a:avLst/>
-          </a:prstGeom>
         </p:spPr>
         <p:txBody>
-          <a:bodyPr wrap="square" lIns="0" tIns="0" rIns="0" bIns="0">
-            <a:spAutoFit/>
-          </a:bodyPr>
+          <a:bodyPr lIns="0" tIns="0" rIns="0" bIns="0"/>
           <a:lstStyle>
             <a:lvl1pPr>
               <a:defRPr sz="2750" b="0" i="0">
@@ -699,7 +689,12 @@
             <p:ph type="ftr" sz="quarter" idx="5"/>
           </p:nvPr>
         </p:nvSpPr>
-        <p:spPr bwMode="auto"/>
+        <p:spPr bwMode="auto">
+          <a:xfrm>
+            <a:off x="6222237" y="9578720"/>
+            <a:ext cx="5856223" cy="514984"/>
+          </a:xfrm>
+        </p:spPr>
         <p:txBody>
           <a:bodyPr lIns="0" tIns="0" rIns="0" bIns="0"/>
           <a:lstStyle>
@@ -731,7 +726,12 @@
             <p:ph type="dt" sz="half" idx="6"/>
           </p:nvPr>
         </p:nvSpPr>
-        <p:spPr bwMode="auto"/>
+        <p:spPr bwMode="auto">
+          <a:xfrm>
+            <a:off x="915034" y="9578720"/>
+            <a:ext cx="4209160" cy="514984"/>
+          </a:xfrm>
+        </p:spPr>
         <p:txBody>
           <a:bodyPr lIns="0" tIns="0" rIns="0" bIns="0"/>
           <a:lstStyle>
@@ -767,7 +767,12 @@
             <p:ph type="sldNum" sz="quarter" idx="7"/>
           </p:nvPr>
         </p:nvSpPr>
-        <p:spPr bwMode="auto"/>
+        <p:spPr bwMode="auto">
+          <a:xfrm>
+            <a:off x="13176504" y="9578720"/>
+            <a:ext cx="4209160" cy="514984"/>
+          </a:xfrm>
+        </p:spPr>
         <p:txBody>
           <a:bodyPr lIns="0" tIns="0" rIns="0" bIns="0"/>
           <a:lstStyle>
@@ -803,7 +808,7 @@
 
 <file path=ppt/slideLayouts/slideLayout2.xml><?xml version="1.0" encoding="utf-8"?>
 <p:sldLayout xmlns:a="http://schemas.openxmlformats.org/drawingml/2006/main" xmlns:r="http://schemas.openxmlformats.org/officeDocument/2006/relationships" xmlns:p="http://schemas.openxmlformats.org/presentationml/2006/main" xmlns:m="http://schemas.openxmlformats.org/officeDocument/2006/math" xmlns:w="http://schemas.openxmlformats.org/wordprocessingml/2006/main" matchingName="" preserve="1" showMasterPhAnim="0" showMasterSp="1" type="obj" userDrawn="1">
-  <p:cSld name="Title and Content">
+  <p:cSld name="Two Content">
     <p:spTree>
       <p:nvGrpSpPr>
         <p:cNvPr id="1" name=""/>
@@ -820,7 +825,7 @@
       </p:grpSpPr>
       <p:sp>
         <p:nvSpPr>
-          <p:cNvPr id="2" name="Holder 2"/>
+          <p:cNvPr id="2" name="title_text"/>
           <p:cNvSpPr>
             <a:spLocks noGrp="1"/>
           </p:cNvSpPr>
@@ -828,7 +833,12 @@
             <p:ph type="title"/>
           </p:nvPr>
         </p:nvSpPr>
-        <p:spPr bwMode="auto"/>
+        <p:spPr bwMode="auto">
+          <a:xfrm rot="0" flipH="0" flipV="0">
+            <a:off x="3430800" y="997200"/>
+            <a:ext cx="8384157" cy="882649"/>
+          </a:xfrm>
+        </p:spPr>
         <p:txBody>
           <a:bodyPr lIns="0" tIns="0" rIns="0" bIns="0"/>
           <a:lstStyle>
@@ -852,7 +862,7 @@
       </p:sp>
       <p:sp>
         <p:nvSpPr>
-          <p:cNvPr id="3" name="Holder 3"/>
+          <p:cNvPr id="1755615140" name="text"/>
           <p:cNvSpPr>
             <a:spLocks noGrp="1"/>
           </p:cNvSpPr>
@@ -860,7 +870,12 @@
             <p:ph type="body" idx="1"/>
           </p:nvPr>
         </p:nvSpPr>
-        <p:spPr bwMode="auto"/>
+        <p:spPr bwMode="auto">
+          <a:xfrm rot="0" flipH="0" flipV="0">
+            <a:off x="568800" y="2368800"/>
+            <a:ext cx="8511006" cy="6797801"/>
+          </a:xfrm>
+        </p:spPr>
         <p:txBody>
           <a:bodyPr lIns="0" tIns="0" rIns="0" bIns="0"/>
           <a:lstStyle>
@@ -882,110 +897,28 @@
           </a:p>
         </p:txBody>
       </p:sp>
-      <p:sp>
-        <p:nvSpPr>
-          <p:cNvPr id="4" name="Holder 4"/>
-          <p:cNvSpPr>
-            <a:spLocks noGrp="1"/>
-          </p:cNvSpPr>
-          <p:nvPr>
-            <p:ph type="ftr" sz="quarter" idx="5"/>
-          </p:nvPr>
-        </p:nvSpPr>
-        <p:spPr bwMode="auto"/>
-        <p:txBody>
-          <a:bodyPr lIns="0" tIns="0" rIns="0" bIns="0"/>
-          <a:lstStyle>
-            <a:lvl1pPr algn="ctr">
-              <a:defRPr>
-                <a:solidFill>
-                  <a:schemeClr val="tx1">
-                    <a:tint val="75000"/>
-                  </a:schemeClr>
-                </a:solidFill>
-              </a:defRPr>
-            </a:lvl1pPr>
-          </a:lstStyle>
-          <a:p>
-            <a:pPr>
-              <a:defRPr/>
-            </a:pPr>
-            <a:endParaRPr/>
-          </a:p>
-        </p:txBody>
-      </p:sp>
-      <p:sp>
-        <p:nvSpPr>
-          <p:cNvPr id="5" name="Holder 5"/>
-          <p:cNvSpPr>
-            <a:spLocks noGrp="1"/>
-          </p:cNvSpPr>
-          <p:nvPr>
-            <p:ph type="dt" sz="half" idx="6"/>
-          </p:nvPr>
-        </p:nvSpPr>
-        <p:spPr bwMode="auto"/>
-        <p:txBody>
-          <a:bodyPr lIns="0" tIns="0" rIns="0" bIns="0"/>
-          <a:lstStyle>
-            <a:lvl1pPr algn="l">
-              <a:defRPr>
-                <a:solidFill>
-                  <a:schemeClr val="tx1">
-                    <a:tint val="75000"/>
-                  </a:schemeClr>
-                </a:solidFill>
-              </a:defRPr>
-            </a:lvl1pPr>
-          </a:lstStyle>
-          <a:p>
-            <a:pPr>
-              <a:defRPr/>
-            </a:pPr>
-            <a:fld id="{1D8BD707-D9CF-40AE-B4C6-C98DA3205C09}" type="datetimeFigureOut">
-              <a:rPr lang="en-US"/>
-              <a:t/>
-            </a:fld>
-            <a:endParaRPr/>
-          </a:p>
-        </p:txBody>
-      </p:sp>
-      <p:sp>
-        <p:nvSpPr>
-          <p:cNvPr id="6" name="Holder 6"/>
-          <p:cNvSpPr>
-            <a:spLocks noGrp="1"/>
-          </p:cNvSpPr>
-          <p:nvPr>
-            <p:ph type="sldNum" sz="quarter" idx="7"/>
-          </p:nvPr>
-        </p:nvSpPr>
-        <p:spPr bwMode="auto"/>
-        <p:txBody>
-          <a:bodyPr lIns="0" tIns="0" rIns="0" bIns="0"/>
-          <a:lstStyle>
-            <a:lvl1pPr algn="r">
-              <a:defRPr>
-                <a:solidFill>
-                  <a:schemeClr val="tx1">
-                    <a:tint val="75000"/>
-                  </a:schemeClr>
-                </a:solidFill>
-              </a:defRPr>
-            </a:lvl1pPr>
-          </a:lstStyle>
-          <a:p>
-            <a:pPr>
-              <a:defRPr/>
-            </a:pPr>
-            <a:fld id="{B6F15528-21DE-4FAA-801E-634DDDAF4B2B}" type="slidenum">
-              <a:rPr/>
-              <a:t>#</a:t>
-            </a:fld>
-            <a:endParaRPr/>
-          </a:p>
-        </p:txBody>
-      </p:sp>
+      <p:pic>
+        <p:nvPicPr>
+          <p:cNvPr id="1952604214" name="imagen"/>
+          <p:cNvPicPr>
+            <a:picLocks noChangeAspect="1"/>
+          </p:cNvPicPr>
+          <p:nvPr/>
+        </p:nvPicPr>
+        <p:blipFill>
+          <a:blip r:embed="rId2"/>
+          <a:stretch/>
+        </p:blipFill>
+        <p:spPr bwMode="auto">
+          <a:xfrm rot="0" flipH="0" flipV="0">
+            <a:off x="9230399" y="2368800"/>
+            <a:ext cx="8308800" cy="6796800"/>
+          </a:xfrm>
+          <a:prstGeom prst="rect">
+            <a:avLst/>
+          </a:prstGeom>
+        </p:spPr>
+      </p:pic>
     </p:spTree>
   </p:cSld>
   <p:clrMapOvr>
@@ -995,8 +928,8 @@
 </file>
 
 <file path=ppt/slideLayouts/slideLayout3.xml><?xml version="1.0" encoding="utf-8"?>
-<p:sldLayout xmlns:a="http://schemas.openxmlformats.org/drawingml/2006/main" xmlns:r="http://schemas.openxmlformats.org/officeDocument/2006/relationships" xmlns:p="http://schemas.openxmlformats.org/presentationml/2006/main" xmlns:m="http://schemas.openxmlformats.org/officeDocument/2006/math" xmlns:w="http://schemas.openxmlformats.org/wordprocessingml/2006/main" matchingName="" preserve="1" showMasterPhAnim="0" showMasterSp="1" type="obj" userDrawn="1">
-  <p:cSld name="Two Content">
+<p:sldLayout xmlns:a="http://schemas.openxmlformats.org/drawingml/2006/main" xmlns:r="http://schemas.openxmlformats.org/officeDocument/2006/relationships" xmlns:p="http://schemas.openxmlformats.org/presentationml/2006/main" xmlns:m="http://schemas.openxmlformats.org/officeDocument/2006/math" xmlns:w="http://schemas.openxmlformats.org/wordprocessingml/2006/main" matchingName="" preserve="1" showMasterPhAnim="0" showMasterSp="0" type="obj" userDrawn="1">
+  <p:cSld name="Title Only">
     <p:spTree>
       <p:nvGrpSpPr>
         <p:cNvPr id="1" name=""/>
@@ -1013,7 +946,2621 @@
       </p:grpSpPr>
       <p:sp>
         <p:nvSpPr>
-          <p:cNvPr id="2" name="Holder 2"/>
+          <p:cNvPr id="275585521" name="bg object 16"/>
+          <p:cNvSpPr/>
+          <p:nvPr/>
+        </p:nvSpPr>
+        <p:spPr bwMode="auto">
+          <a:xfrm>
+            <a:off x="0" y="0"/>
+            <a:ext cx="18288000" cy="10287000"/>
+          </a:xfrm>
+          <a:custGeom>
+            <a:avLst/>
+            <a:gdLst/>
+            <a:ahLst/>
+            <a:cxnLst/>
+            <a:rect l="l" t="t" r="r" b="b"/>
+            <a:pathLst>
+              <a:path w="18288000" h="10287000" fill="norm" stroke="1" extrusionOk="0">
+                <a:moveTo>
+                  <a:pt x="18288000" y="0"/>
+                </a:moveTo>
+                <a:lnTo>
+                  <a:pt x="0" y="0"/>
+                </a:lnTo>
+                <a:lnTo>
+                  <a:pt x="0" y="10287000"/>
+                </a:lnTo>
+                <a:lnTo>
+                  <a:pt x="18288000" y="10287000"/>
+                </a:lnTo>
+                <a:lnTo>
+                  <a:pt x="18288000" y="0"/>
+                </a:lnTo>
+                <a:close/>
+              </a:path>
+            </a:pathLst>
+          </a:custGeom>
+          <a:solidFill>
+            <a:srgbClr val="F3F3F3"/>
+          </a:solidFill>
+        </p:spPr>
+        <p:txBody>
+          <a:bodyPr wrap="square" lIns="0" tIns="0" rIns="0" bIns="0" rtlCol="0"/>
+          <a:lstStyle/>
+          <a:p>
+            <a:pPr>
+              <a:defRPr/>
+            </a:pPr>
+            <a:endParaRPr/>
+          </a:p>
+        </p:txBody>
+      </p:sp>
+      <p:sp>
+        <p:nvSpPr>
+          <p:cNvPr id="1520075083" name="bg object 16"/>
+          <p:cNvSpPr/>
+          <p:nvPr/>
+        </p:nvSpPr>
+        <p:spPr bwMode="auto">
+          <a:xfrm>
+            <a:off x="0" y="0"/>
+            <a:ext cx="18288000" cy="10287000"/>
+          </a:xfrm>
+          <a:custGeom>
+            <a:avLst/>
+            <a:gdLst/>
+            <a:ahLst/>
+            <a:cxnLst/>
+            <a:rect l="l" t="t" r="r" b="b"/>
+            <a:pathLst>
+              <a:path w="18288000" h="10287000" fill="norm" stroke="1" extrusionOk="0">
+                <a:moveTo>
+                  <a:pt x="18288000" y="0"/>
+                </a:moveTo>
+                <a:lnTo>
+                  <a:pt x="0" y="0"/>
+                </a:lnTo>
+                <a:lnTo>
+                  <a:pt x="0" y="10287000"/>
+                </a:lnTo>
+                <a:lnTo>
+                  <a:pt x="18288000" y="10287000"/>
+                </a:lnTo>
+                <a:lnTo>
+                  <a:pt x="18288000" y="0"/>
+                </a:lnTo>
+                <a:close/>
+              </a:path>
+            </a:pathLst>
+          </a:custGeom>
+          <a:solidFill>
+            <a:srgbClr val="F3F3F3"/>
+          </a:solidFill>
+        </p:spPr>
+        <p:txBody>
+          <a:bodyPr wrap="square" lIns="0" tIns="0" rIns="0" bIns="0" rtlCol="0"/>
+          <a:lstStyle/>
+          <a:p>
+            <a:pPr>
+              <a:defRPr/>
+            </a:pPr>
+            <a:endParaRPr/>
+          </a:p>
+        </p:txBody>
+      </p:sp>
+      <p:pic>
+        <p:nvPicPr>
+          <p:cNvPr id="978425657" name="bg object 17"/>
+          <p:cNvPicPr/>
+          <p:nvPr/>
+        </p:nvPicPr>
+        <p:blipFill>
+          <a:blip r:embed="rId2"/>
+          <a:stretch/>
+        </p:blipFill>
+        <p:spPr bwMode="auto">
+          <a:xfrm>
+            <a:off x="-5037" y="-9358"/>
+            <a:ext cx="3058409" cy="1533510"/>
+          </a:xfrm>
+          <a:prstGeom prst="rect">
+            <a:avLst/>
+          </a:prstGeom>
+        </p:spPr>
+      </p:pic>
+      <p:sp>
+        <p:nvSpPr>
+          <p:cNvPr id="1258030379" name="bg object 18"/>
+          <p:cNvSpPr/>
+          <p:nvPr/>
+        </p:nvSpPr>
+        <p:spPr bwMode="auto">
+          <a:xfrm>
+            <a:off x="17322417" y="0"/>
+            <a:ext cx="965835" cy="916304"/>
+          </a:xfrm>
+          <a:custGeom>
+            <a:avLst/>
+            <a:gdLst/>
+            <a:ahLst/>
+            <a:cxnLst/>
+            <a:rect l="l" t="t" r="r" b="b"/>
+            <a:pathLst>
+              <a:path w="965834" h="916305" fill="norm" stroke="1" extrusionOk="0">
+                <a:moveTo>
+                  <a:pt x="506900" y="0"/>
+                </a:moveTo>
+                <a:lnTo>
+                  <a:pt x="488345" y="0"/>
+                </a:lnTo>
+                <a:lnTo>
+                  <a:pt x="487646" y="4151"/>
+                </a:lnTo>
+                <a:lnTo>
+                  <a:pt x="475680" y="47486"/>
+                </a:lnTo>
+                <a:lnTo>
+                  <a:pt x="459456" y="89850"/>
+                </a:lnTo>
+                <a:lnTo>
+                  <a:pt x="439280" y="130944"/>
+                </a:lnTo>
+                <a:lnTo>
+                  <a:pt x="415457" y="170467"/>
+                </a:lnTo>
+                <a:lnTo>
+                  <a:pt x="388292" y="208123"/>
+                </a:lnTo>
+                <a:lnTo>
+                  <a:pt x="358091" y="243610"/>
+                </a:lnTo>
+                <a:lnTo>
+                  <a:pt x="325158" y="276632"/>
+                </a:lnTo>
+                <a:lnTo>
+                  <a:pt x="289800" y="306888"/>
+                </a:lnTo>
+                <a:lnTo>
+                  <a:pt x="252320" y="334079"/>
+                </a:lnTo>
+                <a:lnTo>
+                  <a:pt x="213025" y="357908"/>
+                </a:lnTo>
+                <a:lnTo>
+                  <a:pt x="172220" y="378075"/>
+                </a:lnTo>
+                <a:lnTo>
+                  <a:pt x="130209" y="394280"/>
+                </a:lnTo>
+                <a:lnTo>
+                  <a:pt x="87299" y="406225"/>
+                </a:lnTo>
+                <a:lnTo>
+                  <a:pt x="43794" y="413612"/>
+                </a:lnTo>
+                <a:lnTo>
+                  <a:pt x="0" y="416140"/>
+                </a:lnTo>
+                <a:lnTo>
+                  <a:pt x="43794" y="418669"/>
+                </a:lnTo>
+                <a:lnTo>
+                  <a:pt x="87299" y="426055"/>
+                </a:lnTo>
+                <a:lnTo>
+                  <a:pt x="130209" y="437998"/>
+                </a:lnTo>
+                <a:lnTo>
+                  <a:pt x="172220" y="454199"/>
+                </a:lnTo>
+                <a:lnTo>
+                  <a:pt x="213025" y="474357"/>
+                </a:lnTo>
+                <a:lnTo>
+                  <a:pt x="252320" y="498173"/>
+                </a:lnTo>
+                <a:lnTo>
+                  <a:pt x="289800" y="525347"/>
+                </a:lnTo>
+                <a:lnTo>
+                  <a:pt x="325158" y="555579"/>
+                </a:lnTo>
+                <a:lnTo>
+                  <a:pt x="358091" y="588570"/>
+                </a:lnTo>
+                <a:lnTo>
+                  <a:pt x="388292" y="624019"/>
+                </a:lnTo>
+                <a:lnTo>
+                  <a:pt x="415457" y="661626"/>
+                </a:lnTo>
+                <a:lnTo>
+                  <a:pt x="439280" y="701093"/>
+                </a:lnTo>
+                <a:lnTo>
+                  <a:pt x="459456" y="742118"/>
+                </a:lnTo>
+                <a:lnTo>
+                  <a:pt x="475680" y="784402"/>
+                </a:lnTo>
+                <a:lnTo>
+                  <a:pt x="487646" y="827645"/>
+                </a:lnTo>
+                <a:lnTo>
+                  <a:pt x="495050" y="871547"/>
+                </a:lnTo>
+                <a:lnTo>
+                  <a:pt x="497585" y="915809"/>
+                </a:lnTo>
+                <a:lnTo>
+                  <a:pt x="500142" y="871547"/>
+                </a:lnTo>
+                <a:lnTo>
+                  <a:pt x="507604" y="827645"/>
+                </a:lnTo>
+                <a:lnTo>
+                  <a:pt x="519662" y="784402"/>
+                </a:lnTo>
+                <a:lnTo>
+                  <a:pt x="536008" y="742118"/>
+                </a:lnTo>
+                <a:lnTo>
+                  <a:pt x="556331" y="701093"/>
+                </a:lnTo>
+                <a:lnTo>
+                  <a:pt x="580323" y="661626"/>
+                </a:lnTo>
+                <a:lnTo>
+                  <a:pt x="607673" y="624019"/>
+                </a:lnTo>
+                <a:lnTo>
+                  <a:pt x="638073" y="588570"/>
+                </a:lnTo>
+                <a:lnTo>
+                  <a:pt x="671212" y="555579"/>
+                </a:lnTo>
+                <a:lnTo>
+                  <a:pt x="706783" y="525347"/>
+                </a:lnTo>
+                <a:lnTo>
+                  <a:pt x="744474" y="498173"/>
+                </a:lnTo>
+                <a:lnTo>
+                  <a:pt x="783977" y="474357"/>
+                </a:lnTo>
+                <a:lnTo>
+                  <a:pt x="824982" y="454199"/>
+                </a:lnTo>
+                <a:lnTo>
+                  <a:pt x="867181" y="437998"/>
+                </a:lnTo>
+                <a:lnTo>
+                  <a:pt x="910262" y="426055"/>
+                </a:lnTo>
+                <a:lnTo>
+                  <a:pt x="953918" y="418669"/>
+                </a:lnTo>
+                <a:lnTo>
+                  <a:pt x="965602" y="417996"/>
+                </a:lnTo>
+                <a:lnTo>
+                  <a:pt x="965602" y="414284"/>
+                </a:lnTo>
+                <a:lnTo>
+                  <a:pt x="910262" y="406225"/>
+                </a:lnTo>
+                <a:lnTo>
+                  <a:pt x="867181" y="394280"/>
+                </a:lnTo>
+                <a:lnTo>
+                  <a:pt x="824982" y="378075"/>
+                </a:lnTo>
+                <a:lnTo>
+                  <a:pt x="783977" y="357908"/>
+                </a:lnTo>
+                <a:lnTo>
+                  <a:pt x="744474" y="334079"/>
+                </a:lnTo>
+                <a:lnTo>
+                  <a:pt x="706783" y="306888"/>
+                </a:lnTo>
+                <a:lnTo>
+                  <a:pt x="671212" y="276632"/>
+                </a:lnTo>
+                <a:lnTo>
+                  <a:pt x="638073" y="243610"/>
+                </a:lnTo>
+                <a:lnTo>
+                  <a:pt x="607673" y="208123"/>
+                </a:lnTo>
+                <a:lnTo>
+                  <a:pt x="580323" y="170467"/>
+                </a:lnTo>
+                <a:lnTo>
+                  <a:pt x="556331" y="130944"/>
+                </a:lnTo>
+                <a:lnTo>
+                  <a:pt x="536008" y="89850"/>
+                </a:lnTo>
+                <a:lnTo>
+                  <a:pt x="519662" y="47486"/>
+                </a:lnTo>
+                <a:lnTo>
+                  <a:pt x="507604" y="4151"/>
+                </a:lnTo>
+                <a:lnTo>
+                  <a:pt x="506900" y="0"/>
+                </a:lnTo>
+                <a:close/>
+              </a:path>
+            </a:pathLst>
+          </a:custGeom>
+          <a:solidFill>
+            <a:srgbClr val="36D636"/>
+          </a:solidFill>
+        </p:spPr>
+        <p:txBody>
+          <a:bodyPr wrap="square" lIns="0" tIns="0" rIns="0" bIns="0" rtlCol="0"/>
+          <a:lstStyle/>
+          <a:p>
+            <a:pPr>
+              <a:defRPr/>
+            </a:pPr>
+            <a:endParaRPr/>
+          </a:p>
+        </p:txBody>
+      </p:sp>
+      <p:sp>
+        <p:nvSpPr>
+          <p:cNvPr id="1798576797" name="bg object 19"/>
+          <p:cNvSpPr/>
+          <p:nvPr/>
+        </p:nvSpPr>
+        <p:spPr bwMode="auto">
+          <a:xfrm>
+            <a:off x="17322493" y="0"/>
+            <a:ext cx="965835" cy="916304"/>
+          </a:xfrm>
+          <a:custGeom>
+            <a:avLst/>
+            <a:gdLst/>
+            <a:ahLst/>
+            <a:cxnLst/>
+            <a:rect l="l" t="t" r="r" b="b"/>
+            <a:pathLst>
+              <a:path w="965834" h="916305" fill="norm" stroke="1" extrusionOk="0">
+                <a:moveTo>
+                  <a:pt x="506756" y="0"/>
+                </a:moveTo>
+                <a:lnTo>
+                  <a:pt x="519533" y="47536"/>
+                </a:lnTo>
+                <a:lnTo>
+                  <a:pt x="535885" y="89901"/>
+                </a:lnTo>
+                <a:lnTo>
+                  <a:pt x="556217" y="130995"/>
+                </a:lnTo>
+                <a:lnTo>
+                  <a:pt x="580217" y="170519"/>
+                </a:lnTo>
+                <a:lnTo>
+                  <a:pt x="607578" y="208175"/>
+                </a:lnTo>
+                <a:lnTo>
+                  <a:pt x="637988" y="243663"/>
+                </a:lnTo>
+                <a:lnTo>
+                  <a:pt x="671138" y="276686"/>
+                </a:lnTo>
+                <a:lnTo>
+                  <a:pt x="706718" y="306942"/>
+                </a:lnTo>
+                <a:lnTo>
+                  <a:pt x="744419" y="334135"/>
+                </a:lnTo>
+                <a:lnTo>
+                  <a:pt x="783931" y="357964"/>
+                </a:lnTo>
+                <a:lnTo>
+                  <a:pt x="824944" y="378130"/>
+                </a:lnTo>
+                <a:lnTo>
+                  <a:pt x="867149" y="394336"/>
+                </a:lnTo>
+                <a:lnTo>
+                  <a:pt x="910235" y="406282"/>
+                </a:lnTo>
+                <a:lnTo>
+                  <a:pt x="953893" y="413668"/>
+                </a:lnTo>
+                <a:lnTo>
+                  <a:pt x="965528" y="414338"/>
+                </a:lnTo>
+              </a:path>
+              <a:path w="965834" h="916305" fill="norm" stroke="1" extrusionOk="0">
+                <a:moveTo>
+                  <a:pt x="965528" y="418056"/>
+                </a:moveTo>
+                <a:lnTo>
+                  <a:pt x="910235" y="426111"/>
+                </a:lnTo>
+                <a:lnTo>
+                  <a:pt x="867149" y="438054"/>
+                </a:lnTo>
+                <a:lnTo>
+                  <a:pt x="824944" y="454254"/>
+                </a:lnTo>
+                <a:lnTo>
+                  <a:pt x="783931" y="474412"/>
+                </a:lnTo>
+                <a:lnTo>
+                  <a:pt x="744419" y="498227"/>
+                </a:lnTo>
+                <a:lnTo>
+                  <a:pt x="706718" y="525401"/>
+                </a:lnTo>
+                <a:lnTo>
+                  <a:pt x="671138" y="555632"/>
+                </a:lnTo>
+                <a:lnTo>
+                  <a:pt x="637988" y="588621"/>
+                </a:lnTo>
+                <a:lnTo>
+                  <a:pt x="607578" y="624069"/>
+                </a:lnTo>
+                <a:lnTo>
+                  <a:pt x="580217" y="661676"/>
+                </a:lnTo>
+                <a:lnTo>
+                  <a:pt x="556217" y="701140"/>
+                </a:lnTo>
+                <a:lnTo>
+                  <a:pt x="535885" y="742164"/>
+                </a:lnTo>
+                <a:lnTo>
+                  <a:pt x="519533" y="784447"/>
+                </a:lnTo>
+                <a:lnTo>
+                  <a:pt x="507469" y="827689"/>
+                </a:lnTo>
+                <a:lnTo>
+                  <a:pt x="500003" y="871590"/>
+                </a:lnTo>
+                <a:lnTo>
+                  <a:pt x="497446" y="915851"/>
+                </a:lnTo>
+                <a:lnTo>
+                  <a:pt x="494912" y="871590"/>
+                </a:lnTo>
+                <a:lnTo>
+                  <a:pt x="487512" y="827689"/>
+                </a:lnTo>
+                <a:lnTo>
+                  <a:pt x="475551" y="784447"/>
+                </a:lnTo>
+                <a:lnTo>
+                  <a:pt x="459335" y="742164"/>
+                </a:lnTo>
+                <a:lnTo>
+                  <a:pt x="439169" y="701140"/>
+                </a:lnTo>
+                <a:lnTo>
+                  <a:pt x="415356" y="661676"/>
+                </a:lnTo>
+                <a:lnTo>
+                  <a:pt x="388202" y="624069"/>
+                </a:lnTo>
+                <a:lnTo>
+                  <a:pt x="358013" y="588621"/>
+                </a:lnTo>
+                <a:lnTo>
+                  <a:pt x="325092" y="555632"/>
+                </a:lnTo>
+                <a:lnTo>
+                  <a:pt x="289746" y="525401"/>
+                </a:lnTo>
+                <a:lnTo>
+                  <a:pt x="252278" y="498227"/>
+                </a:lnTo>
+                <a:lnTo>
+                  <a:pt x="212993" y="474412"/>
+                </a:lnTo>
+                <a:lnTo>
+                  <a:pt x="172198" y="454254"/>
+                </a:lnTo>
+                <a:lnTo>
+                  <a:pt x="130196" y="438054"/>
+                </a:lnTo>
+                <a:lnTo>
+                  <a:pt x="87292" y="426111"/>
+                </a:lnTo>
+                <a:lnTo>
+                  <a:pt x="43792" y="418726"/>
+                </a:lnTo>
+                <a:lnTo>
+                  <a:pt x="0" y="416197"/>
+                </a:lnTo>
+                <a:lnTo>
+                  <a:pt x="43792" y="413668"/>
+                </a:lnTo>
+                <a:lnTo>
+                  <a:pt x="87292" y="406282"/>
+                </a:lnTo>
+                <a:lnTo>
+                  <a:pt x="130196" y="394336"/>
+                </a:lnTo>
+                <a:lnTo>
+                  <a:pt x="172198" y="378130"/>
+                </a:lnTo>
+                <a:lnTo>
+                  <a:pt x="212993" y="357964"/>
+                </a:lnTo>
+                <a:lnTo>
+                  <a:pt x="252278" y="334135"/>
+                </a:lnTo>
+                <a:lnTo>
+                  <a:pt x="289746" y="306942"/>
+                </a:lnTo>
+                <a:lnTo>
+                  <a:pt x="325092" y="276686"/>
+                </a:lnTo>
+                <a:lnTo>
+                  <a:pt x="358013" y="243663"/>
+                </a:lnTo>
+                <a:lnTo>
+                  <a:pt x="388202" y="208175"/>
+                </a:lnTo>
+                <a:lnTo>
+                  <a:pt x="415356" y="170519"/>
+                </a:lnTo>
+                <a:lnTo>
+                  <a:pt x="439169" y="130995"/>
+                </a:lnTo>
+                <a:lnTo>
+                  <a:pt x="459335" y="89901"/>
+                </a:lnTo>
+                <a:lnTo>
+                  <a:pt x="475551" y="47536"/>
+                </a:lnTo>
+                <a:lnTo>
+                  <a:pt x="487512" y="4199"/>
+                </a:lnTo>
+                <a:lnTo>
+                  <a:pt x="488218" y="0"/>
+                </a:lnTo>
+              </a:path>
+            </a:pathLst>
+          </a:custGeom>
+          <a:ln w="18718">
+            <a:solidFill>
+              <a:srgbClr val="36D636"/>
+            </a:solidFill>
+          </a:ln>
+        </p:spPr>
+        <p:txBody>
+          <a:bodyPr wrap="square" lIns="0" tIns="0" rIns="0" bIns="0" rtlCol="0"/>
+          <a:lstStyle/>
+          <a:p>
+            <a:pPr>
+              <a:defRPr/>
+            </a:pPr>
+            <a:endParaRPr/>
+          </a:p>
+        </p:txBody>
+      </p:sp>
+      <p:sp>
+        <p:nvSpPr>
+          <p:cNvPr id="567986004" name="bg object 20"/>
+          <p:cNvSpPr/>
+          <p:nvPr/>
+        </p:nvSpPr>
+        <p:spPr bwMode="auto">
+          <a:xfrm>
+            <a:off x="17322417" y="840930"/>
+            <a:ext cx="965835" cy="1000125"/>
+          </a:xfrm>
+          <a:custGeom>
+            <a:avLst/>
+            <a:gdLst/>
+            <a:ahLst/>
+            <a:cxnLst/>
+            <a:rect l="l" t="t" r="r" b="b"/>
+            <a:pathLst>
+              <a:path w="965834" h="1000125" fill="norm" stroke="1" extrusionOk="0">
+                <a:moveTo>
+                  <a:pt x="497585" y="0"/>
+                </a:moveTo>
+                <a:lnTo>
+                  <a:pt x="495050" y="44382"/>
+                </a:lnTo>
+                <a:lnTo>
+                  <a:pt x="487646" y="88390"/>
+                </a:lnTo>
+                <a:lnTo>
+                  <a:pt x="475680" y="131726"/>
+                </a:lnTo>
+                <a:lnTo>
+                  <a:pt x="459456" y="174089"/>
+                </a:lnTo>
+                <a:lnTo>
+                  <a:pt x="439280" y="215183"/>
+                </a:lnTo>
+                <a:lnTo>
+                  <a:pt x="415457" y="254706"/>
+                </a:lnTo>
+                <a:lnTo>
+                  <a:pt x="388292" y="292362"/>
+                </a:lnTo>
+                <a:lnTo>
+                  <a:pt x="358091" y="327849"/>
+                </a:lnTo>
+                <a:lnTo>
+                  <a:pt x="325158" y="360871"/>
+                </a:lnTo>
+                <a:lnTo>
+                  <a:pt x="289800" y="391127"/>
+                </a:lnTo>
+                <a:lnTo>
+                  <a:pt x="252320" y="418319"/>
+                </a:lnTo>
+                <a:lnTo>
+                  <a:pt x="213025" y="442147"/>
+                </a:lnTo>
+                <a:lnTo>
+                  <a:pt x="172220" y="462314"/>
+                </a:lnTo>
+                <a:lnTo>
+                  <a:pt x="130209" y="478519"/>
+                </a:lnTo>
+                <a:lnTo>
+                  <a:pt x="87299" y="490464"/>
+                </a:lnTo>
+                <a:lnTo>
+                  <a:pt x="43794" y="497851"/>
+                </a:lnTo>
+                <a:lnTo>
+                  <a:pt x="0" y="500379"/>
+                </a:lnTo>
+                <a:lnTo>
+                  <a:pt x="43794" y="502908"/>
+                </a:lnTo>
+                <a:lnTo>
+                  <a:pt x="87299" y="510294"/>
+                </a:lnTo>
+                <a:lnTo>
+                  <a:pt x="130209" y="522237"/>
+                </a:lnTo>
+                <a:lnTo>
+                  <a:pt x="172220" y="538438"/>
+                </a:lnTo>
+                <a:lnTo>
+                  <a:pt x="213025" y="558596"/>
+                </a:lnTo>
+                <a:lnTo>
+                  <a:pt x="252320" y="582412"/>
+                </a:lnTo>
+                <a:lnTo>
+                  <a:pt x="289800" y="609586"/>
+                </a:lnTo>
+                <a:lnTo>
+                  <a:pt x="325158" y="639819"/>
+                </a:lnTo>
+                <a:lnTo>
+                  <a:pt x="358091" y="672809"/>
+                </a:lnTo>
+                <a:lnTo>
+                  <a:pt x="388292" y="708258"/>
+                </a:lnTo>
+                <a:lnTo>
+                  <a:pt x="415457" y="745865"/>
+                </a:lnTo>
+                <a:lnTo>
+                  <a:pt x="439280" y="785332"/>
+                </a:lnTo>
+                <a:lnTo>
+                  <a:pt x="459456" y="826357"/>
+                </a:lnTo>
+                <a:lnTo>
+                  <a:pt x="475680" y="868641"/>
+                </a:lnTo>
+                <a:lnTo>
+                  <a:pt x="487646" y="911884"/>
+                </a:lnTo>
+                <a:lnTo>
+                  <a:pt x="495050" y="955786"/>
+                </a:lnTo>
+                <a:lnTo>
+                  <a:pt x="497585" y="1000048"/>
+                </a:lnTo>
+                <a:lnTo>
+                  <a:pt x="500142" y="955786"/>
+                </a:lnTo>
+                <a:lnTo>
+                  <a:pt x="507604" y="911884"/>
+                </a:lnTo>
+                <a:lnTo>
+                  <a:pt x="519662" y="868641"/>
+                </a:lnTo>
+                <a:lnTo>
+                  <a:pt x="536008" y="826357"/>
+                </a:lnTo>
+                <a:lnTo>
+                  <a:pt x="556331" y="785332"/>
+                </a:lnTo>
+                <a:lnTo>
+                  <a:pt x="580323" y="745865"/>
+                </a:lnTo>
+                <a:lnTo>
+                  <a:pt x="607673" y="708258"/>
+                </a:lnTo>
+                <a:lnTo>
+                  <a:pt x="638073" y="672809"/>
+                </a:lnTo>
+                <a:lnTo>
+                  <a:pt x="671212" y="639819"/>
+                </a:lnTo>
+                <a:lnTo>
+                  <a:pt x="706783" y="609586"/>
+                </a:lnTo>
+                <a:lnTo>
+                  <a:pt x="744474" y="582412"/>
+                </a:lnTo>
+                <a:lnTo>
+                  <a:pt x="783977" y="558596"/>
+                </a:lnTo>
+                <a:lnTo>
+                  <a:pt x="824982" y="538438"/>
+                </a:lnTo>
+                <a:lnTo>
+                  <a:pt x="867181" y="522237"/>
+                </a:lnTo>
+                <a:lnTo>
+                  <a:pt x="910262" y="510294"/>
+                </a:lnTo>
+                <a:lnTo>
+                  <a:pt x="953918" y="502908"/>
+                </a:lnTo>
+                <a:lnTo>
+                  <a:pt x="965602" y="502235"/>
+                </a:lnTo>
+                <a:lnTo>
+                  <a:pt x="965602" y="498524"/>
+                </a:lnTo>
+                <a:lnTo>
+                  <a:pt x="910262" y="490464"/>
+                </a:lnTo>
+                <a:lnTo>
+                  <a:pt x="867181" y="478519"/>
+                </a:lnTo>
+                <a:lnTo>
+                  <a:pt x="824982" y="462314"/>
+                </a:lnTo>
+                <a:lnTo>
+                  <a:pt x="783977" y="442147"/>
+                </a:lnTo>
+                <a:lnTo>
+                  <a:pt x="744474" y="418319"/>
+                </a:lnTo>
+                <a:lnTo>
+                  <a:pt x="706783" y="391127"/>
+                </a:lnTo>
+                <a:lnTo>
+                  <a:pt x="671212" y="360871"/>
+                </a:lnTo>
+                <a:lnTo>
+                  <a:pt x="638073" y="327849"/>
+                </a:lnTo>
+                <a:lnTo>
+                  <a:pt x="607673" y="292362"/>
+                </a:lnTo>
+                <a:lnTo>
+                  <a:pt x="580323" y="254706"/>
+                </a:lnTo>
+                <a:lnTo>
+                  <a:pt x="556331" y="215183"/>
+                </a:lnTo>
+                <a:lnTo>
+                  <a:pt x="536008" y="174089"/>
+                </a:lnTo>
+                <a:lnTo>
+                  <a:pt x="519662" y="131726"/>
+                </a:lnTo>
+                <a:lnTo>
+                  <a:pt x="507604" y="88390"/>
+                </a:lnTo>
+                <a:lnTo>
+                  <a:pt x="500142" y="44382"/>
+                </a:lnTo>
+                <a:lnTo>
+                  <a:pt x="497585" y="0"/>
+                </a:lnTo>
+                <a:close/>
+              </a:path>
+            </a:pathLst>
+          </a:custGeom>
+          <a:solidFill>
+            <a:srgbClr val="36D636"/>
+          </a:solidFill>
+        </p:spPr>
+        <p:txBody>
+          <a:bodyPr wrap="square" lIns="0" tIns="0" rIns="0" bIns="0" rtlCol="0"/>
+          <a:lstStyle/>
+          <a:p>
+            <a:pPr>
+              <a:defRPr/>
+            </a:pPr>
+            <a:endParaRPr/>
+          </a:p>
+        </p:txBody>
+      </p:sp>
+      <p:sp>
+        <p:nvSpPr>
+          <p:cNvPr id="1599183120" name="bg object 21"/>
+          <p:cNvSpPr/>
+          <p:nvPr/>
+        </p:nvSpPr>
+        <p:spPr bwMode="auto">
+          <a:xfrm>
+            <a:off x="17322493" y="840981"/>
+            <a:ext cx="965835" cy="1000125"/>
+          </a:xfrm>
+          <a:custGeom>
+            <a:avLst/>
+            <a:gdLst/>
+            <a:ahLst/>
+            <a:cxnLst/>
+            <a:rect l="l" t="t" r="r" b="b"/>
+            <a:pathLst>
+              <a:path w="965834" h="1000125" fill="norm" stroke="1" extrusionOk="0">
+                <a:moveTo>
+                  <a:pt x="965528" y="502236"/>
+                </a:moveTo>
+                <a:lnTo>
+                  <a:pt x="910235" y="510291"/>
+                </a:lnTo>
+                <a:lnTo>
+                  <a:pt x="867149" y="522234"/>
+                </a:lnTo>
+                <a:lnTo>
+                  <a:pt x="824944" y="538434"/>
+                </a:lnTo>
+                <a:lnTo>
+                  <a:pt x="783931" y="558592"/>
+                </a:lnTo>
+                <a:lnTo>
+                  <a:pt x="744419" y="582408"/>
+                </a:lnTo>
+                <a:lnTo>
+                  <a:pt x="706718" y="609581"/>
+                </a:lnTo>
+                <a:lnTo>
+                  <a:pt x="671138" y="639813"/>
+                </a:lnTo>
+                <a:lnTo>
+                  <a:pt x="637988" y="672803"/>
+                </a:lnTo>
+                <a:lnTo>
+                  <a:pt x="607578" y="708252"/>
+                </a:lnTo>
+                <a:lnTo>
+                  <a:pt x="580217" y="745859"/>
+                </a:lnTo>
+                <a:lnTo>
+                  <a:pt x="556217" y="785325"/>
+                </a:lnTo>
+                <a:lnTo>
+                  <a:pt x="535885" y="826350"/>
+                </a:lnTo>
+                <a:lnTo>
+                  <a:pt x="519533" y="868634"/>
+                </a:lnTo>
+                <a:lnTo>
+                  <a:pt x="507469" y="911877"/>
+                </a:lnTo>
+                <a:lnTo>
+                  <a:pt x="500003" y="955780"/>
+                </a:lnTo>
+                <a:lnTo>
+                  <a:pt x="497446" y="1000043"/>
+                </a:lnTo>
+                <a:lnTo>
+                  <a:pt x="494912" y="955780"/>
+                </a:lnTo>
+                <a:lnTo>
+                  <a:pt x="487512" y="911877"/>
+                </a:lnTo>
+                <a:lnTo>
+                  <a:pt x="475551" y="868634"/>
+                </a:lnTo>
+                <a:lnTo>
+                  <a:pt x="459335" y="826350"/>
+                </a:lnTo>
+                <a:lnTo>
+                  <a:pt x="439169" y="785325"/>
+                </a:lnTo>
+                <a:lnTo>
+                  <a:pt x="415356" y="745859"/>
+                </a:lnTo>
+                <a:lnTo>
+                  <a:pt x="388202" y="708252"/>
+                </a:lnTo>
+                <a:lnTo>
+                  <a:pt x="358013" y="672803"/>
+                </a:lnTo>
+                <a:lnTo>
+                  <a:pt x="325092" y="639813"/>
+                </a:lnTo>
+                <a:lnTo>
+                  <a:pt x="289746" y="609581"/>
+                </a:lnTo>
+                <a:lnTo>
+                  <a:pt x="252278" y="582408"/>
+                </a:lnTo>
+                <a:lnTo>
+                  <a:pt x="212993" y="558592"/>
+                </a:lnTo>
+                <a:lnTo>
+                  <a:pt x="172198" y="538434"/>
+                </a:lnTo>
+                <a:lnTo>
+                  <a:pt x="130196" y="522234"/>
+                </a:lnTo>
+                <a:lnTo>
+                  <a:pt x="87292" y="510291"/>
+                </a:lnTo>
+                <a:lnTo>
+                  <a:pt x="43792" y="502905"/>
+                </a:lnTo>
+                <a:lnTo>
+                  <a:pt x="0" y="500377"/>
+                </a:lnTo>
+                <a:lnTo>
+                  <a:pt x="43792" y="497848"/>
+                </a:lnTo>
+                <a:lnTo>
+                  <a:pt x="87292" y="490462"/>
+                </a:lnTo>
+                <a:lnTo>
+                  <a:pt x="130196" y="478516"/>
+                </a:lnTo>
+                <a:lnTo>
+                  <a:pt x="172198" y="462310"/>
+                </a:lnTo>
+                <a:lnTo>
+                  <a:pt x="212993" y="442144"/>
+                </a:lnTo>
+                <a:lnTo>
+                  <a:pt x="252278" y="418315"/>
+                </a:lnTo>
+                <a:lnTo>
+                  <a:pt x="289746" y="391123"/>
+                </a:lnTo>
+                <a:lnTo>
+                  <a:pt x="325092" y="360867"/>
+                </a:lnTo>
+                <a:lnTo>
+                  <a:pt x="358013" y="327845"/>
+                </a:lnTo>
+                <a:lnTo>
+                  <a:pt x="388202" y="292357"/>
+                </a:lnTo>
+                <a:lnTo>
+                  <a:pt x="415356" y="254702"/>
+                </a:lnTo>
+                <a:lnTo>
+                  <a:pt x="439169" y="215179"/>
+                </a:lnTo>
+                <a:lnTo>
+                  <a:pt x="459335" y="174086"/>
+                </a:lnTo>
+                <a:lnTo>
+                  <a:pt x="475551" y="131723"/>
+                </a:lnTo>
+                <a:lnTo>
+                  <a:pt x="487512" y="88388"/>
+                </a:lnTo>
+                <a:lnTo>
+                  <a:pt x="494912" y="44380"/>
+                </a:lnTo>
+                <a:lnTo>
+                  <a:pt x="497446" y="0"/>
+                </a:lnTo>
+                <a:lnTo>
+                  <a:pt x="500003" y="44380"/>
+                </a:lnTo>
+                <a:lnTo>
+                  <a:pt x="507469" y="88388"/>
+                </a:lnTo>
+                <a:lnTo>
+                  <a:pt x="519533" y="131723"/>
+                </a:lnTo>
+                <a:lnTo>
+                  <a:pt x="535885" y="174086"/>
+                </a:lnTo>
+                <a:lnTo>
+                  <a:pt x="556217" y="215179"/>
+                </a:lnTo>
+                <a:lnTo>
+                  <a:pt x="580217" y="254702"/>
+                </a:lnTo>
+                <a:lnTo>
+                  <a:pt x="607578" y="292357"/>
+                </a:lnTo>
+                <a:lnTo>
+                  <a:pt x="637988" y="327845"/>
+                </a:lnTo>
+                <a:lnTo>
+                  <a:pt x="671138" y="360867"/>
+                </a:lnTo>
+                <a:lnTo>
+                  <a:pt x="706718" y="391123"/>
+                </a:lnTo>
+                <a:lnTo>
+                  <a:pt x="744419" y="418315"/>
+                </a:lnTo>
+                <a:lnTo>
+                  <a:pt x="783931" y="442144"/>
+                </a:lnTo>
+                <a:lnTo>
+                  <a:pt x="824944" y="462310"/>
+                </a:lnTo>
+                <a:lnTo>
+                  <a:pt x="867149" y="478516"/>
+                </a:lnTo>
+                <a:lnTo>
+                  <a:pt x="910235" y="490462"/>
+                </a:lnTo>
+                <a:lnTo>
+                  <a:pt x="953893" y="497848"/>
+                </a:lnTo>
+                <a:lnTo>
+                  <a:pt x="965528" y="498518"/>
+                </a:lnTo>
+              </a:path>
+            </a:pathLst>
+          </a:custGeom>
+          <a:ln w="18718">
+            <a:solidFill>
+              <a:srgbClr val="36D636"/>
+            </a:solidFill>
+          </a:ln>
+        </p:spPr>
+        <p:txBody>
+          <a:bodyPr wrap="square" lIns="0" tIns="0" rIns="0" bIns="0" rtlCol="0"/>
+          <a:lstStyle/>
+          <a:p>
+            <a:pPr>
+              <a:defRPr/>
+            </a:pPr>
+            <a:endParaRPr/>
+          </a:p>
+        </p:txBody>
+      </p:sp>
+      <p:sp>
+        <p:nvSpPr>
+          <p:cNvPr id="2029340441" name="bg object 22"/>
+          <p:cNvSpPr/>
+          <p:nvPr/>
+        </p:nvSpPr>
+        <p:spPr bwMode="auto">
+          <a:xfrm>
+            <a:off x="17297221" y="0"/>
+            <a:ext cx="991234" cy="1841499"/>
+          </a:xfrm>
+          <a:custGeom>
+            <a:avLst/>
+            <a:gdLst/>
+            <a:ahLst/>
+            <a:cxnLst/>
+            <a:rect l="l" t="t" r="r" b="b"/>
+            <a:pathLst>
+              <a:path w="991234" h="1841500" fill="norm" stroke="1" extrusionOk="0">
+                <a:moveTo>
+                  <a:pt x="990800" y="1841026"/>
+                </a:moveTo>
+                <a:lnTo>
+                  <a:pt x="0" y="1841026"/>
+                </a:lnTo>
+                <a:lnTo>
+                  <a:pt x="0" y="0"/>
+                </a:lnTo>
+              </a:path>
+            </a:pathLst>
+          </a:custGeom>
+          <a:ln w="38157">
+            <a:solidFill>
+              <a:srgbClr val="959595"/>
+            </a:solidFill>
+          </a:ln>
+        </p:spPr>
+        <p:txBody>
+          <a:bodyPr wrap="square" lIns="0" tIns="0" rIns="0" bIns="0" rtlCol="0"/>
+          <a:lstStyle/>
+          <a:p>
+            <a:pPr>
+              <a:defRPr/>
+            </a:pPr>
+            <a:endParaRPr/>
+          </a:p>
+        </p:txBody>
+      </p:sp>
+      <p:sp>
+        <p:nvSpPr>
+          <p:cNvPr id="598618688" name="bg object 23"/>
+          <p:cNvSpPr/>
+          <p:nvPr/>
+        </p:nvSpPr>
+        <p:spPr bwMode="auto">
+          <a:xfrm>
+            <a:off x="17601057" y="2326969"/>
+            <a:ext cx="440689" cy="440689"/>
+          </a:xfrm>
+          <a:custGeom>
+            <a:avLst/>
+            <a:gdLst/>
+            <a:ahLst/>
+            <a:cxnLst/>
+            <a:rect l="l" t="t" r="r" b="b"/>
+            <a:pathLst>
+              <a:path w="440690" h="440689" fill="norm" stroke="1" extrusionOk="0">
+                <a:moveTo>
+                  <a:pt x="231902" y="0"/>
+                </a:moveTo>
+                <a:lnTo>
+                  <a:pt x="208788" y="0"/>
+                </a:lnTo>
+                <a:lnTo>
+                  <a:pt x="185801" y="2870"/>
+                </a:lnTo>
+                <a:lnTo>
+                  <a:pt x="141097" y="14389"/>
+                </a:lnTo>
+                <a:lnTo>
+                  <a:pt x="110236" y="29514"/>
+                </a:lnTo>
+                <a:lnTo>
+                  <a:pt x="100076" y="35267"/>
+                </a:lnTo>
+                <a:lnTo>
+                  <a:pt x="64770" y="64795"/>
+                </a:lnTo>
+                <a:lnTo>
+                  <a:pt x="35306" y="100076"/>
+                </a:lnTo>
+                <a:lnTo>
+                  <a:pt x="29591" y="110147"/>
+                </a:lnTo>
+                <a:lnTo>
+                  <a:pt x="23749" y="120230"/>
+                </a:lnTo>
+                <a:lnTo>
+                  <a:pt x="7239" y="163423"/>
+                </a:lnTo>
+                <a:lnTo>
+                  <a:pt x="1524" y="197269"/>
+                </a:lnTo>
+                <a:lnTo>
+                  <a:pt x="0" y="208788"/>
+                </a:lnTo>
+                <a:lnTo>
+                  <a:pt x="0" y="220306"/>
+                </a:lnTo>
+                <a:lnTo>
+                  <a:pt x="0" y="231825"/>
+                </a:lnTo>
+                <a:lnTo>
+                  <a:pt x="1524" y="243344"/>
+                </a:lnTo>
+                <a:lnTo>
+                  <a:pt x="10795" y="287985"/>
+                </a:lnTo>
+                <a:lnTo>
+                  <a:pt x="29591" y="330466"/>
+                </a:lnTo>
+                <a:lnTo>
+                  <a:pt x="56896" y="367182"/>
+                </a:lnTo>
+                <a:lnTo>
+                  <a:pt x="82169" y="390944"/>
+                </a:lnTo>
+                <a:lnTo>
+                  <a:pt x="90805" y="398145"/>
+                </a:lnTo>
+                <a:lnTo>
+                  <a:pt x="131064" y="421182"/>
+                </a:lnTo>
+                <a:lnTo>
+                  <a:pt x="175006" y="434860"/>
+                </a:lnTo>
+                <a:lnTo>
+                  <a:pt x="185801" y="437019"/>
+                </a:lnTo>
+                <a:lnTo>
+                  <a:pt x="208788" y="439902"/>
+                </a:lnTo>
+                <a:lnTo>
+                  <a:pt x="220345" y="439902"/>
+                </a:lnTo>
+                <a:lnTo>
+                  <a:pt x="220345" y="440626"/>
+                </a:lnTo>
+                <a:lnTo>
+                  <a:pt x="231902" y="440626"/>
+                </a:lnTo>
+                <a:lnTo>
+                  <a:pt x="243332" y="439178"/>
+                </a:lnTo>
+                <a:lnTo>
+                  <a:pt x="254889" y="437743"/>
+                </a:lnTo>
+                <a:lnTo>
+                  <a:pt x="309626" y="421182"/>
+                </a:lnTo>
+                <a:lnTo>
+                  <a:pt x="349250" y="398145"/>
+                </a:lnTo>
+                <a:lnTo>
+                  <a:pt x="383794" y="367182"/>
+                </a:lnTo>
+                <a:lnTo>
+                  <a:pt x="390906" y="358546"/>
+                </a:lnTo>
+                <a:lnTo>
+                  <a:pt x="398145" y="349910"/>
+                </a:lnTo>
+                <a:lnTo>
+                  <a:pt x="421259" y="309587"/>
+                </a:lnTo>
+                <a:lnTo>
+                  <a:pt x="434848" y="265671"/>
+                </a:lnTo>
+                <a:lnTo>
+                  <a:pt x="437007" y="254863"/>
+                </a:lnTo>
+                <a:lnTo>
+                  <a:pt x="438531" y="243344"/>
+                </a:lnTo>
+                <a:lnTo>
+                  <a:pt x="439928" y="231825"/>
+                </a:lnTo>
+                <a:lnTo>
+                  <a:pt x="439928" y="220306"/>
+                </a:lnTo>
+                <a:lnTo>
+                  <a:pt x="440690" y="220306"/>
+                </a:lnTo>
+                <a:lnTo>
+                  <a:pt x="440690" y="208788"/>
+                </a:lnTo>
+                <a:lnTo>
+                  <a:pt x="439166" y="197269"/>
+                </a:lnTo>
+                <a:lnTo>
+                  <a:pt x="437769" y="185750"/>
+                </a:lnTo>
+                <a:lnTo>
+                  <a:pt x="426212" y="141109"/>
+                </a:lnTo>
+                <a:lnTo>
+                  <a:pt x="411099" y="110147"/>
+                </a:lnTo>
+                <a:lnTo>
+                  <a:pt x="405384" y="100076"/>
+                </a:lnTo>
+                <a:lnTo>
+                  <a:pt x="398907" y="90716"/>
+                </a:lnTo>
+                <a:lnTo>
+                  <a:pt x="391668" y="81343"/>
+                </a:lnTo>
+                <a:lnTo>
+                  <a:pt x="383794" y="72707"/>
+                </a:lnTo>
+                <a:lnTo>
+                  <a:pt x="375793" y="64795"/>
+                </a:lnTo>
+                <a:lnTo>
+                  <a:pt x="367919" y="56870"/>
+                </a:lnTo>
+                <a:lnTo>
+                  <a:pt x="359283" y="48958"/>
+                </a:lnTo>
+                <a:lnTo>
+                  <a:pt x="349885" y="41757"/>
+                </a:lnTo>
+                <a:lnTo>
+                  <a:pt x="340614" y="35267"/>
+                </a:lnTo>
+                <a:lnTo>
+                  <a:pt x="330454" y="29514"/>
+                </a:lnTo>
+                <a:lnTo>
+                  <a:pt x="320421" y="23749"/>
+                </a:lnTo>
+                <a:lnTo>
+                  <a:pt x="277241" y="7188"/>
+                </a:lnTo>
+                <a:lnTo>
+                  <a:pt x="254889" y="2870"/>
+                </a:lnTo>
+                <a:lnTo>
+                  <a:pt x="231902" y="0"/>
+                </a:lnTo>
+                <a:close/>
+              </a:path>
+            </a:pathLst>
+          </a:custGeom>
+          <a:solidFill>
+            <a:srgbClr val="959595"/>
+          </a:solidFill>
+        </p:spPr>
+        <p:txBody>
+          <a:bodyPr wrap="square" lIns="0" tIns="0" rIns="0" bIns="0" rtlCol="0"/>
+          <a:lstStyle/>
+          <a:p>
+            <a:pPr>
+              <a:defRPr/>
+            </a:pPr>
+            <a:endParaRPr/>
+          </a:p>
+        </p:txBody>
+      </p:sp>
+      <p:sp>
+        <p:nvSpPr>
+          <p:cNvPr id="863104672" name="bg object 24"/>
+          <p:cNvSpPr/>
+          <p:nvPr/>
+        </p:nvSpPr>
+        <p:spPr bwMode="auto">
+          <a:xfrm>
+            <a:off x="17601123" y="2326999"/>
+            <a:ext cx="440689" cy="440689"/>
+          </a:xfrm>
+          <a:custGeom>
+            <a:avLst/>
+            <a:gdLst/>
+            <a:ahLst/>
+            <a:cxnLst/>
+            <a:rect l="l" t="t" r="r" b="b"/>
+            <a:pathLst>
+              <a:path w="440690" h="440689" fill="norm" stroke="1" extrusionOk="0">
+                <a:moveTo>
+                  <a:pt x="0" y="220311"/>
+                </a:moveTo>
+                <a:lnTo>
+                  <a:pt x="0" y="208792"/>
+                </a:lnTo>
+                <a:lnTo>
+                  <a:pt x="1396" y="197273"/>
+                </a:lnTo>
+                <a:lnTo>
+                  <a:pt x="2793" y="185753"/>
+                </a:lnTo>
+                <a:lnTo>
+                  <a:pt x="14350" y="141112"/>
+                </a:lnTo>
+                <a:lnTo>
+                  <a:pt x="35305" y="100077"/>
+                </a:lnTo>
+                <a:lnTo>
+                  <a:pt x="64768" y="64796"/>
+                </a:lnTo>
+                <a:lnTo>
+                  <a:pt x="100073" y="35281"/>
+                </a:lnTo>
+                <a:lnTo>
+                  <a:pt x="141093" y="14402"/>
+                </a:lnTo>
+                <a:lnTo>
+                  <a:pt x="185669" y="2882"/>
+                </a:lnTo>
+                <a:lnTo>
+                  <a:pt x="197226" y="1447"/>
+                </a:lnTo>
+                <a:lnTo>
+                  <a:pt x="208782" y="0"/>
+                </a:lnTo>
+                <a:lnTo>
+                  <a:pt x="220212" y="0"/>
+                </a:lnTo>
+                <a:lnTo>
+                  <a:pt x="231769" y="0"/>
+                </a:lnTo>
+                <a:lnTo>
+                  <a:pt x="243325" y="1447"/>
+                </a:lnTo>
+                <a:lnTo>
+                  <a:pt x="288663" y="10807"/>
+                </a:lnTo>
+                <a:lnTo>
+                  <a:pt x="330445" y="29515"/>
+                </a:lnTo>
+                <a:lnTo>
+                  <a:pt x="367909" y="56884"/>
+                </a:lnTo>
+                <a:lnTo>
+                  <a:pt x="398770" y="90717"/>
+                </a:lnTo>
+                <a:lnTo>
+                  <a:pt x="421883" y="131041"/>
+                </a:lnTo>
+                <a:lnTo>
+                  <a:pt x="435472" y="174234"/>
+                </a:lnTo>
+                <a:lnTo>
+                  <a:pt x="440551" y="208792"/>
+                </a:lnTo>
+                <a:lnTo>
+                  <a:pt x="440551" y="220311"/>
+                </a:lnTo>
+                <a:lnTo>
+                  <a:pt x="439789" y="220311"/>
+                </a:lnTo>
+                <a:lnTo>
+                  <a:pt x="439789" y="231830"/>
+                </a:lnTo>
+                <a:lnTo>
+                  <a:pt x="438393" y="243362"/>
+                </a:lnTo>
+                <a:lnTo>
+                  <a:pt x="436996" y="254881"/>
+                </a:lnTo>
+                <a:lnTo>
+                  <a:pt x="434837" y="265676"/>
+                </a:lnTo>
+                <a:lnTo>
+                  <a:pt x="432678" y="277195"/>
+                </a:lnTo>
+                <a:lnTo>
+                  <a:pt x="428995" y="287990"/>
+                </a:lnTo>
+                <a:lnTo>
+                  <a:pt x="425439" y="298786"/>
+                </a:lnTo>
+                <a:lnTo>
+                  <a:pt x="421121" y="309594"/>
+                </a:lnTo>
+                <a:lnTo>
+                  <a:pt x="398135" y="349917"/>
+                </a:lnTo>
+                <a:lnTo>
+                  <a:pt x="390896" y="358553"/>
+                </a:lnTo>
+                <a:lnTo>
+                  <a:pt x="383657" y="367189"/>
+                </a:lnTo>
+                <a:lnTo>
+                  <a:pt x="349114" y="398140"/>
+                </a:lnTo>
+                <a:lnTo>
+                  <a:pt x="339716" y="404630"/>
+                </a:lnTo>
+                <a:lnTo>
+                  <a:pt x="330445" y="411107"/>
+                </a:lnTo>
+                <a:lnTo>
+                  <a:pt x="287901" y="429827"/>
+                </a:lnTo>
+                <a:lnTo>
+                  <a:pt x="243325" y="439187"/>
+                </a:lnTo>
+                <a:lnTo>
+                  <a:pt x="231769" y="440622"/>
+                </a:lnTo>
+                <a:lnTo>
+                  <a:pt x="220212" y="440622"/>
+                </a:lnTo>
+                <a:lnTo>
+                  <a:pt x="220212" y="439911"/>
+                </a:lnTo>
+                <a:lnTo>
+                  <a:pt x="208782" y="439911"/>
+                </a:lnTo>
+                <a:lnTo>
+                  <a:pt x="197226" y="438463"/>
+                </a:lnTo>
+                <a:lnTo>
+                  <a:pt x="185669" y="437028"/>
+                </a:lnTo>
+                <a:lnTo>
+                  <a:pt x="174874" y="434869"/>
+                </a:lnTo>
+                <a:lnTo>
+                  <a:pt x="163444" y="432710"/>
+                </a:lnTo>
+                <a:lnTo>
+                  <a:pt x="152650" y="429103"/>
+                </a:lnTo>
+                <a:lnTo>
+                  <a:pt x="141855" y="425509"/>
+                </a:lnTo>
+                <a:lnTo>
+                  <a:pt x="100708" y="404630"/>
+                </a:lnTo>
+                <a:lnTo>
+                  <a:pt x="64768" y="375825"/>
+                </a:lnTo>
+                <a:lnTo>
+                  <a:pt x="35940" y="339833"/>
+                </a:lnTo>
+                <a:lnTo>
+                  <a:pt x="15112" y="298786"/>
+                </a:lnTo>
+                <a:lnTo>
+                  <a:pt x="10794" y="287990"/>
+                </a:lnTo>
+                <a:lnTo>
+                  <a:pt x="1396" y="243362"/>
+                </a:lnTo>
+                <a:lnTo>
+                  <a:pt x="0" y="231830"/>
+                </a:lnTo>
+                <a:lnTo>
+                  <a:pt x="0" y="220311"/>
+                </a:lnTo>
+                <a:close/>
+              </a:path>
+            </a:pathLst>
+          </a:custGeom>
+          <a:ln w="18718">
+            <a:solidFill>
+              <a:srgbClr val="959595"/>
+            </a:solidFill>
+          </a:ln>
+        </p:spPr>
+        <p:txBody>
+          <a:bodyPr wrap="square" lIns="0" tIns="0" rIns="0" bIns="0" rtlCol="0"/>
+          <a:lstStyle/>
+          <a:p>
+            <a:pPr>
+              <a:defRPr/>
+            </a:pPr>
+            <a:endParaRPr/>
+          </a:p>
+        </p:txBody>
+      </p:sp>
+      <p:sp>
+        <p:nvSpPr>
+          <p:cNvPr id="275526834" name="bg object 25"/>
+          <p:cNvSpPr/>
+          <p:nvPr/>
+        </p:nvSpPr>
+        <p:spPr bwMode="auto">
+          <a:xfrm>
+            <a:off x="14952216" y="8116556"/>
+            <a:ext cx="3336289" cy="2171064"/>
+          </a:xfrm>
+          <a:custGeom>
+            <a:avLst/>
+            <a:gdLst/>
+            <a:ahLst/>
+            <a:cxnLst/>
+            <a:rect l="l" t="t" r="r" b="b"/>
+            <a:pathLst>
+              <a:path w="3336290" h="2171065" fill="norm" stroke="1" extrusionOk="0">
+                <a:moveTo>
+                  <a:pt x="1136903" y="1106587"/>
+                </a:moveTo>
+                <a:lnTo>
+                  <a:pt x="553719" y="1106587"/>
+                </a:lnTo>
+                <a:lnTo>
+                  <a:pt x="0" y="1660961"/>
+                </a:lnTo>
+                <a:lnTo>
+                  <a:pt x="0" y="2170440"/>
+                </a:lnTo>
+                <a:lnTo>
+                  <a:pt x="29590" y="2170440"/>
+                </a:lnTo>
+                <a:lnTo>
+                  <a:pt x="29590" y="1689760"/>
+                </a:lnTo>
+                <a:lnTo>
+                  <a:pt x="2245613" y="1689760"/>
+                </a:lnTo>
+                <a:lnTo>
+                  <a:pt x="2274043" y="1660961"/>
+                </a:lnTo>
+                <a:lnTo>
+                  <a:pt x="42544" y="1660961"/>
+                </a:lnTo>
+                <a:lnTo>
+                  <a:pt x="553719" y="1148349"/>
+                </a:lnTo>
+                <a:lnTo>
+                  <a:pt x="583945" y="1148349"/>
+                </a:lnTo>
+                <a:lnTo>
+                  <a:pt x="583945" y="1136829"/>
+                </a:lnTo>
+                <a:lnTo>
+                  <a:pt x="1136903" y="1136829"/>
+                </a:lnTo>
+                <a:lnTo>
+                  <a:pt x="1136903" y="1106587"/>
+                </a:lnTo>
+                <a:close/>
+              </a:path>
+              <a:path w="3336290" h="2171065" fill="norm" stroke="1" extrusionOk="0">
+                <a:moveTo>
+                  <a:pt x="583945" y="1689760"/>
+                </a:moveTo>
+                <a:lnTo>
+                  <a:pt x="553719" y="1689760"/>
+                </a:lnTo>
+                <a:lnTo>
+                  <a:pt x="553719" y="2170440"/>
+                </a:lnTo>
+                <a:lnTo>
+                  <a:pt x="583945" y="2170440"/>
+                </a:lnTo>
+                <a:lnTo>
+                  <a:pt x="583945" y="1689760"/>
+                </a:lnTo>
+                <a:close/>
+              </a:path>
+              <a:path w="3336290" h="2171065" fill="norm" stroke="1" extrusionOk="0">
+                <a:moveTo>
+                  <a:pt x="1136903" y="1689760"/>
+                </a:moveTo>
+                <a:lnTo>
+                  <a:pt x="1106677" y="1689760"/>
+                </a:lnTo>
+                <a:lnTo>
+                  <a:pt x="1106677" y="2170440"/>
+                </a:lnTo>
+                <a:lnTo>
+                  <a:pt x="1136903" y="2170440"/>
+                </a:lnTo>
+                <a:lnTo>
+                  <a:pt x="1136903" y="1689760"/>
+                </a:lnTo>
+                <a:close/>
+              </a:path>
+              <a:path w="3336290" h="2171065" fill="norm" stroke="1" extrusionOk="0">
+                <a:moveTo>
+                  <a:pt x="1691258" y="1689760"/>
+                </a:moveTo>
+                <a:lnTo>
+                  <a:pt x="1661032" y="1689760"/>
+                </a:lnTo>
+                <a:lnTo>
+                  <a:pt x="1661032" y="2170440"/>
+                </a:lnTo>
+                <a:lnTo>
+                  <a:pt x="1691258" y="2170440"/>
+                </a:lnTo>
+                <a:lnTo>
+                  <a:pt x="1691258" y="1689760"/>
+                </a:lnTo>
+                <a:close/>
+              </a:path>
+              <a:path w="3336290" h="2171065" fill="norm" stroke="1" extrusionOk="0">
+                <a:moveTo>
+                  <a:pt x="583945" y="1148349"/>
+                </a:moveTo>
+                <a:lnTo>
+                  <a:pt x="553719" y="1148349"/>
+                </a:lnTo>
+                <a:lnTo>
+                  <a:pt x="553719" y="1660961"/>
+                </a:lnTo>
+                <a:lnTo>
+                  <a:pt x="583945" y="1660961"/>
+                </a:lnTo>
+                <a:lnTo>
+                  <a:pt x="583945" y="1148349"/>
+                </a:lnTo>
+                <a:close/>
+              </a:path>
+              <a:path w="3336290" h="2171065" fill="norm" stroke="1" extrusionOk="0">
+                <a:moveTo>
+                  <a:pt x="1136903" y="1136829"/>
+                </a:moveTo>
+                <a:lnTo>
+                  <a:pt x="1106677" y="1136829"/>
+                </a:lnTo>
+                <a:lnTo>
+                  <a:pt x="1106677" y="1660961"/>
+                </a:lnTo>
+                <a:lnTo>
+                  <a:pt x="1136903" y="1660961"/>
+                </a:lnTo>
+                <a:lnTo>
+                  <a:pt x="1136903" y="1136829"/>
+                </a:lnTo>
+                <a:close/>
+              </a:path>
+              <a:path w="3336290" h="2171065" fill="norm" stroke="1" extrusionOk="0">
+                <a:moveTo>
+                  <a:pt x="2797174" y="582460"/>
+                </a:moveTo>
+                <a:lnTo>
+                  <a:pt x="2768345" y="582460"/>
+                </a:lnTo>
+                <a:lnTo>
+                  <a:pt x="2768345" y="1106587"/>
+                </a:lnTo>
+                <a:lnTo>
+                  <a:pt x="1661032" y="1106587"/>
+                </a:lnTo>
+                <a:lnTo>
+                  <a:pt x="1661032" y="1660961"/>
+                </a:lnTo>
+                <a:lnTo>
+                  <a:pt x="1691258" y="1660961"/>
+                </a:lnTo>
+                <a:lnTo>
+                  <a:pt x="1691258" y="1136829"/>
+                </a:lnTo>
+                <a:lnTo>
+                  <a:pt x="2797174" y="1136829"/>
+                </a:lnTo>
+                <a:lnTo>
+                  <a:pt x="2797174" y="1131069"/>
+                </a:lnTo>
+                <a:lnTo>
+                  <a:pt x="2840021" y="1087869"/>
+                </a:lnTo>
+                <a:lnTo>
+                  <a:pt x="2797174" y="1087869"/>
+                </a:lnTo>
+                <a:lnTo>
+                  <a:pt x="2797174" y="582460"/>
+                </a:lnTo>
+                <a:close/>
+              </a:path>
+              <a:path w="3336290" h="2171065" fill="norm" stroke="1" extrusionOk="0">
+                <a:moveTo>
+                  <a:pt x="2245613" y="1136829"/>
+                </a:moveTo>
+                <a:lnTo>
+                  <a:pt x="2215387" y="1136829"/>
+                </a:lnTo>
+                <a:lnTo>
+                  <a:pt x="2215387" y="1660961"/>
+                </a:lnTo>
+                <a:lnTo>
+                  <a:pt x="2274043" y="1660961"/>
+                </a:lnTo>
+                <a:lnTo>
+                  <a:pt x="2288259" y="1646561"/>
+                </a:lnTo>
+                <a:lnTo>
+                  <a:pt x="2245613" y="1646561"/>
+                </a:lnTo>
+                <a:lnTo>
+                  <a:pt x="2245613" y="1136829"/>
+                </a:lnTo>
+                <a:close/>
+              </a:path>
+              <a:path w="3336290" h="2171065" fill="norm" stroke="1" extrusionOk="0">
+                <a:moveTo>
+                  <a:pt x="2791459" y="1136829"/>
+                </a:moveTo>
+                <a:lnTo>
+                  <a:pt x="2749676" y="1136829"/>
+                </a:lnTo>
+                <a:lnTo>
+                  <a:pt x="2245613" y="1646561"/>
+                </a:lnTo>
+                <a:lnTo>
+                  <a:pt x="2288259" y="1646561"/>
+                </a:lnTo>
+                <a:lnTo>
+                  <a:pt x="2791459" y="1136829"/>
+                </a:lnTo>
+                <a:close/>
+              </a:path>
+              <a:path w="3336290" h="2171065" fill="norm" stroke="1" extrusionOk="0">
+                <a:moveTo>
+                  <a:pt x="3335756" y="602615"/>
+                </a:moveTo>
+                <a:lnTo>
+                  <a:pt x="3321303" y="602615"/>
+                </a:lnTo>
+                <a:lnTo>
+                  <a:pt x="3321303" y="1136829"/>
+                </a:lnTo>
+                <a:lnTo>
+                  <a:pt x="3335756" y="1136829"/>
+                </a:lnTo>
+                <a:lnTo>
+                  <a:pt x="3335756" y="602615"/>
+                </a:lnTo>
+                <a:close/>
+              </a:path>
+              <a:path w="3336290" h="2171065" fill="norm" stroke="1" extrusionOk="0">
+                <a:moveTo>
+                  <a:pt x="3335756" y="29527"/>
+                </a:moveTo>
+                <a:lnTo>
+                  <a:pt x="3321303" y="29527"/>
+                </a:lnTo>
+                <a:lnTo>
+                  <a:pt x="3321303" y="552221"/>
+                </a:lnTo>
+                <a:lnTo>
+                  <a:pt x="2215387" y="552221"/>
+                </a:lnTo>
+                <a:lnTo>
+                  <a:pt x="2215387" y="1106587"/>
+                </a:lnTo>
+                <a:lnTo>
+                  <a:pt x="2245613" y="1106587"/>
+                </a:lnTo>
+                <a:lnTo>
+                  <a:pt x="2245613" y="582460"/>
+                </a:lnTo>
+                <a:lnTo>
+                  <a:pt x="3335756" y="582460"/>
+                </a:lnTo>
+                <a:lnTo>
+                  <a:pt x="3335756" y="29527"/>
+                </a:lnTo>
+                <a:close/>
+              </a:path>
+              <a:path w="3336290" h="2171065" fill="norm" stroke="1" extrusionOk="0">
+                <a:moveTo>
+                  <a:pt x="3335756" y="582460"/>
+                </a:moveTo>
+                <a:lnTo>
+                  <a:pt x="3298316" y="582460"/>
+                </a:lnTo>
+                <a:lnTo>
+                  <a:pt x="2797174" y="1087869"/>
+                </a:lnTo>
+                <a:lnTo>
+                  <a:pt x="2840021" y="1087869"/>
+                </a:lnTo>
+                <a:lnTo>
+                  <a:pt x="3321303" y="602615"/>
+                </a:lnTo>
+                <a:lnTo>
+                  <a:pt x="3335756" y="602615"/>
+                </a:lnTo>
+                <a:lnTo>
+                  <a:pt x="3335756" y="582460"/>
+                </a:lnTo>
+                <a:close/>
+              </a:path>
+              <a:path w="3336290" h="2171065" fill="norm" stroke="1" extrusionOk="0">
+                <a:moveTo>
+                  <a:pt x="3335756" y="0"/>
+                </a:moveTo>
+                <a:lnTo>
+                  <a:pt x="2768345" y="0"/>
+                </a:lnTo>
+                <a:lnTo>
+                  <a:pt x="2768345" y="552221"/>
+                </a:lnTo>
+                <a:lnTo>
+                  <a:pt x="2797174" y="552221"/>
+                </a:lnTo>
+                <a:lnTo>
+                  <a:pt x="2797174" y="29527"/>
+                </a:lnTo>
+                <a:lnTo>
+                  <a:pt x="3335756" y="29527"/>
+                </a:lnTo>
+                <a:lnTo>
+                  <a:pt x="3335756" y="0"/>
+                </a:lnTo>
+                <a:close/>
+              </a:path>
+            </a:pathLst>
+          </a:custGeom>
+          <a:solidFill>
+            <a:srgbClr val="36D636"/>
+          </a:solidFill>
+        </p:spPr>
+        <p:txBody>
+          <a:bodyPr wrap="square" lIns="0" tIns="0" rIns="0" bIns="0" rtlCol="0"/>
+          <a:lstStyle/>
+          <a:p>
+            <a:pPr>
+              <a:defRPr/>
+            </a:pPr>
+            <a:endParaRPr/>
+          </a:p>
+        </p:txBody>
+      </p:sp>
+      <p:sp>
+        <p:nvSpPr>
+          <p:cNvPr id="1236296968" name="bg object 26"/>
+          <p:cNvSpPr/>
+          <p:nvPr/>
+        </p:nvSpPr>
+        <p:spPr bwMode="auto">
+          <a:xfrm>
+            <a:off x="15656432" y="9899190"/>
+            <a:ext cx="304164" cy="304164"/>
+          </a:xfrm>
+          <a:custGeom>
+            <a:avLst/>
+            <a:gdLst/>
+            <a:ahLst/>
+            <a:cxnLst/>
+            <a:rect l="l" t="t" r="r" b="b"/>
+            <a:pathLst>
+              <a:path w="304165" h="304165" fill="norm" stroke="1" extrusionOk="0">
+                <a:moveTo>
+                  <a:pt x="159766" y="0"/>
+                </a:moveTo>
+                <a:lnTo>
+                  <a:pt x="144018" y="0"/>
+                </a:lnTo>
+                <a:lnTo>
+                  <a:pt x="136017" y="718"/>
+                </a:lnTo>
+                <a:lnTo>
+                  <a:pt x="97155" y="10081"/>
+                </a:lnTo>
+                <a:lnTo>
+                  <a:pt x="62611" y="28798"/>
+                </a:lnTo>
+                <a:lnTo>
+                  <a:pt x="33782" y="56158"/>
+                </a:lnTo>
+                <a:lnTo>
+                  <a:pt x="12954" y="89996"/>
+                </a:lnTo>
+                <a:lnTo>
+                  <a:pt x="2159" y="128155"/>
+                </a:lnTo>
+                <a:lnTo>
+                  <a:pt x="635" y="136074"/>
+                </a:lnTo>
+                <a:lnTo>
+                  <a:pt x="0" y="143996"/>
+                </a:lnTo>
+                <a:lnTo>
+                  <a:pt x="0" y="151913"/>
+                </a:lnTo>
+                <a:lnTo>
+                  <a:pt x="0" y="159832"/>
+                </a:lnTo>
+                <a:lnTo>
+                  <a:pt x="635" y="167754"/>
+                </a:lnTo>
+                <a:lnTo>
+                  <a:pt x="2159" y="175671"/>
+                </a:lnTo>
+                <a:lnTo>
+                  <a:pt x="3556" y="183595"/>
+                </a:lnTo>
+                <a:lnTo>
+                  <a:pt x="4953" y="190793"/>
+                </a:lnTo>
+                <a:lnTo>
+                  <a:pt x="7874" y="198710"/>
+                </a:lnTo>
+                <a:lnTo>
+                  <a:pt x="10033" y="205913"/>
+                </a:lnTo>
+                <a:lnTo>
+                  <a:pt x="13589" y="213112"/>
+                </a:lnTo>
+                <a:lnTo>
+                  <a:pt x="16510" y="220310"/>
+                </a:lnTo>
+                <a:lnTo>
+                  <a:pt x="20828" y="227509"/>
+                </a:lnTo>
+                <a:lnTo>
+                  <a:pt x="44577" y="259189"/>
+                </a:lnTo>
+                <a:lnTo>
+                  <a:pt x="56896" y="269269"/>
+                </a:lnTo>
+                <a:lnTo>
+                  <a:pt x="62611" y="274310"/>
+                </a:lnTo>
+                <a:lnTo>
+                  <a:pt x="97917" y="293027"/>
+                </a:lnTo>
+                <a:lnTo>
+                  <a:pt x="105029" y="295905"/>
+                </a:lnTo>
+                <a:lnTo>
+                  <a:pt x="113030" y="298068"/>
+                </a:lnTo>
+                <a:lnTo>
+                  <a:pt x="120142" y="299506"/>
+                </a:lnTo>
+                <a:lnTo>
+                  <a:pt x="128143" y="300945"/>
+                </a:lnTo>
+                <a:lnTo>
+                  <a:pt x="136017" y="302389"/>
+                </a:lnTo>
+                <a:lnTo>
+                  <a:pt x="144018" y="303108"/>
+                </a:lnTo>
+                <a:lnTo>
+                  <a:pt x="151892" y="303108"/>
+                </a:lnTo>
+                <a:lnTo>
+                  <a:pt x="151892" y="303827"/>
+                </a:lnTo>
+                <a:lnTo>
+                  <a:pt x="159766" y="303827"/>
+                </a:lnTo>
+                <a:lnTo>
+                  <a:pt x="167767" y="303108"/>
+                </a:lnTo>
+                <a:lnTo>
+                  <a:pt x="183515" y="300226"/>
+                </a:lnTo>
+                <a:lnTo>
+                  <a:pt x="190754" y="298787"/>
+                </a:lnTo>
+                <a:lnTo>
+                  <a:pt x="198628" y="295905"/>
+                </a:lnTo>
+                <a:lnTo>
+                  <a:pt x="205867" y="293747"/>
+                </a:lnTo>
+                <a:lnTo>
+                  <a:pt x="213106" y="290145"/>
+                </a:lnTo>
+                <a:lnTo>
+                  <a:pt x="220218" y="287268"/>
+                </a:lnTo>
+                <a:lnTo>
+                  <a:pt x="227457" y="282947"/>
+                </a:lnTo>
+                <a:lnTo>
+                  <a:pt x="233934" y="279350"/>
+                </a:lnTo>
+                <a:lnTo>
+                  <a:pt x="241173" y="274310"/>
+                </a:lnTo>
+                <a:lnTo>
+                  <a:pt x="246888" y="269989"/>
+                </a:lnTo>
+                <a:lnTo>
+                  <a:pt x="253365" y="264229"/>
+                </a:lnTo>
+                <a:lnTo>
+                  <a:pt x="259207" y="259189"/>
+                </a:lnTo>
+                <a:lnTo>
+                  <a:pt x="264160" y="253429"/>
+                </a:lnTo>
+                <a:lnTo>
+                  <a:pt x="269240" y="246950"/>
+                </a:lnTo>
+                <a:lnTo>
+                  <a:pt x="274320" y="241190"/>
+                </a:lnTo>
+                <a:lnTo>
+                  <a:pt x="292989" y="205913"/>
+                </a:lnTo>
+                <a:lnTo>
+                  <a:pt x="295910" y="198710"/>
+                </a:lnTo>
+                <a:lnTo>
+                  <a:pt x="298069" y="190793"/>
+                </a:lnTo>
+                <a:lnTo>
+                  <a:pt x="299466" y="183595"/>
+                </a:lnTo>
+                <a:lnTo>
+                  <a:pt x="300863" y="175671"/>
+                </a:lnTo>
+                <a:lnTo>
+                  <a:pt x="302387" y="167754"/>
+                </a:lnTo>
+                <a:lnTo>
+                  <a:pt x="303022" y="159832"/>
+                </a:lnTo>
+                <a:lnTo>
+                  <a:pt x="303022" y="151913"/>
+                </a:lnTo>
+                <a:lnTo>
+                  <a:pt x="303784" y="151913"/>
+                </a:lnTo>
+                <a:lnTo>
+                  <a:pt x="303784" y="143996"/>
+                </a:lnTo>
+                <a:lnTo>
+                  <a:pt x="303022" y="136074"/>
+                </a:lnTo>
+                <a:lnTo>
+                  <a:pt x="293751" y="97194"/>
+                </a:lnTo>
+                <a:lnTo>
+                  <a:pt x="274955" y="62636"/>
+                </a:lnTo>
+                <a:lnTo>
+                  <a:pt x="247650" y="33839"/>
+                </a:lnTo>
+                <a:lnTo>
+                  <a:pt x="213741" y="12962"/>
+                </a:lnTo>
+                <a:lnTo>
+                  <a:pt x="183515" y="3601"/>
+                </a:lnTo>
+                <a:lnTo>
+                  <a:pt x="167767" y="718"/>
+                </a:lnTo>
+                <a:lnTo>
+                  <a:pt x="159766" y="0"/>
+                </a:lnTo>
+                <a:close/>
+              </a:path>
+            </a:pathLst>
+          </a:custGeom>
+          <a:solidFill>
+            <a:srgbClr val="959595"/>
+          </a:solidFill>
+        </p:spPr>
+        <p:txBody>
+          <a:bodyPr wrap="square" lIns="0" tIns="0" rIns="0" bIns="0" rtlCol="0"/>
+          <a:lstStyle/>
+          <a:p>
+            <a:pPr>
+              <a:defRPr/>
+            </a:pPr>
+            <a:endParaRPr/>
+          </a:p>
+        </p:txBody>
+      </p:sp>
+      <p:sp>
+        <p:nvSpPr>
+          <p:cNvPr id="1905943679" name="bg object 27"/>
+          <p:cNvSpPr/>
+          <p:nvPr/>
+        </p:nvSpPr>
+        <p:spPr bwMode="auto">
+          <a:xfrm>
+            <a:off x="15656491" y="9899190"/>
+            <a:ext cx="304164" cy="304164"/>
+          </a:xfrm>
+          <a:custGeom>
+            <a:avLst/>
+            <a:gdLst/>
+            <a:ahLst/>
+            <a:cxnLst/>
+            <a:rect l="l" t="t" r="r" b="b"/>
+            <a:pathLst>
+              <a:path w="304165" h="304165" fill="norm" stroke="1" extrusionOk="0">
+                <a:moveTo>
+                  <a:pt x="0" y="151913"/>
+                </a:moveTo>
+                <a:lnTo>
+                  <a:pt x="0" y="143996"/>
+                </a:lnTo>
+                <a:lnTo>
+                  <a:pt x="635" y="136073"/>
+                </a:lnTo>
+                <a:lnTo>
+                  <a:pt x="2159" y="128156"/>
+                </a:lnTo>
+                <a:lnTo>
+                  <a:pt x="3556" y="120232"/>
+                </a:lnTo>
+                <a:lnTo>
+                  <a:pt x="16510" y="82797"/>
+                </a:lnTo>
+                <a:lnTo>
+                  <a:pt x="20066" y="75599"/>
+                </a:lnTo>
+                <a:lnTo>
+                  <a:pt x="44577" y="44638"/>
+                </a:lnTo>
+                <a:lnTo>
+                  <a:pt x="76328" y="20160"/>
+                </a:lnTo>
+                <a:lnTo>
+                  <a:pt x="112270" y="5040"/>
+                </a:lnTo>
+                <a:lnTo>
+                  <a:pt x="128145" y="2162"/>
+                </a:lnTo>
+                <a:lnTo>
+                  <a:pt x="136019" y="718"/>
+                </a:lnTo>
+                <a:lnTo>
+                  <a:pt x="143893" y="0"/>
+                </a:lnTo>
+                <a:lnTo>
+                  <a:pt x="151895" y="0"/>
+                </a:lnTo>
+                <a:lnTo>
+                  <a:pt x="159769" y="0"/>
+                </a:lnTo>
+                <a:lnTo>
+                  <a:pt x="167770" y="718"/>
+                </a:lnTo>
+                <a:lnTo>
+                  <a:pt x="175644" y="2162"/>
+                </a:lnTo>
+                <a:lnTo>
+                  <a:pt x="183518" y="3601"/>
+                </a:lnTo>
+                <a:lnTo>
+                  <a:pt x="220984" y="16559"/>
+                </a:lnTo>
+                <a:lnTo>
+                  <a:pt x="234700" y="24482"/>
+                </a:lnTo>
+                <a:lnTo>
+                  <a:pt x="241177" y="28798"/>
+                </a:lnTo>
+                <a:lnTo>
+                  <a:pt x="270007" y="56157"/>
+                </a:lnTo>
+                <a:lnTo>
+                  <a:pt x="290835" y="89995"/>
+                </a:lnTo>
+                <a:lnTo>
+                  <a:pt x="301631" y="128156"/>
+                </a:lnTo>
+                <a:lnTo>
+                  <a:pt x="303028" y="136073"/>
+                </a:lnTo>
+                <a:lnTo>
+                  <a:pt x="303790" y="143996"/>
+                </a:lnTo>
+                <a:lnTo>
+                  <a:pt x="303790" y="151913"/>
+                </a:lnTo>
+                <a:lnTo>
+                  <a:pt x="303028" y="151913"/>
+                </a:lnTo>
+                <a:lnTo>
+                  <a:pt x="303028" y="159831"/>
+                </a:lnTo>
+                <a:lnTo>
+                  <a:pt x="302393" y="167753"/>
+                </a:lnTo>
+                <a:lnTo>
+                  <a:pt x="300869" y="175671"/>
+                </a:lnTo>
+                <a:lnTo>
+                  <a:pt x="299471" y="183594"/>
+                </a:lnTo>
+                <a:lnTo>
+                  <a:pt x="298074" y="190792"/>
+                </a:lnTo>
+                <a:lnTo>
+                  <a:pt x="295915" y="198709"/>
+                </a:lnTo>
+                <a:lnTo>
+                  <a:pt x="292994" y="205913"/>
+                </a:lnTo>
+                <a:lnTo>
+                  <a:pt x="290073" y="213831"/>
+                </a:lnTo>
+                <a:lnTo>
+                  <a:pt x="269245" y="246949"/>
+                </a:lnTo>
+                <a:lnTo>
+                  <a:pt x="264165" y="253429"/>
+                </a:lnTo>
+                <a:lnTo>
+                  <a:pt x="259212" y="259188"/>
+                </a:lnTo>
+                <a:lnTo>
+                  <a:pt x="253370" y="264229"/>
+                </a:lnTo>
+                <a:lnTo>
+                  <a:pt x="246892" y="269988"/>
+                </a:lnTo>
+                <a:lnTo>
+                  <a:pt x="241177" y="274309"/>
+                </a:lnTo>
+                <a:lnTo>
+                  <a:pt x="233938" y="279350"/>
+                </a:lnTo>
+                <a:lnTo>
+                  <a:pt x="227461" y="282946"/>
+                </a:lnTo>
+                <a:lnTo>
+                  <a:pt x="220222" y="287267"/>
+                </a:lnTo>
+                <a:lnTo>
+                  <a:pt x="213110" y="290145"/>
+                </a:lnTo>
+                <a:lnTo>
+                  <a:pt x="205871" y="293746"/>
+                </a:lnTo>
+                <a:lnTo>
+                  <a:pt x="198631" y="295904"/>
+                </a:lnTo>
+                <a:lnTo>
+                  <a:pt x="190757" y="298787"/>
+                </a:lnTo>
+                <a:lnTo>
+                  <a:pt x="183518" y="300225"/>
+                </a:lnTo>
+                <a:lnTo>
+                  <a:pt x="175644" y="301664"/>
+                </a:lnTo>
+                <a:lnTo>
+                  <a:pt x="167770" y="303108"/>
+                </a:lnTo>
+                <a:lnTo>
+                  <a:pt x="159769" y="303827"/>
+                </a:lnTo>
+                <a:lnTo>
+                  <a:pt x="151895" y="303827"/>
+                </a:lnTo>
+                <a:lnTo>
+                  <a:pt x="151895" y="303108"/>
+                </a:lnTo>
+                <a:lnTo>
+                  <a:pt x="143893" y="303108"/>
+                </a:lnTo>
+                <a:lnTo>
+                  <a:pt x="136019" y="302388"/>
+                </a:lnTo>
+                <a:lnTo>
+                  <a:pt x="128145" y="300945"/>
+                </a:lnTo>
+                <a:lnTo>
+                  <a:pt x="120144" y="299506"/>
+                </a:lnTo>
+                <a:lnTo>
+                  <a:pt x="113032" y="298067"/>
+                </a:lnTo>
+                <a:lnTo>
+                  <a:pt x="105031" y="295904"/>
+                </a:lnTo>
+                <a:lnTo>
+                  <a:pt x="97918" y="293027"/>
+                </a:lnTo>
+                <a:lnTo>
+                  <a:pt x="89917" y="290145"/>
+                </a:lnTo>
+                <a:lnTo>
+                  <a:pt x="56770" y="269269"/>
+                </a:lnTo>
+                <a:lnTo>
+                  <a:pt x="50293" y="264229"/>
+                </a:lnTo>
+                <a:lnTo>
+                  <a:pt x="24384" y="233992"/>
+                </a:lnTo>
+                <a:lnTo>
+                  <a:pt x="20828" y="227507"/>
+                </a:lnTo>
+                <a:lnTo>
+                  <a:pt x="16510" y="220309"/>
+                </a:lnTo>
+                <a:lnTo>
+                  <a:pt x="13589" y="213111"/>
+                </a:lnTo>
+                <a:lnTo>
+                  <a:pt x="10033" y="205913"/>
+                </a:lnTo>
+                <a:lnTo>
+                  <a:pt x="7874" y="198709"/>
+                </a:lnTo>
+                <a:lnTo>
+                  <a:pt x="4953" y="190792"/>
+                </a:lnTo>
+                <a:lnTo>
+                  <a:pt x="3556" y="183594"/>
+                </a:lnTo>
+                <a:lnTo>
+                  <a:pt x="2159" y="175671"/>
+                </a:lnTo>
+                <a:lnTo>
+                  <a:pt x="635" y="167753"/>
+                </a:lnTo>
+                <a:lnTo>
+                  <a:pt x="0" y="159831"/>
+                </a:lnTo>
+                <a:lnTo>
+                  <a:pt x="0" y="151913"/>
+                </a:lnTo>
+                <a:close/>
+              </a:path>
+            </a:pathLst>
+          </a:custGeom>
+          <a:ln w="18719">
+            <a:solidFill>
+              <a:srgbClr val="959595"/>
+            </a:solidFill>
+          </a:ln>
+        </p:spPr>
+        <p:txBody>
+          <a:bodyPr wrap="square" lIns="0" tIns="0" rIns="0" bIns="0" rtlCol="0"/>
+          <a:lstStyle/>
+          <a:p>
+            <a:pPr>
+              <a:defRPr/>
+            </a:pPr>
+            <a:endParaRPr/>
+          </a:p>
+        </p:txBody>
+      </p:sp>
+      <p:sp>
+        <p:nvSpPr>
+          <p:cNvPr id="175123006" name="bg object 28"/>
+          <p:cNvSpPr/>
+          <p:nvPr/>
+        </p:nvSpPr>
+        <p:spPr bwMode="auto">
+          <a:xfrm>
+            <a:off x="0" y="9769797"/>
+            <a:ext cx="576579" cy="517524"/>
+          </a:xfrm>
+          <a:custGeom>
+            <a:avLst/>
+            <a:gdLst/>
+            <a:ahLst/>
+            <a:cxnLst/>
+            <a:rect l="l" t="t" r="r" b="b"/>
+            <a:pathLst>
+              <a:path w="576580" h="517525" fill="norm" stroke="1" extrusionOk="0">
+                <a:moveTo>
+                  <a:pt x="0" y="0"/>
+                </a:moveTo>
+                <a:lnTo>
+                  <a:pt x="0" y="517199"/>
+                </a:lnTo>
+                <a:lnTo>
+                  <a:pt x="576456" y="517199"/>
+                </a:lnTo>
+                <a:lnTo>
+                  <a:pt x="567352" y="463557"/>
+                </a:lnTo>
+                <a:lnTo>
+                  <a:pt x="551512" y="404517"/>
+                </a:lnTo>
+                <a:lnTo>
+                  <a:pt x="529912" y="346920"/>
+                </a:lnTo>
+                <a:lnTo>
+                  <a:pt x="501834" y="292921"/>
+                </a:lnTo>
+                <a:lnTo>
+                  <a:pt x="468713" y="241078"/>
+                </a:lnTo>
+                <a:lnTo>
+                  <a:pt x="429835" y="193557"/>
+                </a:lnTo>
+                <a:lnTo>
+                  <a:pt x="386636" y="150358"/>
+                </a:lnTo>
+                <a:lnTo>
+                  <a:pt x="339115" y="111480"/>
+                </a:lnTo>
+                <a:lnTo>
+                  <a:pt x="287997" y="78359"/>
+                </a:lnTo>
+                <a:lnTo>
+                  <a:pt x="233278" y="50281"/>
+                </a:lnTo>
+                <a:lnTo>
+                  <a:pt x="175676" y="28681"/>
+                </a:lnTo>
+                <a:lnTo>
+                  <a:pt x="116636" y="12841"/>
+                </a:lnTo>
+                <a:lnTo>
+                  <a:pt x="56157" y="2760"/>
+                </a:lnTo>
+                <a:lnTo>
+                  <a:pt x="0" y="0"/>
+                </a:lnTo>
+                <a:close/>
+              </a:path>
+            </a:pathLst>
+          </a:custGeom>
+          <a:solidFill>
+            <a:srgbClr val="959595"/>
+          </a:solidFill>
+        </p:spPr>
+        <p:txBody>
+          <a:bodyPr wrap="square" lIns="0" tIns="0" rIns="0" bIns="0" rtlCol="0"/>
+          <a:lstStyle/>
+          <a:p>
+            <a:pPr>
+              <a:defRPr/>
+            </a:pPr>
+            <a:endParaRPr/>
+          </a:p>
+        </p:txBody>
+      </p:sp>
+      <p:sp>
+        <p:nvSpPr>
+          <p:cNvPr id="209103357" name="bg object 29"/>
+          <p:cNvSpPr/>
+          <p:nvPr/>
+        </p:nvSpPr>
+        <p:spPr bwMode="auto">
+          <a:xfrm>
+            <a:off x="0" y="9769797"/>
+            <a:ext cx="576579" cy="517524"/>
+          </a:xfrm>
+          <a:custGeom>
+            <a:avLst/>
+            <a:gdLst/>
+            <a:ahLst/>
+            <a:cxnLst/>
+            <a:rect l="l" t="t" r="r" b="b"/>
+            <a:pathLst>
+              <a:path w="576580" h="517525" fill="norm" stroke="1" extrusionOk="0">
+                <a:moveTo>
+                  <a:pt x="0" y="0"/>
+                </a:moveTo>
+                <a:lnTo>
+                  <a:pt x="56157" y="2760"/>
+                </a:lnTo>
+                <a:lnTo>
+                  <a:pt x="116636" y="12841"/>
+                </a:lnTo>
+                <a:lnTo>
+                  <a:pt x="175676" y="28681"/>
+                </a:lnTo>
+                <a:lnTo>
+                  <a:pt x="233278" y="50281"/>
+                </a:lnTo>
+                <a:lnTo>
+                  <a:pt x="287997" y="78359"/>
+                </a:lnTo>
+                <a:lnTo>
+                  <a:pt x="339115" y="111480"/>
+                </a:lnTo>
+                <a:lnTo>
+                  <a:pt x="386636" y="150358"/>
+                </a:lnTo>
+                <a:lnTo>
+                  <a:pt x="429835" y="193557"/>
+                </a:lnTo>
+                <a:lnTo>
+                  <a:pt x="468713" y="241078"/>
+                </a:lnTo>
+                <a:lnTo>
+                  <a:pt x="501834" y="292921"/>
+                </a:lnTo>
+                <a:lnTo>
+                  <a:pt x="529912" y="346920"/>
+                </a:lnTo>
+                <a:lnTo>
+                  <a:pt x="551512" y="404517"/>
+                </a:lnTo>
+                <a:lnTo>
+                  <a:pt x="567352" y="463557"/>
+                </a:lnTo>
+                <a:lnTo>
+                  <a:pt x="573112" y="493799"/>
+                </a:lnTo>
+                <a:lnTo>
+                  <a:pt x="576456" y="517199"/>
+                </a:lnTo>
+              </a:path>
+            </a:pathLst>
+          </a:custGeom>
+          <a:ln w="18719">
+            <a:solidFill>
+              <a:srgbClr val="959595"/>
+            </a:solidFill>
+          </a:ln>
+        </p:spPr>
+        <p:txBody>
+          <a:bodyPr wrap="square" lIns="0" tIns="0" rIns="0" bIns="0" rtlCol="0"/>
+          <a:lstStyle/>
+          <a:p>
+            <a:pPr>
+              <a:defRPr/>
+            </a:pPr>
+            <a:endParaRPr/>
+          </a:p>
+        </p:txBody>
+      </p:sp>
+      <p:sp>
+        <p:nvSpPr>
+          <p:cNvPr id="1628584625" name="title_text"/>
           <p:cNvSpPr>
             <a:spLocks noGrp="1"/>
           </p:cNvSpPr>
@@ -1021,7 +3568,12 @@
             <p:ph type="title"/>
           </p:nvPr>
         </p:nvSpPr>
-        <p:spPr bwMode="auto"/>
+        <p:spPr bwMode="auto">
+          <a:xfrm rot="0" flipH="0" flipV="0">
+            <a:off x="3430800" y="997200"/>
+            <a:ext cx="8384517" cy="853799"/>
+          </a:xfrm>
+        </p:spPr>
         <p:txBody>
           <a:bodyPr lIns="0" tIns="0" rIns="0" bIns="0"/>
           <a:lstStyle>
@@ -1045,97 +3597,30 @@
       </p:sp>
       <p:sp>
         <p:nvSpPr>
-          <p:cNvPr id="3" name="Holder 3"/>
+          <p:cNvPr id="1555978678" name="text"/>
           <p:cNvSpPr>
             <a:spLocks noGrp="1"/>
           </p:cNvSpPr>
           <p:nvPr>
-            <p:ph sz="half" idx="2"/>
+            <p:ph type="body" idx="1"/>
           </p:nvPr>
         </p:nvSpPr>
         <p:spPr bwMode="auto">
-          <a:xfrm>
-            <a:off x="915035" y="2368931"/>
-            <a:ext cx="7960804" cy="6797802"/>
+          <a:xfrm rot="0" flipH="0" flipV="0">
+            <a:off x="9529200" y="2325599"/>
+            <a:ext cx="8511005" cy="6797801"/>
           </a:xfrm>
-          <a:prstGeom prst="rect">
-            <a:avLst/>
-          </a:prstGeom>
         </p:spPr>
-        <p:txBody>
-          <a:bodyPr wrap="square" lIns="0" tIns="0" rIns="0" bIns="0">
-            <a:spAutoFit/>
-          </a:bodyPr>
-          <a:lstStyle>
-            <a:lvl1pPr>
-              <a:defRPr/>
-            </a:lvl1pPr>
-          </a:lstStyle>
-          <a:p>
-            <a:pPr>
-              <a:defRPr/>
-            </a:pPr>
-            <a:endParaRPr/>
-          </a:p>
-        </p:txBody>
-      </p:sp>
-      <p:sp>
-        <p:nvSpPr>
-          <p:cNvPr id="4" name="Holder 4"/>
-          <p:cNvSpPr>
-            <a:spLocks noGrp="1"/>
-          </p:cNvSpPr>
-          <p:nvPr>
-            <p:ph sz="half" idx="3"/>
-          </p:nvPr>
-        </p:nvSpPr>
-        <p:spPr bwMode="auto">
-          <a:xfrm>
-            <a:off x="9424860" y="2368931"/>
-            <a:ext cx="7960804" cy="6797802"/>
-          </a:xfrm>
-          <a:prstGeom prst="rect">
-            <a:avLst/>
-          </a:prstGeom>
-        </p:spPr>
-        <p:txBody>
-          <a:bodyPr wrap="square" lIns="0" tIns="0" rIns="0" bIns="0">
-            <a:spAutoFit/>
-          </a:bodyPr>
-          <a:lstStyle>
-            <a:lvl1pPr>
-              <a:defRPr/>
-            </a:lvl1pPr>
-          </a:lstStyle>
-          <a:p>
-            <a:pPr>
-              <a:defRPr/>
-            </a:pPr>
-            <a:endParaRPr/>
-          </a:p>
-        </p:txBody>
-      </p:sp>
-      <p:sp>
-        <p:nvSpPr>
-          <p:cNvPr id="5" name="Holder 5"/>
-          <p:cNvSpPr>
-            <a:spLocks noGrp="1"/>
-          </p:cNvSpPr>
-          <p:nvPr>
-            <p:ph type="ftr" sz="quarter" idx="5"/>
-          </p:nvPr>
-        </p:nvSpPr>
-        <p:spPr bwMode="auto"/>
         <p:txBody>
           <a:bodyPr lIns="0" tIns="0" rIns="0" bIns="0"/>
           <a:lstStyle>
-            <a:lvl1pPr algn="ctr">
-              <a:defRPr>
+            <a:lvl1pPr>
+              <a:defRPr sz="2750" b="0" i="0">
                 <a:solidFill>
-                  <a:schemeClr val="tx1">
-                    <a:tint val="75000"/>
-                  </a:schemeClr>
+                  <a:schemeClr val="tx1"/>
                 </a:solidFill>
+                <a:latin typeface="Calibri"/>
+                <a:cs typeface="Calibri"/>
               </a:defRPr>
             </a:lvl1pPr>
           </a:lstStyle>
@@ -1147,2929 +3632,28 @@
           </a:p>
         </p:txBody>
       </p:sp>
-      <p:sp>
-        <p:nvSpPr>
-          <p:cNvPr id="6" name="Holder 6"/>
-          <p:cNvSpPr>
-            <a:spLocks noGrp="1"/>
-          </p:cNvSpPr>
-          <p:nvPr>
-            <p:ph type="dt" sz="half" idx="6"/>
-          </p:nvPr>
-        </p:nvSpPr>
-        <p:spPr bwMode="auto"/>
-        <p:txBody>
-          <a:bodyPr lIns="0" tIns="0" rIns="0" bIns="0"/>
-          <a:lstStyle>
-            <a:lvl1pPr algn="l">
-              <a:defRPr>
-                <a:solidFill>
-                  <a:schemeClr val="tx1">
-                    <a:tint val="75000"/>
-                  </a:schemeClr>
-                </a:solidFill>
-              </a:defRPr>
-            </a:lvl1pPr>
-          </a:lstStyle>
-          <a:p>
-            <a:pPr>
-              <a:defRPr/>
-            </a:pPr>
-            <a:fld id="{1D8BD707-D9CF-40AE-B4C6-C98DA3205C09}" type="datetimeFigureOut">
-              <a:rPr lang="en-US"/>
-              <a:t/>
-            </a:fld>
-            <a:endParaRPr/>
-          </a:p>
-        </p:txBody>
-      </p:sp>
-      <p:sp>
-        <p:nvSpPr>
-          <p:cNvPr id="7" name="Holder 7"/>
-          <p:cNvSpPr>
-            <a:spLocks noGrp="1"/>
-          </p:cNvSpPr>
-          <p:nvPr>
-            <p:ph type="sldNum" sz="quarter" idx="7"/>
-          </p:nvPr>
-        </p:nvSpPr>
-        <p:spPr bwMode="auto"/>
-        <p:txBody>
-          <a:bodyPr lIns="0" tIns="0" rIns="0" bIns="0"/>
-          <a:lstStyle>
-            <a:lvl1pPr algn="r">
-              <a:defRPr>
-                <a:solidFill>
-                  <a:schemeClr val="tx1">
-                    <a:tint val="75000"/>
-                  </a:schemeClr>
-                </a:solidFill>
-              </a:defRPr>
-            </a:lvl1pPr>
-          </a:lstStyle>
-          <a:p>
-            <a:pPr>
-              <a:defRPr/>
-            </a:pPr>
-            <a:fld id="{B6F15528-21DE-4FAA-801E-634DDDAF4B2B}" type="slidenum">
-              <a:rPr/>
-              <a:t>#</a:t>
-            </a:fld>
-            <a:endParaRPr/>
-          </a:p>
-        </p:txBody>
-      </p:sp>
-    </p:spTree>
-  </p:cSld>
-  <p:clrMapOvr>
-    <a:masterClrMapping/>
-  </p:clrMapOvr>
-</p:sldLayout>
-</file>
-
-<file path=ppt/slideLayouts/slideLayout4.xml><?xml version="1.0" encoding="utf-8"?>
-<p:sldLayout xmlns:a="http://schemas.openxmlformats.org/drawingml/2006/main" xmlns:r="http://schemas.openxmlformats.org/officeDocument/2006/relationships" xmlns:p="http://schemas.openxmlformats.org/presentationml/2006/main" xmlns:m="http://schemas.openxmlformats.org/officeDocument/2006/math" xmlns:w="http://schemas.openxmlformats.org/wordprocessingml/2006/main" matchingName="" preserve="1" showMasterPhAnim="0" showMasterSp="0" type="obj" userDrawn="1">
-  <p:cSld name="Title Only">
-    <p:spTree>
-      <p:nvGrpSpPr>
-        <p:cNvPr id="1" name=""/>
-        <p:cNvGrpSpPr/>
-        <p:nvPr/>
-      </p:nvGrpSpPr>
-      <p:grpSpPr bwMode="auto">
-        <a:xfrm>
-          <a:off x="0" y="0"/>
-          <a:ext cx="0" cy="0"/>
-          <a:chOff x="0" y="0"/>
-          <a:chExt cx="0" cy="0"/>
-        </a:xfrm>
-      </p:grpSpPr>
-      <p:sp>
-        <p:nvSpPr>
-          <p:cNvPr id="16" name="bg object 16"/>
-          <p:cNvSpPr/>
-          <p:nvPr/>
-        </p:nvSpPr>
-        <p:spPr bwMode="auto">
-          <a:xfrm>
-            <a:off x="0" y="-1"/>
-            <a:ext cx="18288000" cy="10287000"/>
-          </a:xfrm>
-          <a:custGeom>
-            <a:avLst/>
-            <a:gdLst/>
-            <a:ahLst/>
-            <a:cxnLst/>
-            <a:rect l="l" t="t" r="r" b="b"/>
-            <a:pathLst>
-              <a:path w="18288000" h="10287000" fill="norm" stroke="1" extrusionOk="0">
-                <a:moveTo>
-                  <a:pt x="18288000" y="0"/>
-                </a:moveTo>
-                <a:lnTo>
-                  <a:pt x="0" y="0"/>
-                </a:lnTo>
-                <a:lnTo>
-                  <a:pt x="0" y="10287000"/>
-                </a:lnTo>
-                <a:lnTo>
-                  <a:pt x="18288000" y="10287000"/>
-                </a:lnTo>
-                <a:lnTo>
-                  <a:pt x="18288000" y="0"/>
-                </a:lnTo>
-                <a:close/>
-              </a:path>
-            </a:pathLst>
-          </a:custGeom>
-          <a:solidFill>
-            <a:srgbClr val="F3F3F3"/>
-          </a:solidFill>
-        </p:spPr>
-        <p:txBody>
-          <a:bodyPr wrap="square" lIns="0" tIns="0" rIns="0" bIns="0" rtlCol="0"/>
-          <a:lstStyle/>
-          <a:p>
-            <a:pPr>
-              <a:defRPr/>
-            </a:pPr>
-            <a:endParaRPr/>
-          </a:p>
-        </p:txBody>
-      </p:sp>
       <p:pic>
         <p:nvPicPr>
-          <p:cNvPr id="17" name="bg object 17"/>
-          <p:cNvPicPr/>
+          <p:cNvPr id="1123987496" name="imagen"/>
+          <p:cNvPicPr>
+            <a:picLocks noChangeAspect="1"/>
+          </p:cNvPicPr>
           <p:nvPr/>
         </p:nvPicPr>
         <p:blipFill>
-          <a:blip r:embed="rId2"/>
+          <a:blip r:embed="rId3"/>
           <a:stretch/>
         </p:blipFill>
         <p:spPr bwMode="auto">
-          <a:xfrm>
-            <a:off x="-5038" y="-9359"/>
-            <a:ext cx="3058410" cy="1533511"/>
+          <a:xfrm rot="0" flipH="0" flipV="0">
+            <a:off x="657890" y="2326969"/>
+            <a:ext cx="8308822" cy="6875119"/>
           </a:xfrm>
           <a:prstGeom prst="rect">
             <a:avLst/>
           </a:prstGeom>
         </p:spPr>
       </p:pic>
-      <p:sp>
-        <p:nvSpPr>
-          <p:cNvPr id="18" name="bg object 18"/>
-          <p:cNvSpPr/>
-          <p:nvPr/>
-        </p:nvSpPr>
-        <p:spPr bwMode="auto">
-          <a:xfrm>
-            <a:off x="17322418" y="0"/>
-            <a:ext cx="965835" cy="916305"/>
-          </a:xfrm>
-          <a:custGeom>
-            <a:avLst/>
-            <a:gdLst/>
-            <a:ahLst/>
-            <a:cxnLst/>
-            <a:rect l="l" t="t" r="r" b="b"/>
-            <a:pathLst>
-              <a:path w="965834" h="916305" fill="norm" stroke="1" extrusionOk="0">
-                <a:moveTo>
-                  <a:pt x="506900" y="0"/>
-                </a:moveTo>
-                <a:lnTo>
-                  <a:pt x="488345" y="0"/>
-                </a:lnTo>
-                <a:lnTo>
-                  <a:pt x="487646" y="4151"/>
-                </a:lnTo>
-                <a:lnTo>
-                  <a:pt x="475680" y="47486"/>
-                </a:lnTo>
-                <a:lnTo>
-                  <a:pt x="459456" y="89850"/>
-                </a:lnTo>
-                <a:lnTo>
-                  <a:pt x="439280" y="130944"/>
-                </a:lnTo>
-                <a:lnTo>
-                  <a:pt x="415457" y="170467"/>
-                </a:lnTo>
-                <a:lnTo>
-                  <a:pt x="388292" y="208123"/>
-                </a:lnTo>
-                <a:lnTo>
-                  <a:pt x="358091" y="243610"/>
-                </a:lnTo>
-                <a:lnTo>
-                  <a:pt x="325158" y="276632"/>
-                </a:lnTo>
-                <a:lnTo>
-                  <a:pt x="289800" y="306888"/>
-                </a:lnTo>
-                <a:lnTo>
-                  <a:pt x="252320" y="334079"/>
-                </a:lnTo>
-                <a:lnTo>
-                  <a:pt x="213025" y="357908"/>
-                </a:lnTo>
-                <a:lnTo>
-                  <a:pt x="172220" y="378075"/>
-                </a:lnTo>
-                <a:lnTo>
-                  <a:pt x="130209" y="394280"/>
-                </a:lnTo>
-                <a:lnTo>
-                  <a:pt x="87299" y="406225"/>
-                </a:lnTo>
-                <a:lnTo>
-                  <a:pt x="43794" y="413612"/>
-                </a:lnTo>
-                <a:lnTo>
-                  <a:pt x="0" y="416140"/>
-                </a:lnTo>
-                <a:lnTo>
-                  <a:pt x="43794" y="418669"/>
-                </a:lnTo>
-                <a:lnTo>
-                  <a:pt x="87299" y="426055"/>
-                </a:lnTo>
-                <a:lnTo>
-                  <a:pt x="130209" y="437998"/>
-                </a:lnTo>
-                <a:lnTo>
-                  <a:pt x="172220" y="454199"/>
-                </a:lnTo>
-                <a:lnTo>
-                  <a:pt x="213025" y="474357"/>
-                </a:lnTo>
-                <a:lnTo>
-                  <a:pt x="252320" y="498173"/>
-                </a:lnTo>
-                <a:lnTo>
-                  <a:pt x="289800" y="525347"/>
-                </a:lnTo>
-                <a:lnTo>
-                  <a:pt x="325158" y="555579"/>
-                </a:lnTo>
-                <a:lnTo>
-                  <a:pt x="358091" y="588570"/>
-                </a:lnTo>
-                <a:lnTo>
-                  <a:pt x="388292" y="624019"/>
-                </a:lnTo>
-                <a:lnTo>
-                  <a:pt x="415457" y="661626"/>
-                </a:lnTo>
-                <a:lnTo>
-                  <a:pt x="439280" y="701093"/>
-                </a:lnTo>
-                <a:lnTo>
-                  <a:pt x="459456" y="742118"/>
-                </a:lnTo>
-                <a:lnTo>
-                  <a:pt x="475680" y="784402"/>
-                </a:lnTo>
-                <a:lnTo>
-                  <a:pt x="487646" y="827645"/>
-                </a:lnTo>
-                <a:lnTo>
-                  <a:pt x="495050" y="871547"/>
-                </a:lnTo>
-                <a:lnTo>
-                  <a:pt x="497585" y="915809"/>
-                </a:lnTo>
-                <a:lnTo>
-                  <a:pt x="500142" y="871547"/>
-                </a:lnTo>
-                <a:lnTo>
-                  <a:pt x="507604" y="827645"/>
-                </a:lnTo>
-                <a:lnTo>
-                  <a:pt x="519662" y="784402"/>
-                </a:lnTo>
-                <a:lnTo>
-                  <a:pt x="536008" y="742118"/>
-                </a:lnTo>
-                <a:lnTo>
-                  <a:pt x="556331" y="701093"/>
-                </a:lnTo>
-                <a:lnTo>
-                  <a:pt x="580323" y="661626"/>
-                </a:lnTo>
-                <a:lnTo>
-                  <a:pt x="607673" y="624019"/>
-                </a:lnTo>
-                <a:lnTo>
-                  <a:pt x="638073" y="588570"/>
-                </a:lnTo>
-                <a:lnTo>
-                  <a:pt x="671212" y="555579"/>
-                </a:lnTo>
-                <a:lnTo>
-                  <a:pt x="706783" y="525347"/>
-                </a:lnTo>
-                <a:lnTo>
-                  <a:pt x="744474" y="498173"/>
-                </a:lnTo>
-                <a:lnTo>
-                  <a:pt x="783977" y="474357"/>
-                </a:lnTo>
-                <a:lnTo>
-                  <a:pt x="824982" y="454199"/>
-                </a:lnTo>
-                <a:lnTo>
-                  <a:pt x="867181" y="437998"/>
-                </a:lnTo>
-                <a:lnTo>
-                  <a:pt x="910262" y="426055"/>
-                </a:lnTo>
-                <a:lnTo>
-                  <a:pt x="953918" y="418669"/>
-                </a:lnTo>
-                <a:lnTo>
-                  <a:pt x="965602" y="417996"/>
-                </a:lnTo>
-                <a:lnTo>
-                  <a:pt x="965602" y="414284"/>
-                </a:lnTo>
-                <a:lnTo>
-                  <a:pt x="910262" y="406225"/>
-                </a:lnTo>
-                <a:lnTo>
-                  <a:pt x="867181" y="394280"/>
-                </a:lnTo>
-                <a:lnTo>
-                  <a:pt x="824982" y="378075"/>
-                </a:lnTo>
-                <a:lnTo>
-                  <a:pt x="783977" y="357908"/>
-                </a:lnTo>
-                <a:lnTo>
-                  <a:pt x="744474" y="334079"/>
-                </a:lnTo>
-                <a:lnTo>
-                  <a:pt x="706783" y="306888"/>
-                </a:lnTo>
-                <a:lnTo>
-                  <a:pt x="671212" y="276632"/>
-                </a:lnTo>
-                <a:lnTo>
-                  <a:pt x="638073" y="243610"/>
-                </a:lnTo>
-                <a:lnTo>
-                  <a:pt x="607673" y="208123"/>
-                </a:lnTo>
-                <a:lnTo>
-                  <a:pt x="580323" y="170467"/>
-                </a:lnTo>
-                <a:lnTo>
-                  <a:pt x="556331" y="130944"/>
-                </a:lnTo>
-                <a:lnTo>
-                  <a:pt x="536008" y="89850"/>
-                </a:lnTo>
-                <a:lnTo>
-                  <a:pt x="519662" y="47486"/>
-                </a:lnTo>
-                <a:lnTo>
-                  <a:pt x="507604" y="4151"/>
-                </a:lnTo>
-                <a:lnTo>
-                  <a:pt x="506900" y="0"/>
-                </a:lnTo>
-                <a:close/>
-              </a:path>
-            </a:pathLst>
-          </a:custGeom>
-          <a:solidFill>
-            <a:srgbClr val="36D636"/>
-          </a:solidFill>
-        </p:spPr>
-        <p:txBody>
-          <a:bodyPr wrap="square" lIns="0" tIns="0" rIns="0" bIns="0" rtlCol="0"/>
-          <a:lstStyle/>
-          <a:p>
-            <a:pPr>
-              <a:defRPr/>
-            </a:pPr>
-            <a:endParaRPr/>
-          </a:p>
-        </p:txBody>
-      </p:sp>
-      <p:sp>
-        <p:nvSpPr>
-          <p:cNvPr id="19" name="bg object 19"/>
-          <p:cNvSpPr/>
-          <p:nvPr/>
-        </p:nvSpPr>
-        <p:spPr bwMode="auto">
-          <a:xfrm>
-            <a:off x="17322494" y="0"/>
-            <a:ext cx="965835" cy="916305"/>
-          </a:xfrm>
-          <a:custGeom>
-            <a:avLst/>
-            <a:gdLst/>
-            <a:ahLst/>
-            <a:cxnLst/>
-            <a:rect l="l" t="t" r="r" b="b"/>
-            <a:pathLst>
-              <a:path w="965834" h="916305" fill="norm" stroke="1" extrusionOk="0">
-                <a:moveTo>
-                  <a:pt x="506756" y="0"/>
-                </a:moveTo>
-                <a:lnTo>
-                  <a:pt x="519533" y="47536"/>
-                </a:lnTo>
-                <a:lnTo>
-                  <a:pt x="535885" y="89901"/>
-                </a:lnTo>
-                <a:lnTo>
-                  <a:pt x="556217" y="130995"/>
-                </a:lnTo>
-                <a:lnTo>
-                  <a:pt x="580217" y="170519"/>
-                </a:lnTo>
-                <a:lnTo>
-                  <a:pt x="607578" y="208175"/>
-                </a:lnTo>
-                <a:lnTo>
-                  <a:pt x="637988" y="243663"/>
-                </a:lnTo>
-                <a:lnTo>
-                  <a:pt x="671138" y="276686"/>
-                </a:lnTo>
-                <a:lnTo>
-                  <a:pt x="706718" y="306942"/>
-                </a:lnTo>
-                <a:lnTo>
-                  <a:pt x="744419" y="334135"/>
-                </a:lnTo>
-                <a:lnTo>
-                  <a:pt x="783931" y="357964"/>
-                </a:lnTo>
-                <a:lnTo>
-                  <a:pt x="824944" y="378130"/>
-                </a:lnTo>
-                <a:lnTo>
-                  <a:pt x="867149" y="394336"/>
-                </a:lnTo>
-                <a:lnTo>
-                  <a:pt x="910235" y="406282"/>
-                </a:lnTo>
-                <a:lnTo>
-                  <a:pt x="953893" y="413668"/>
-                </a:lnTo>
-                <a:lnTo>
-                  <a:pt x="965528" y="414338"/>
-                </a:lnTo>
-              </a:path>
-              <a:path w="965834" h="916305" fill="norm" stroke="1" extrusionOk="0">
-                <a:moveTo>
-                  <a:pt x="965528" y="418056"/>
-                </a:moveTo>
-                <a:lnTo>
-                  <a:pt x="910235" y="426111"/>
-                </a:lnTo>
-                <a:lnTo>
-                  <a:pt x="867149" y="438054"/>
-                </a:lnTo>
-                <a:lnTo>
-                  <a:pt x="824944" y="454254"/>
-                </a:lnTo>
-                <a:lnTo>
-                  <a:pt x="783931" y="474412"/>
-                </a:lnTo>
-                <a:lnTo>
-                  <a:pt x="744419" y="498227"/>
-                </a:lnTo>
-                <a:lnTo>
-                  <a:pt x="706718" y="525401"/>
-                </a:lnTo>
-                <a:lnTo>
-                  <a:pt x="671138" y="555632"/>
-                </a:lnTo>
-                <a:lnTo>
-                  <a:pt x="637988" y="588621"/>
-                </a:lnTo>
-                <a:lnTo>
-                  <a:pt x="607578" y="624069"/>
-                </a:lnTo>
-                <a:lnTo>
-                  <a:pt x="580217" y="661676"/>
-                </a:lnTo>
-                <a:lnTo>
-                  <a:pt x="556217" y="701140"/>
-                </a:lnTo>
-                <a:lnTo>
-                  <a:pt x="535885" y="742164"/>
-                </a:lnTo>
-                <a:lnTo>
-                  <a:pt x="519533" y="784447"/>
-                </a:lnTo>
-                <a:lnTo>
-                  <a:pt x="507469" y="827689"/>
-                </a:lnTo>
-                <a:lnTo>
-                  <a:pt x="500003" y="871590"/>
-                </a:lnTo>
-                <a:lnTo>
-                  <a:pt x="497446" y="915851"/>
-                </a:lnTo>
-                <a:lnTo>
-                  <a:pt x="494912" y="871590"/>
-                </a:lnTo>
-                <a:lnTo>
-                  <a:pt x="487512" y="827689"/>
-                </a:lnTo>
-                <a:lnTo>
-                  <a:pt x="475551" y="784447"/>
-                </a:lnTo>
-                <a:lnTo>
-                  <a:pt x="459335" y="742164"/>
-                </a:lnTo>
-                <a:lnTo>
-                  <a:pt x="439169" y="701140"/>
-                </a:lnTo>
-                <a:lnTo>
-                  <a:pt x="415356" y="661676"/>
-                </a:lnTo>
-                <a:lnTo>
-                  <a:pt x="388202" y="624069"/>
-                </a:lnTo>
-                <a:lnTo>
-                  <a:pt x="358013" y="588621"/>
-                </a:lnTo>
-                <a:lnTo>
-                  <a:pt x="325092" y="555632"/>
-                </a:lnTo>
-                <a:lnTo>
-                  <a:pt x="289746" y="525401"/>
-                </a:lnTo>
-                <a:lnTo>
-                  <a:pt x="252278" y="498227"/>
-                </a:lnTo>
-                <a:lnTo>
-                  <a:pt x="212993" y="474412"/>
-                </a:lnTo>
-                <a:lnTo>
-                  <a:pt x="172198" y="454254"/>
-                </a:lnTo>
-                <a:lnTo>
-                  <a:pt x="130196" y="438054"/>
-                </a:lnTo>
-                <a:lnTo>
-                  <a:pt x="87292" y="426111"/>
-                </a:lnTo>
-                <a:lnTo>
-                  <a:pt x="43792" y="418726"/>
-                </a:lnTo>
-                <a:lnTo>
-                  <a:pt x="0" y="416197"/>
-                </a:lnTo>
-                <a:lnTo>
-                  <a:pt x="43792" y="413668"/>
-                </a:lnTo>
-                <a:lnTo>
-                  <a:pt x="87292" y="406282"/>
-                </a:lnTo>
-                <a:lnTo>
-                  <a:pt x="130196" y="394336"/>
-                </a:lnTo>
-                <a:lnTo>
-                  <a:pt x="172198" y="378130"/>
-                </a:lnTo>
-                <a:lnTo>
-                  <a:pt x="212993" y="357964"/>
-                </a:lnTo>
-                <a:lnTo>
-                  <a:pt x="252278" y="334135"/>
-                </a:lnTo>
-                <a:lnTo>
-                  <a:pt x="289746" y="306942"/>
-                </a:lnTo>
-                <a:lnTo>
-                  <a:pt x="325092" y="276686"/>
-                </a:lnTo>
-                <a:lnTo>
-                  <a:pt x="358013" y="243663"/>
-                </a:lnTo>
-                <a:lnTo>
-                  <a:pt x="388202" y="208175"/>
-                </a:lnTo>
-                <a:lnTo>
-                  <a:pt x="415356" y="170519"/>
-                </a:lnTo>
-                <a:lnTo>
-                  <a:pt x="439169" y="130995"/>
-                </a:lnTo>
-                <a:lnTo>
-                  <a:pt x="459335" y="89901"/>
-                </a:lnTo>
-                <a:lnTo>
-                  <a:pt x="475551" y="47536"/>
-                </a:lnTo>
-                <a:lnTo>
-                  <a:pt x="487512" y="4199"/>
-                </a:lnTo>
-                <a:lnTo>
-                  <a:pt x="488218" y="0"/>
-                </a:lnTo>
-              </a:path>
-            </a:pathLst>
-          </a:custGeom>
-          <a:ln w="18718">
-            <a:solidFill>
-              <a:srgbClr val="36D636"/>
-            </a:solidFill>
-          </a:ln>
-        </p:spPr>
-        <p:txBody>
-          <a:bodyPr wrap="square" lIns="0" tIns="0" rIns="0" bIns="0" rtlCol="0"/>
-          <a:lstStyle/>
-          <a:p>
-            <a:pPr>
-              <a:defRPr/>
-            </a:pPr>
-            <a:endParaRPr/>
-          </a:p>
-        </p:txBody>
-      </p:sp>
-      <p:sp>
-        <p:nvSpPr>
-          <p:cNvPr id="20" name="bg object 20"/>
-          <p:cNvSpPr/>
-          <p:nvPr/>
-        </p:nvSpPr>
-        <p:spPr bwMode="auto">
-          <a:xfrm>
-            <a:off x="17322418" y="840931"/>
-            <a:ext cx="965835" cy="1000125"/>
-          </a:xfrm>
-          <a:custGeom>
-            <a:avLst/>
-            <a:gdLst/>
-            <a:ahLst/>
-            <a:cxnLst/>
-            <a:rect l="l" t="t" r="r" b="b"/>
-            <a:pathLst>
-              <a:path w="965834" h="1000125" fill="norm" stroke="1" extrusionOk="0">
-                <a:moveTo>
-                  <a:pt x="497585" y="0"/>
-                </a:moveTo>
-                <a:lnTo>
-                  <a:pt x="495050" y="44382"/>
-                </a:lnTo>
-                <a:lnTo>
-                  <a:pt x="487646" y="88390"/>
-                </a:lnTo>
-                <a:lnTo>
-                  <a:pt x="475680" y="131726"/>
-                </a:lnTo>
-                <a:lnTo>
-                  <a:pt x="459456" y="174089"/>
-                </a:lnTo>
-                <a:lnTo>
-                  <a:pt x="439280" y="215183"/>
-                </a:lnTo>
-                <a:lnTo>
-                  <a:pt x="415457" y="254706"/>
-                </a:lnTo>
-                <a:lnTo>
-                  <a:pt x="388292" y="292362"/>
-                </a:lnTo>
-                <a:lnTo>
-                  <a:pt x="358091" y="327849"/>
-                </a:lnTo>
-                <a:lnTo>
-                  <a:pt x="325158" y="360871"/>
-                </a:lnTo>
-                <a:lnTo>
-                  <a:pt x="289800" y="391127"/>
-                </a:lnTo>
-                <a:lnTo>
-                  <a:pt x="252320" y="418319"/>
-                </a:lnTo>
-                <a:lnTo>
-                  <a:pt x="213025" y="442147"/>
-                </a:lnTo>
-                <a:lnTo>
-                  <a:pt x="172220" y="462314"/>
-                </a:lnTo>
-                <a:lnTo>
-                  <a:pt x="130209" y="478519"/>
-                </a:lnTo>
-                <a:lnTo>
-                  <a:pt x="87299" y="490464"/>
-                </a:lnTo>
-                <a:lnTo>
-                  <a:pt x="43794" y="497851"/>
-                </a:lnTo>
-                <a:lnTo>
-                  <a:pt x="0" y="500379"/>
-                </a:lnTo>
-                <a:lnTo>
-                  <a:pt x="43794" y="502908"/>
-                </a:lnTo>
-                <a:lnTo>
-                  <a:pt x="87299" y="510294"/>
-                </a:lnTo>
-                <a:lnTo>
-                  <a:pt x="130209" y="522237"/>
-                </a:lnTo>
-                <a:lnTo>
-                  <a:pt x="172220" y="538438"/>
-                </a:lnTo>
-                <a:lnTo>
-                  <a:pt x="213025" y="558596"/>
-                </a:lnTo>
-                <a:lnTo>
-                  <a:pt x="252320" y="582412"/>
-                </a:lnTo>
-                <a:lnTo>
-                  <a:pt x="289800" y="609586"/>
-                </a:lnTo>
-                <a:lnTo>
-                  <a:pt x="325158" y="639819"/>
-                </a:lnTo>
-                <a:lnTo>
-                  <a:pt x="358091" y="672809"/>
-                </a:lnTo>
-                <a:lnTo>
-                  <a:pt x="388292" y="708258"/>
-                </a:lnTo>
-                <a:lnTo>
-                  <a:pt x="415457" y="745865"/>
-                </a:lnTo>
-                <a:lnTo>
-                  <a:pt x="439280" y="785332"/>
-                </a:lnTo>
-                <a:lnTo>
-                  <a:pt x="459456" y="826357"/>
-                </a:lnTo>
-                <a:lnTo>
-                  <a:pt x="475680" y="868641"/>
-                </a:lnTo>
-                <a:lnTo>
-                  <a:pt x="487646" y="911884"/>
-                </a:lnTo>
-                <a:lnTo>
-                  <a:pt x="495050" y="955786"/>
-                </a:lnTo>
-                <a:lnTo>
-                  <a:pt x="497585" y="1000048"/>
-                </a:lnTo>
-                <a:lnTo>
-                  <a:pt x="500142" y="955786"/>
-                </a:lnTo>
-                <a:lnTo>
-                  <a:pt x="507604" y="911884"/>
-                </a:lnTo>
-                <a:lnTo>
-                  <a:pt x="519662" y="868641"/>
-                </a:lnTo>
-                <a:lnTo>
-                  <a:pt x="536008" y="826357"/>
-                </a:lnTo>
-                <a:lnTo>
-                  <a:pt x="556331" y="785332"/>
-                </a:lnTo>
-                <a:lnTo>
-                  <a:pt x="580323" y="745865"/>
-                </a:lnTo>
-                <a:lnTo>
-                  <a:pt x="607673" y="708258"/>
-                </a:lnTo>
-                <a:lnTo>
-                  <a:pt x="638073" y="672809"/>
-                </a:lnTo>
-                <a:lnTo>
-                  <a:pt x="671212" y="639819"/>
-                </a:lnTo>
-                <a:lnTo>
-                  <a:pt x="706783" y="609586"/>
-                </a:lnTo>
-                <a:lnTo>
-                  <a:pt x="744474" y="582412"/>
-                </a:lnTo>
-                <a:lnTo>
-                  <a:pt x="783977" y="558596"/>
-                </a:lnTo>
-                <a:lnTo>
-                  <a:pt x="824982" y="538438"/>
-                </a:lnTo>
-                <a:lnTo>
-                  <a:pt x="867181" y="522237"/>
-                </a:lnTo>
-                <a:lnTo>
-                  <a:pt x="910262" y="510294"/>
-                </a:lnTo>
-                <a:lnTo>
-                  <a:pt x="953918" y="502908"/>
-                </a:lnTo>
-                <a:lnTo>
-                  <a:pt x="965602" y="502235"/>
-                </a:lnTo>
-                <a:lnTo>
-                  <a:pt x="965602" y="498524"/>
-                </a:lnTo>
-                <a:lnTo>
-                  <a:pt x="910262" y="490464"/>
-                </a:lnTo>
-                <a:lnTo>
-                  <a:pt x="867181" y="478519"/>
-                </a:lnTo>
-                <a:lnTo>
-                  <a:pt x="824982" y="462314"/>
-                </a:lnTo>
-                <a:lnTo>
-                  <a:pt x="783977" y="442147"/>
-                </a:lnTo>
-                <a:lnTo>
-                  <a:pt x="744474" y="418319"/>
-                </a:lnTo>
-                <a:lnTo>
-                  <a:pt x="706783" y="391127"/>
-                </a:lnTo>
-                <a:lnTo>
-                  <a:pt x="671212" y="360871"/>
-                </a:lnTo>
-                <a:lnTo>
-                  <a:pt x="638073" y="327849"/>
-                </a:lnTo>
-                <a:lnTo>
-                  <a:pt x="607673" y="292362"/>
-                </a:lnTo>
-                <a:lnTo>
-                  <a:pt x="580323" y="254706"/>
-                </a:lnTo>
-                <a:lnTo>
-                  <a:pt x="556331" y="215183"/>
-                </a:lnTo>
-                <a:lnTo>
-                  <a:pt x="536008" y="174089"/>
-                </a:lnTo>
-                <a:lnTo>
-                  <a:pt x="519662" y="131726"/>
-                </a:lnTo>
-                <a:lnTo>
-                  <a:pt x="507604" y="88390"/>
-                </a:lnTo>
-                <a:lnTo>
-                  <a:pt x="500142" y="44382"/>
-                </a:lnTo>
-                <a:lnTo>
-                  <a:pt x="497585" y="0"/>
-                </a:lnTo>
-                <a:close/>
-              </a:path>
-            </a:pathLst>
-          </a:custGeom>
-          <a:solidFill>
-            <a:srgbClr val="36D636"/>
-          </a:solidFill>
-        </p:spPr>
-        <p:txBody>
-          <a:bodyPr wrap="square" lIns="0" tIns="0" rIns="0" bIns="0" rtlCol="0"/>
-          <a:lstStyle/>
-          <a:p>
-            <a:pPr>
-              <a:defRPr/>
-            </a:pPr>
-            <a:endParaRPr/>
-          </a:p>
-        </p:txBody>
-      </p:sp>
-      <p:sp>
-        <p:nvSpPr>
-          <p:cNvPr id="21" name="bg object 21"/>
-          <p:cNvSpPr/>
-          <p:nvPr/>
-        </p:nvSpPr>
-        <p:spPr bwMode="auto">
-          <a:xfrm>
-            <a:off x="17322494" y="840982"/>
-            <a:ext cx="965835" cy="1000125"/>
-          </a:xfrm>
-          <a:custGeom>
-            <a:avLst/>
-            <a:gdLst/>
-            <a:ahLst/>
-            <a:cxnLst/>
-            <a:rect l="l" t="t" r="r" b="b"/>
-            <a:pathLst>
-              <a:path w="965834" h="1000125" fill="norm" stroke="1" extrusionOk="0">
-                <a:moveTo>
-                  <a:pt x="965528" y="502236"/>
-                </a:moveTo>
-                <a:lnTo>
-                  <a:pt x="910235" y="510291"/>
-                </a:lnTo>
-                <a:lnTo>
-                  <a:pt x="867149" y="522234"/>
-                </a:lnTo>
-                <a:lnTo>
-                  <a:pt x="824944" y="538434"/>
-                </a:lnTo>
-                <a:lnTo>
-                  <a:pt x="783931" y="558592"/>
-                </a:lnTo>
-                <a:lnTo>
-                  <a:pt x="744419" y="582408"/>
-                </a:lnTo>
-                <a:lnTo>
-                  <a:pt x="706718" y="609581"/>
-                </a:lnTo>
-                <a:lnTo>
-                  <a:pt x="671138" y="639813"/>
-                </a:lnTo>
-                <a:lnTo>
-                  <a:pt x="637988" y="672803"/>
-                </a:lnTo>
-                <a:lnTo>
-                  <a:pt x="607578" y="708252"/>
-                </a:lnTo>
-                <a:lnTo>
-                  <a:pt x="580217" y="745859"/>
-                </a:lnTo>
-                <a:lnTo>
-                  <a:pt x="556217" y="785325"/>
-                </a:lnTo>
-                <a:lnTo>
-                  <a:pt x="535885" y="826350"/>
-                </a:lnTo>
-                <a:lnTo>
-                  <a:pt x="519533" y="868634"/>
-                </a:lnTo>
-                <a:lnTo>
-                  <a:pt x="507469" y="911877"/>
-                </a:lnTo>
-                <a:lnTo>
-                  <a:pt x="500003" y="955780"/>
-                </a:lnTo>
-                <a:lnTo>
-                  <a:pt x="497446" y="1000043"/>
-                </a:lnTo>
-                <a:lnTo>
-                  <a:pt x="494912" y="955780"/>
-                </a:lnTo>
-                <a:lnTo>
-                  <a:pt x="487512" y="911877"/>
-                </a:lnTo>
-                <a:lnTo>
-                  <a:pt x="475551" y="868634"/>
-                </a:lnTo>
-                <a:lnTo>
-                  <a:pt x="459335" y="826350"/>
-                </a:lnTo>
-                <a:lnTo>
-                  <a:pt x="439169" y="785325"/>
-                </a:lnTo>
-                <a:lnTo>
-                  <a:pt x="415356" y="745859"/>
-                </a:lnTo>
-                <a:lnTo>
-                  <a:pt x="388202" y="708252"/>
-                </a:lnTo>
-                <a:lnTo>
-                  <a:pt x="358013" y="672803"/>
-                </a:lnTo>
-                <a:lnTo>
-                  <a:pt x="325092" y="639813"/>
-                </a:lnTo>
-                <a:lnTo>
-                  <a:pt x="289746" y="609581"/>
-                </a:lnTo>
-                <a:lnTo>
-                  <a:pt x="252278" y="582408"/>
-                </a:lnTo>
-                <a:lnTo>
-                  <a:pt x="212993" y="558592"/>
-                </a:lnTo>
-                <a:lnTo>
-                  <a:pt x="172198" y="538434"/>
-                </a:lnTo>
-                <a:lnTo>
-                  <a:pt x="130196" y="522234"/>
-                </a:lnTo>
-                <a:lnTo>
-                  <a:pt x="87292" y="510291"/>
-                </a:lnTo>
-                <a:lnTo>
-                  <a:pt x="43792" y="502905"/>
-                </a:lnTo>
-                <a:lnTo>
-                  <a:pt x="0" y="500377"/>
-                </a:lnTo>
-                <a:lnTo>
-                  <a:pt x="43792" y="497848"/>
-                </a:lnTo>
-                <a:lnTo>
-                  <a:pt x="87292" y="490462"/>
-                </a:lnTo>
-                <a:lnTo>
-                  <a:pt x="130196" y="478516"/>
-                </a:lnTo>
-                <a:lnTo>
-                  <a:pt x="172198" y="462310"/>
-                </a:lnTo>
-                <a:lnTo>
-                  <a:pt x="212993" y="442144"/>
-                </a:lnTo>
-                <a:lnTo>
-                  <a:pt x="252278" y="418315"/>
-                </a:lnTo>
-                <a:lnTo>
-                  <a:pt x="289746" y="391123"/>
-                </a:lnTo>
-                <a:lnTo>
-                  <a:pt x="325092" y="360867"/>
-                </a:lnTo>
-                <a:lnTo>
-                  <a:pt x="358013" y="327845"/>
-                </a:lnTo>
-                <a:lnTo>
-                  <a:pt x="388202" y="292357"/>
-                </a:lnTo>
-                <a:lnTo>
-                  <a:pt x="415356" y="254702"/>
-                </a:lnTo>
-                <a:lnTo>
-                  <a:pt x="439169" y="215179"/>
-                </a:lnTo>
-                <a:lnTo>
-                  <a:pt x="459335" y="174086"/>
-                </a:lnTo>
-                <a:lnTo>
-                  <a:pt x="475551" y="131723"/>
-                </a:lnTo>
-                <a:lnTo>
-                  <a:pt x="487512" y="88388"/>
-                </a:lnTo>
-                <a:lnTo>
-                  <a:pt x="494912" y="44380"/>
-                </a:lnTo>
-                <a:lnTo>
-                  <a:pt x="497446" y="0"/>
-                </a:lnTo>
-                <a:lnTo>
-                  <a:pt x="500003" y="44380"/>
-                </a:lnTo>
-                <a:lnTo>
-                  <a:pt x="507469" y="88388"/>
-                </a:lnTo>
-                <a:lnTo>
-                  <a:pt x="519533" y="131723"/>
-                </a:lnTo>
-                <a:lnTo>
-                  <a:pt x="535885" y="174086"/>
-                </a:lnTo>
-                <a:lnTo>
-                  <a:pt x="556217" y="215179"/>
-                </a:lnTo>
-                <a:lnTo>
-                  <a:pt x="580217" y="254702"/>
-                </a:lnTo>
-                <a:lnTo>
-                  <a:pt x="607578" y="292357"/>
-                </a:lnTo>
-                <a:lnTo>
-                  <a:pt x="637988" y="327845"/>
-                </a:lnTo>
-                <a:lnTo>
-                  <a:pt x="671138" y="360867"/>
-                </a:lnTo>
-                <a:lnTo>
-                  <a:pt x="706718" y="391123"/>
-                </a:lnTo>
-                <a:lnTo>
-                  <a:pt x="744419" y="418315"/>
-                </a:lnTo>
-                <a:lnTo>
-                  <a:pt x="783931" y="442144"/>
-                </a:lnTo>
-                <a:lnTo>
-                  <a:pt x="824944" y="462310"/>
-                </a:lnTo>
-                <a:lnTo>
-                  <a:pt x="867149" y="478516"/>
-                </a:lnTo>
-                <a:lnTo>
-                  <a:pt x="910235" y="490462"/>
-                </a:lnTo>
-                <a:lnTo>
-                  <a:pt x="953893" y="497848"/>
-                </a:lnTo>
-                <a:lnTo>
-                  <a:pt x="965528" y="498518"/>
-                </a:lnTo>
-              </a:path>
-            </a:pathLst>
-          </a:custGeom>
-          <a:ln w="18718">
-            <a:solidFill>
-              <a:srgbClr val="36D636"/>
-            </a:solidFill>
-          </a:ln>
-        </p:spPr>
-        <p:txBody>
-          <a:bodyPr wrap="square" lIns="0" tIns="0" rIns="0" bIns="0" rtlCol="0"/>
-          <a:lstStyle/>
-          <a:p>
-            <a:pPr>
-              <a:defRPr/>
-            </a:pPr>
-            <a:endParaRPr/>
-          </a:p>
-        </p:txBody>
-      </p:sp>
-      <p:sp>
-        <p:nvSpPr>
-          <p:cNvPr id="22" name="bg object 22"/>
-          <p:cNvSpPr/>
-          <p:nvPr/>
-        </p:nvSpPr>
-        <p:spPr bwMode="auto">
-          <a:xfrm>
-            <a:off x="17297222" y="0"/>
-            <a:ext cx="991235" cy="1841500"/>
-          </a:xfrm>
-          <a:custGeom>
-            <a:avLst/>
-            <a:gdLst/>
-            <a:ahLst/>
-            <a:cxnLst/>
-            <a:rect l="l" t="t" r="r" b="b"/>
-            <a:pathLst>
-              <a:path w="991234" h="1841500" fill="norm" stroke="1" extrusionOk="0">
-                <a:moveTo>
-                  <a:pt x="990800" y="1841026"/>
-                </a:moveTo>
-                <a:lnTo>
-                  <a:pt x="0" y="1841026"/>
-                </a:lnTo>
-                <a:lnTo>
-                  <a:pt x="0" y="0"/>
-                </a:lnTo>
-              </a:path>
-            </a:pathLst>
-          </a:custGeom>
-          <a:ln w="38157">
-            <a:solidFill>
-              <a:srgbClr val="959595"/>
-            </a:solidFill>
-          </a:ln>
-        </p:spPr>
-        <p:txBody>
-          <a:bodyPr wrap="square" lIns="0" tIns="0" rIns="0" bIns="0" rtlCol="0"/>
-          <a:lstStyle/>
-          <a:p>
-            <a:pPr>
-              <a:defRPr/>
-            </a:pPr>
-            <a:endParaRPr/>
-          </a:p>
-        </p:txBody>
-      </p:sp>
-      <p:sp>
-        <p:nvSpPr>
-          <p:cNvPr id="23" name="bg object 23"/>
-          <p:cNvSpPr/>
-          <p:nvPr/>
-        </p:nvSpPr>
-        <p:spPr bwMode="auto">
-          <a:xfrm>
-            <a:off x="17601057" y="2326970"/>
-            <a:ext cx="440690" cy="440690"/>
-          </a:xfrm>
-          <a:custGeom>
-            <a:avLst/>
-            <a:gdLst/>
-            <a:ahLst/>
-            <a:cxnLst/>
-            <a:rect l="l" t="t" r="r" b="b"/>
-            <a:pathLst>
-              <a:path w="440690" h="440689" fill="norm" stroke="1" extrusionOk="0">
-                <a:moveTo>
-                  <a:pt x="231902" y="0"/>
-                </a:moveTo>
-                <a:lnTo>
-                  <a:pt x="208788" y="0"/>
-                </a:lnTo>
-                <a:lnTo>
-                  <a:pt x="185801" y="2870"/>
-                </a:lnTo>
-                <a:lnTo>
-                  <a:pt x="141097" y="14389"/>
-                </a:lnTo>
-                <a:lnTo>
-                  <a:pt x="110236" y="29514"/>
-                </a:lnTo>
-                <a:lnTo>
-                  <a:pt x="100076" y="35267"/>
-                </a:lnTo>
-                <a:lnTo>
-                  <a:pt x="64770" y="64795"/>
-                </a:lnTo>
-                <a:lnTo>
-                  <a:pt x="35306" y="100076"/>
-                </a:lnTo>
-                <a:lnTo>
-                  <a:pt x="29591" y="110147"/>
-                </a:lnTo>
-                <a:lnTo>
-                  <a:pt x="23749" y="120230"/>
-                </a:lnTo>
-                <a:lnTo>
-                  <a:pt x="7239" y="163423"/>
-                </a:lnTo>
-                <a:lnTo>
-                  <a:pt x="1524" y="197269"/>
-                </a:lnTo>
-                <a:lnTo>
-                  <a:pt x="0" y="208788"/>
-                </a:lnTo>
-                <a:lnTo>
-                  <a:pt x="0" y="220306"/>
-                </a:lnTo>
-                <a:lnTo>
-                  <a:pt x="0" y="231825"/>
-                </a:lnTo>
-                <a:lnTo>
-                  <a:pt x="1524" y="243344"/>
-                </a:lnTo>
-                <a:lnTo>
-                  <a:pt x="10795" y="287985"/>
-                </a:lnTo>
-                <a:lnTo>
-                  <a:pt x="29591" y="330466"/>
-                </a:lnTo>
-                <a:lnTo>
-                  <a:pt x="56896" y="367182"/>
-                </a:lnTo>
-                <a:lnTo>
-                  <a:pt x="82169" y="390944"/>
-                </a:lnTo>
-                <a:lnTo>
-                  <a:pt x="90805" y="398145"/>
-                </a:lnTo>
-                <a:lnTo>
-                  <a:pt x="131064" y="421182"/>
-                </a:lnTo>
-                <a:lnTo>
-                  <a:pt x="175006" y="434860"/>
-                </a:lnTo>
-                <a:lnTo>
-                  <a:pt x="185801" y="437019"/>
-                </a:lnTo>
-                <a:lnTo>
-                  <a:pt x="208788" y="439902"/>
-                </a:lnTo>
-                <a:lnTo>
-                  <a:pt x="220345" y="439902"/>
-                </a:lnTo>
-                <a:lnTo>
-                  <a:pt x="220345" y="440626"/>
-                </a:lnTo>
-                <a:lnTo>
-                  <a:pt x="231902" y="440626"/>
-                </a:lnTo>
-                <a:lnTo>
-                  <a:pt x="243332" y="439178"/>
-                </a:lnTo>
-                <a:lnTo>
-                  <a:pt x="254889" y="437743"/>
-                </a:lnTo>
-                <a:lnTo>
-                  <a:pt x="309626" y="421182"/>
-                </a:lnTo>
-                <a:lnTo>
-                  <a:pt x="349250" y="398145"/>
-                </a:lnTo>
-                <a:lnTo>
-                  <a:pt x="383794" y="367182"/>
-                </a:lnTo>
-                <a:lnTo>
-                  <a:pt x="390906" y="358546"/>
-                </a:lnTo>
-                <a:lnTo>
-                  <a:pt x="398145" y="349910"/>
-                </a:lnTo>
-                <a:lnTo>
-                  <a:pt x="421259" y="309587"/>
-                </a:lnTo>
-                <a:lnTo>
-                  <a:pt x="434848" y="265671"/>
-                </a:lnTo>
-                <a:lnTo>
-                  <a:pt x="437007" y="254863"/>
-                </a:lnTo>
-                <a:lnTo>
-                  <a:pt x="438531" y="243344"/>
-                </a:lnTo>
-                <a:lnTo>
-                  <a:pt x="439928" y="231825"/>
-                </a:lnTo>
-                <a:lnTo>
-                  <a:pt x="439928" y="220306"/>
-                </a:lnTo>
-                <a:lnTo>
-                  <a:pt x="440690" y="220306"/>
-                </a:lnTo>
-                <a:lnTo>
-                  <a:pt x="440690" y="208788"/>
-                </a:lnTo>
-                <a:lnTo>
-                  <a:pt x="439166" y="197269"/>
-                </a:lnTo>
-                <a:lnTo>
-                  <a:pt x="437769" y="185750"/>
-                </a:lnTo>
-                <a:lnTo>
-                  <a:pt x="426212" y="141109"/>
-                </a:lnTo>
-                <a:lnTo>
-                  <a:pt x="411099" y="110147"/>
-                </a:lnTo>
-                <a:lnTo>
-                  <a:pt x="405384" y="100076"/>
-                </a:lnTo>
-                <a:lnTo>
-                  <a:pt x="398907" y="90716"/>
-                </a:lnTo>
-                <a:lnTo>
-                  <a:pt x="391668" y="81343"/>
-                </a:lnTo>
-                <a:lnTo>
-                  <a:pt x="383794" y="72707"/>
-                </a:lnTo>
-                <a:lnTo>
-                  <a:pt x="375793" y="64795"/>
-                </a:lnTo>
-                <a:lnTo>
-                  <a:pt x="367919" y="56870"/>
-                </a:lnTo>
-                <a:lnTo>
-                  <a:pt x="359283" y="48958"/>
-                </a:lnTo>
-                <a:lnTo>
-                  <a:pt x="349885" y="41757"/>
-                </a:lnTo>
-                <a:lnTo>
-                  <a:pt x="340614" y="35267"/>
-                </a:lnTo>
-                <a:lnTo>
-                  <a:pt x="330454" y="29514"/>
-                </a:lnTo>
-                <a:lnTo>
-                  <a:pt x="320421" y="23749"/>
-                </a:lnTo>
-                <a:lnTo>
-                  <a:pt x="277241" y="7188"/>
-                </a:lnTo>
-                <a:lnTo>
-                  <a:pt x="254889" y="2870"/>
-                </a:lnTo>
-                <a:lnTo>
-                  <a:pt x="231902" y="0"/>
-                </a:lnTo>
-                <a:close/>
-              </a:path>
-            </a:pathLst>
-          </a:custGeom>
-          <a:solidFill>
-            <a:srgbClr val="959595"/>
-          </a:solidFill>
-        </p:spPr>
-        <p:txBody>
-          <a:bodyPr wrap="square" lIns="0" tIns="0" rIns="0" bIns="0" rtlCol="0"/>
-          <a:lstStyle/>
-          <a:p>
-            <a:pPr>
-              <a:defRPr/>
-            </a:pPr>
-            <a:endParaRPr/>
-          </a:p>
-        </p:txBody>
-      </p:sp>
-      <p:sp>
-        <p:nvSpPr>
-          <p:cNvPr id="24" name="bg object 24"/>
-          <p:cNvSpPr/>
-          <p:nvPr/>
-        </p:nvSpPr>
-        <p:spPr bwMode="auto">
-          <a:xfrm>
-            <a:off x="17601124" y="2327000"/>
-            <a:ext cx="440690" cy="440690"/>
-          </a:xfrm>
-          <a:custGeom>
-            <a:avLst/>
-            <a:gdLst/>
-            <a:ahLst/>
-            <a:cxnLst/>
-            <a:rect l="l" t="t" r="r" b="b"/>
-            <a:pathLst>
-              <a:path w="440690" h="440689" fill="norm" stroke="1" extrusionOk="0">
-                <a:moveTo>
-                  <a:pt x="0" y="220311"/>
-                </a:moveTo>
-                <a:lnTo>
-                  <a:pt x="0" y="208792"/>
-                </a:lnTo>
-                <a:lnTo>
-                  <a:pt x="1396" y="197273"/>
-                </a:lnTo>
-                <a:lnTo>
-                  <a:pt x="2793" y="185753"/>
-                </a:lnTo>
-                <a:lnTo>
-                  <a:pt x="14350" y="141112"/>
-                </a:lnTo>
-                <a:lnTo>
-                  <a:pt x="35305" y="100077"/>
-                </a:lnTo>
-                <a:lnTo>
-                  <a:pt x="64768" y="64796"/>
-                </a:lnTo>
-                <a:lnTo>
-                  <a:pt x="100073" y="35281"/>
-                </a:lnTo>
-                <a:lnTo>
-                  <a:pt x="141093" y="14402"/>
-                </a:lnTo>
-                <a:lnTo>
-                  <a:pt x="185669" y="2882"/>
-                </a:lnTo>
-                <a:lnTo>
-                  <a:pt x="197226" y="1447"/>
-                </a:lnTo>
-                <a:lnTo>
-                  <a:pt x="208782" y="0"/>
-                </a:lnTo>
-                <a:lnTo>
-                  <a:pt x="220212" y="0"/>
-                </a:lnTo>
-                <a:lnTo>
-                  <a:pt x="231769" y="0"/>
-                </a:lnTo>
-                <a:lnTo>
-                  <a:pt x="243325" y="1447"/>
-                </a:lnTo>
-                <a:lnTo>
-                  <a:pt x="288663" y="10807"/>
-                </a:lnTo>
-                <a:lnTo>
-                  <a:pt x="330445" y="29515"/>
-                </a:lnTo>
-                <a:lnTo>
-                  <a:pt x="367909" y="56884"/>
-                </a:lnTo>
-                <a:lnTo>
-                  <a:pt x="398770" y="90717"/>
-                </a:lnTo>
-                <a:lnTo>
-                  <a:pt x="421883" y="131041"/>
-                </a:lnTo>
-                <a:lnTo>
-                  <a:pt x="435472" y="174234"/>
-                </a:lnTo>
-                <a:lnTo>
-                  <a:pt x="440551" y="208792"/>
-                </a:lnTo>
-                <a:lnTo>
-                  <a:pt x="440551" y="220311"/>
-                </a:lnTo>
-                <a:lnTo>
-                  <a:pt x="439789" y="220311"/>
-                </a:lnTo>
-                <a:lnTo>
-                  <a:pt x="439789" y="231830"/>
-                </a:lnTo>
-                <a:lnTo>
-                  <a:pt x="438393" y="243362"/>
-                </a:lnTo>
-                <a:lnTo>
-                  <a:pt x="436996" y="254881"/>
-                </a:lnTo>
-                <a:lnTo>
-                  <a:pt x="434837" y="265676"/>
-                </a:lnTo>
-                <a:lnTo>
-                  <a:pt x="432678" y="277195"/>
-                </a:lnTo>
-                <a:lnTo>
-                  <a:pt x="428995" y="287990"/>
-                </a:lnTo>
-                <a:lnTo>
-                  <a:pt x="425439" y="298786"/>
-                </a:lnTo>
-                <a:lnTo>
-                  <a:pt x="421121" y="309594"/>
-                </a:lnTo>
-                <a:lnTo>
-                  <a:pt x="398135" y="349917"/>
-                </a:lnTo>
-                <a:lnTo>
-                  <a:pt x="390896" y="358553"/>
-                </a:lnTo>
-                <a:lnTo>
-                  <a:pt x="383657" y="367189"/>
-                </a:lnTo>
-                <a:lnTo>
-                  <a:pt x="349114" y="398140"/>
-                </a:lnTo>
-                <a:lnTo>
-                  <a:pt x="339716" y="404630"/>
-                </a:lnTo>
-                <a:lnTo>
-                  <a:pt x="330445" y="411107"/>
-                </a:lnTo>
-                <a:lnTo>
-                  <a:pt x="287901" y="429827"/>
-                </a:lnTo>
-                <a:lnTo>
-                  <a:pt x="243325" y="439187"/>
-                </a:lnTo>
-                <a:lnTo>
-                  <a:pt x="231769" y="440622"/>
-                </a:lnTo>
-                <a:lnTo>
-                  <a:pt x="220212" y="440622"/>
-                </a:lnTo>
-                <a:lnTo>
-                  <a:pt x="220212" y="439911"/>
-                </a:lnTo>
-                <a:lnTo>
-                  <a:pt x="208782" y="439911"/>
-                </a:lnTo>
-                <a:lnTo>
-                  <a:pt x="197226" y="438463"/>
-                </a:lnTo>
-                <a:lnTo>
-                  <a:pt x="185669" y="437028"/>
-                </a:lnTo>
-                <a:lnTo>
-                  <a:pt x="174874" y="434869"/>
-                </a:lnTo>
-                <a:lnTo>
-                  <a:pt x="163444" y="432710"/>
-                </a:lnTo>
-                <a:lnTo>
-                  <a:pt x="152650" y="429103"/>
-                </a:lnTo>
-                <a:lnTo>
-                  <a:pt x="141855" y="425509"/>
-                </a:lnTo>
-                <a:lnTo>
-                  <a:pt x="100708" y="404630"/>
-                </a:lnTo>
-                <a:lnTo>
-                  <a:pt x="64768" y="375825"/>
-                </a:lnTo>
-                <a:lnTo>
-                  <a:pt x="35940" y="339833"/>
-                </a:lnTo>
-                <a:lnTo>
-                  <a:pt x="15112" y="298786"/>
-                </a:lnTo>
-                <a:lnTo>
-                  <a:pt x="10794" y="287990"/>
-                </a:lnTo>
-                <a:lnTo>
-                  <a:pt x="1396" y="243362"/>
-                </a:lnTo>
-                <a:lnTo>
-                  <a:pt x="0" y="231830"/>
-                </a:lnTo>
-                <a:lnTo>
-                  <a:pt x="0" y="220311"/>
-                </a:lnTo>
-                <a:close/>
-              </a:path>
-            </a:pathLst>
-          </a:custGeom>
-          <a:ln w="18718">
-            <a:solidFill>
-              <a:srgbClr val="959595"/>
-            </a:solidFill>
-          </a:ln>
-        </p:spPr>
-        <p:txBody>
-          <a:bodyPr wrap="square" lIns="0" tIns="0" rIns="0" bIns="0" rtlCol="0"/>
-          <a:lstStyle/>
-          <a:p>
-            <a:pPr>
-              <a:defRPr/>
-            </a:pPr>
-            <a:endParaRPr/>
-          </a:p>
-        </p:txBody>
-      </p:sp>
-      <p:sp>
-        <p:nvSpPr>
-          <p:cNvPr id="25" name="bg object 25"/>
-          <p:cNvSpPr/>
-          <p:nvPr/>
-        </p:nvSpPr>
-        <p:spPr bwMode="auto">
-          <a:xfrm>
-            <a:off x="14952217" y="8116557"/>
-            <a:ext cx="3336290" cy="2171065"/>
-          </a:xfrm>
-          <a:custGeom>
-            <a:avLst/>
-            <a:gdLst/>
-            <a:ahLst/>
-            <a:cxnLst/>
-            <a:rect l="l" t="t" r="r" b="b"/>
-            <a:pathLst>
-              <a:path w="3336290" h="2171065" fill="norm" stroke="1" extrusionOk="0">
-                <a:moveTo>
-                  <a:pt x="1136903" y="1106587"/>
-                </a:moveTo>
-                <a:lnTo>
-                  <a:pt x="553719" y="1106587"/>
-                </a:lnTo>
-                <a:lnTo>
-                  <a:pt x="0" y="1660961"/>
-                </a:lnTo>
-                <a:lnTo>
-                  <a:pt x="0" y="2170440"/>
-                </a:lnTo>
-                <a:lnTo>
-                  <a:pt x="29590" y="2170440"/>
-                </a:lnTo>
-                <a:lnTo>
-                  <a:pt x="29590" y="1689760"/>
-                </a:lnTo>
-                <a:lnTo>
-                  <a:pt x="2245613" y="1689760"/>
-                </a:lnTo>
-                <a:lnTo>
-                  <a:pt x="2274043" y="1660961"/>
-                </a:lnTo>
-                <a:lnTo>
-                  <a:pt x="42544" y="1660961"/>
-                </a:lnTo>
-                <a:lnTo>
-                  <a:pt x="553719" y="1148349"/>
-                </a:lnTo>
-                <a:lnTo>
-                  <a:pt x="583945" y="1148349"/>
-                </a:lnTo>
-                <a:lnTo>
-                  <a:pt x="583945" y="1136829"/>
-                </a:lnTo>
-                <a:lnTo>
-                  <a:pt x="1136903" y="1136829"/>
-                </a:lnTo>
-                <a:lnTo>
-                  <a:pt x="1136903" y="1106587"/>
-                </a:lnTo>
-                <a:close/>
-              </a:path>
-              <a:path w="3336290" h="2171065" fill="norm" stroke="1" extrusionOk="0">
-                <a:moveTo>
-                  <a:pt x="583945" y="1689760"/>
-                </a:moveTo>
-                <a:lnTo>
-                  <a:pt x="553719" y="1689760"/>
-                </a:lnTo>
-                <a:lnTo>
-                  <a:pt x="553719" y="2170440"/>
-                </a:lnTo>
-                <a:lnTo>
-                  <a:pt x="583945" y="2170440"/>
-                </a:lnTo>
-                <a:lnTo>
-                  <a:pt x="583945" y="1689760"/>
-                </a:lnTo>
-                <a:close/>
-              </a:path>
-              <a:path w="3336290" h="2171065" fill="norm" stroke="1" extrusionOk="0">
-                <a:moveTo>
-                  <a:pt x="1136903" y="1689760"/>
-                </a:moveTo>
-                <a:lnTo>
-                  <a:pt x="1106677" y="1689760"/>
-                </a:lnTo>
-                <a:lnTo>
-                  <a:pt x="1106677" y="2170440"/>
-                </a:lnTo>
-                <a:lnTo>
-                  <a:pt x="1136903" y="2170440"/>
-                </a:lnTo>
-                <a:lnTo>
-                  <a:pt x="1136903" y="1689760"/>
-                </a:lnTo>
-                <a:close/>
-              </a:path>
-              <a:path w="3336290" h="2171065" fill="norm" stroke="1" extrusionOk="0">
-                <a:moveTo>
-                  <a:pt x="1691258" y="1689760"/>
-                </a:moveTo>
-                <a:lnTo>
-                  <a:pt x="1661032" y="1689760"/>
-                </a:lnTo>
-                <a:lnTo>
-                  <a:pt x="1661032" y="2170440"/>
-                </a:lnTo>
-                <a:lnTo>
-                  <a:pt x="1691258" y="2170440"/>
-                </a:lnTo>
-                <a:lnTo>
-                  <a:pt x="1691258" y="1689760"/>
-                </a:lnTo>
-                <a:close/>
-              </a:path>
-              <a:path w="3336290" h="2171065" fill="norm" stroke="1" extrusionOk="0">
-                <a:moveTo>
-                  <a:pt x="583945" y="1148349"/>
-                </a:moveTo>
-                <a:lnTo>
-                  <a:pt x="553719" y="1148349"/>
-                </a:lnTo>
-                <a:lnTo>
-                  <a:pt x="553719" y="1660961"/>
-                </a:lnTo>
-                <a:lnTo>
-                  <a:pt x="583945" y="1660961"/>
-                </a:lnTo>
-                <a:lnTo>
-                  <a:pt x="583945" y="1148349"/>
-                </a:lnTo>
-                <a:close/>
-              </a:path>
-              <a:path w="3336290" h="2171065" fill="norm" stroke="1" extrusionOk="0">
-                <a:moveTo>
-                  <a:pt x="1136903" y="1136829"/>
-                </a:moveTo>
-                <a:lnTo>
-                  <a:pt x="1106677" y="1136829"/>
-                </a:lnTo>
-                <a:lnTo>
-                  <a:pt x="1106677" y="1660961"/>
-                </a:lnTo>
-                <a:lnTo>
-                  <a:pt x="1136903" y="1660961"/>
-                </a:lnTo>
-                <a:lnTo>
-                  <a:pt x="1136903" y="1136829"/>
-                </a:lnTo>
-                <a:close/>
-              </a:path>
-              <a:path w="3336290" h="2171065" fill="norm" stroke="1" extrusionOk="0">
-                <a:moveTo>
-                  <a:pt x="2797174" y="582460"/>
-                </a:moveTo>
-                <a:lnTo>
-                  <a:pt x="2768345" y="582460"/>
-                </a:lnTo>
-                <a:lnTo>
-                  <a:pt x="2768345" y="1106587"/>
-                </a:lnTo>
-                <a:lnTo>
-                  <a:pt x="1661032" y="1106587"/>
-                </a:lnTo>
-                <a:lnTo>
-                  <a:pt x="1661032" y="1660961"/>
-                </a:lnTo>
-                <a:lnTo>
-                  <a:pt x="1691258" y="1660961"/>
-                </a:lnTo>
-                <a:lnTo>
-                  <a:pt x="1691258" y="1136829"/>
-                </a:lnTo>
-                <a:lnTo>
-                  <a:pt x="2797174" y="1136829"/>
-                </a:lnTo>
-                <a:lnTo>
-                  <a:pt x="2797174" y="1131069"/>
-                </a:lnTo>
-                <a:lnTo>
-                  <a:pt x="2840021" y="1087869"/>
-                </a:lnTo>
-                <a:lnTo>
-                  <a:pt x="2797174" y="1087869"/>
-                </a:lnTo>
-                <a:lnTo>
-                  <a:pt x="2797174" y="582460"/>
-                </a:lnTo>
-                <a:close/>
-              </a:path>
-              <a:path w="3336290" h="2171065" fill="norm" stroke="1" extrusionOk="0">
-                <a:moveTo>
-                  <a:pt x="2245613" y="1136829"/>
-                </a:moveTo>
-                <a:lnTo>
-                  <a:pt x="2215387" y="1136829"/>
-                </a:lnTo>
-                <a:lnTo>
-                  <a:pt x="2215387" y="1660961"/>
-                </a:lnTo>
-                <a:lnTo>
-                  <a:pt x="2274043" y="1660961"/>
-                </a:lnTo>
-                <a:lnTo>
-                  <a:pt x="2288259" y="1646561"/>
-                </a:lnTo>
-                <a:lnTo>
-                  <a:pt x="2245613" y="1646561"/>
-                </a:lnTo>
-                <a:lnTo>
-                  <a:pt x="2245613" y="1136829"/>
-                </a:lnTo>
-                <a:close/>
-              </a:path>
-              <a:path w="3336290" h="2171065" fill="norm" stroke="1" extrusionOk="0">
-                <a:moveTo>
-                  <a:pt x="2791459" y="1136829"/>
-                </a:moveTo>
-                <a:lnTo>
-                  <a:pt x="2749676" y="1136829"/>
-                </a:lnTo>
-                <a:lnTo>
-                  <a:pt x="2245613" y="1646561"/>
-                </a:lnTo>
-                <a:lnTo>
-                  <a:pt x="2288259" y="1646561"/>
-                </a:lnTo>
-                <a:lnTo>
-                  <a:pt x="2791459" y="1136829"/>
-                </a:lnTo>
-                <a:close/>
-              </a:path>
-              <a:path w="3336290" h="2171065" fill="norm" stroke="1" extrusionOk="0">
-                <a:moveTo>
-                  <a:pt x="3335756" y="602615"/>
-                </a:moveTo>
-                <a:lnTo>
-                  <a:pt x="3321303" y="602615"/>
-                </a:lnTo>
-                <a:lnTo>
-                  <a:pt x="3321303" y="1136829"/>
-                </a:lnTo>
-                <a:lnTo>
-                  <a:pt x="3335756" y="1136829"/>
-                </a:lnTo>
-                <a:lnTo>
-                  <a:pt x="3335756" y="602615"/>
-                </a:lnTo>
-                <a:close/>
-              </a:path>
-              <a:path w="3336290" h="2171065" fill="norm" stroke="1" extrusionOk="0">
-                <a:moveTo>
-                  <a:pt x="3335756" y="29527"/>
-                </a:moveTo>
-                <a:lnTo>
-                  <a:pt x="3321303" y="29527"/>
-                </a:lnTo>
-                <a:lnTo>
-                  <a:pt x="3321303" y="552221"/>
-                </a:lnTo>
-                <a:lnTo>
-                  <a:pt x="2215387" y="552221"/>
-                </a:lnTo>
-                <a:lnTo>
-                  <a:pt x="2215387" y="1106587"/>
-                </a:lnTo>
-                <a:lnTo>
-                  <a:pt x="2245613" y="1106587"/>
-                </a:lnTo>
-                <a:lnTo>
-                  <a:pt x="2245613" y="582460"/>
-                </a:lnTo>
-                <a:lnTo>
-                  <a:pt x="3335756" y="582460"/>
-                </a:lnTo>
-                <a:lnTo>
-                  <a:pt x="3335756" y="29527"/>
-                </a:lnTo>
-                <a:close/>
-              </a:path>
-              <a:path w="3336290" h="2171065" fill="norm" stroke="1" extrusionOk="0">
-                <a:moveTo>
-                  <a:pt x="3335756" y="582460"/>
-                </a:moveTo>
-                <a:lnTo>
-                  <a:pt x="3298316" y="582460"/>
-                </a:lnTo>
-                <a:lnTo>
-                  <a:pt x="2797174" y="1087869"/>
-                </a:lnTo>
-                <a:lnTo>
-                  <a:pt x="2840021" y="1087869"/>
-                </a:lnTo>
-                <a:lnTo>
-                  <a:pt x="3321303" y="602615"/>
-                </a:lnTo>
-                <a:lnTo>
-                  <a:pt x="3335756" y="602615"/>
-                </a:lnTo>
-                <a:lnTo>
-                  <a:pt x="3335756" y="582460"/>
-                </a:lnTo>
-                <a:close/>
-              </a:path>
-              <a:path w="3336290" h="2171065" fill="norm" stroke="1" extrusionOk="0">
-                <a:moveTo>
-                  <a:pt x="3335756" y="0"/>
-                </a:moveTo>
-                <a:lnTo>
-                  <a:pt x="2768345" y="0"/>
-                </a:lnTo>
-                <a:lnTo>
-                  <a:pt x="2768345" y="552221"/>
-                </a:lnTo>
-                <a:lnTo>
-                  <a:pt x="2797174" y="552221"/>
-                </a:lnTo>
-                <a:lnTo>
-                  <a:pt x="2797174" y="29527"/>
-                </a:lnTo>
-                <a:lnTo>
-                  <a:pt x="3335756" y="29527"/>
-                </a:lnTo>
-                <a:lnTo>
-                  <a:pt x="3335756" y="0"/>
-                </a:lnTo>
-                <a:close/>
-              </a:path>
-            </a:pathLst>
-          </a:custGeom>
-          <a:solidFill>
-            <a:srgbClr val="36D636"/>
-          </a:solidFill>
-        </p:spPr>
-        <p:txBody>
-          <a:bodyPr wrap="square" lIns="0" tIns="0" rIns="0" bIns="0" rtlCol="0"/>
-          <a:lstStyle/>
-          <a:p>
-            <a:pPr>
-              <a:defRPr/>
-            </a:pPr>
-            <a:endParaRPr/>
-          </a:p>
-        </p:txBody>
-      </p:sp>
-      <p:sp>
-        <p:nvSpPr>
-          <p:cNvPr id="26" name="bg object 26"/>
-          <p:cNvSpPr/>
-          <p:nvPr/>
-        </p:nvSpPr>
-        <p:spPr bwMode="auto">
-          <a:xfrm>
-            <a:off x="15656433" y="9899191"/>
-            <a:ext cx="304165" cy="304165"/>
-          </a:xfrm>
-          <a:custGeom>
-            <a:avLst/>
-            <a:gdLst/>
-            <a:ahLst/>
-            <a:cxnLst/>
-            <a:rect l="l" t="t" r="r" b="b"/>
-            <a:pathLst>
-              <a:path w="304165" h="304165" fill="norm" stroke="1" extrusionOk="0">
-                <a:moveTo>
-                  <a:pt x="159766" y="0"/>
-                </a:moveTo>
-                <a:lnTo>
-                  <a:pt x="144018" y="0"/>
-                </a:lnTo>
-                <a:lnTo>
-                  <a:pt x="136017" y="718"/>
-                </a:lnTo>
-                <a:lnTo>
-                  <a:pt x="97155" y="10081"/>
-                </a:lnTo>
-                <a:lnTo>
-                  <a:pt x="62611" y="28798"/>
-                </a:lnTo>
-                <a:lnTo>
-                  <a:pt x="33782" y="56158"/>
-                </a:lnTo>
-                <a:lnTo>
-                  <a:pt x="12954" y="89996"/>
-                </a:lnTo>
-                <a:lnTo>
-                  <a:pt x="2159" y="128155"/>
-                </a:lnTo>
-                <a:lnTo>
-                  <a:pt x="635" y="136074"/>
-                </a:lnTo>
-                <a:lnTo>
-                  <a:pt x="0" y="143996"/>
-                </a:lnTo>
-                <a:lnTo>
-                  <a:pt x="0" y="151913"/>
-                </a:lnTo>
-                <a:lnTo>
-                  <a:pt x="0" y="159832"/>
-                </a:lnTo>
-                <a:lnTo>
-                  <a:pt x="635" y="167754"/>
-                </a:lnTo>
-                <a:lnTo>
-                  <a:pt x="2159" y="175671"/>
-                </a:lnTo>
-                <a:lnTo>
-                  <a:pt x="3556" y="183595"/>
-                </a:lnTo>
-                <a:lnTo>
-                  <a:pt x="4953" y="190793"/>
-                </a:lnTo>
-                <a:lnTo>
-                  <a:pt x="7874" y="198710"/>
-                </a:lnTo>
-                <a:lnTo>
-                  <a:pt x="10033" y="205913"/>
-                </a:lnTo>
-                <a:lnTo>
-                  <a:pt x="13589" y="213112"/>
-                </a:lnTo>
-                <a:lnTo>
-                  <a:pt x="16510" y="220310"/>
-                </a:lnTo>
-                <a:lnTo>
-                  <a:pt x="20828" y="227509"/>
-                </a:lnTo>
-                <a:lnTo>
-                  <a:pt x="44577" y="259189"/>
-                </a:lnTo>
-                <a:lnTo>
-                  <a:pt x="56896" y="269269"/>
-                </a:lnTo>
-                <a:lnTo>
-                  <a:pt x="62611" y="274310"/>
-                </a:lnTo>
-                <a:lnTo>
-                  <a:pt x="97917" y="293027"/>
-                </a:lnTo>
-                <a:lnTo>
-                  <a:pt x="105029" y="295905"/>
-                </a:lnTo>
-                <a:lnTo>
-                  <a:pt x="113030" y="298068"/>
-                </a:lnTo>
-                <a:lnTo>
-                  <a:pt x="120142" y="299506"/>
-                </a:lnTo>
-                <a:lnTo>
-                  <a:pt x="128143" y="300945"/>
-                </a:lnTo>
-                <a:lnTo>
-                  <a:pt x="136017" y="302389"/>
-                </a:lnTo>
-                <a:lnTo>
-                  <a:pt x="144018" y="303108"/>
-                </a:lnTo>
-                <a:lnTo>
-                  <a:pt x="151892" y="303108"/>
-                </a:lnTo>
-                <a:lnTo>
-                  <a:pt x="151892" y="303827"/>
-                </a:lnTo>
-                <a:lnTo>
-                  <a:pt x="159766" y="303827"/>
-                </a:lnTo>
-                <a:lnTo>
-                  <a:pt x="167767" y="303108"/>
-                </a:lnTo>
-                <a:lnTo>
-                  <a:pt x="183515" y="300226"/>
-                </a:lnTo>
-                <a:lnTo>
-                  <a:pt x="190754" y="298787"/>
-                </a:lnTo>
-                <a:lnTo>
-                  <a:pt x="198628" y="295905"/>
-                </a:lnTo>
-                <a:lnTo>
-                  <a:pt x="205867" y="293747"/>
-                </a:lnTo>
-                <a:lnTo>
-                  <a:pt x="213106" y="290145"/>
-                </a:lnTo>
-                <a:lnTo>
-                  <a:pt x="220218" y="287268"/>
-                </a:lnTo>
-                <a:lnTo>
-                  <a:pt x="227457" y="282947"/>
-                </a:lnTo>
-                <a:lnTo>
-                  <a:pt x="233934" y="279350"/>
-                </a:lnTo>
-                <a:lnTo>
-                  <a:pt x="241173" y="274310"/>
-                </a:lnTo>
-                <a:lnTo>
-                  <a:pt x="246888" y="269989"/>
-                </a:lnTo>
-                <a:lnTo>
-                  <a:pt x="253365" y="264229"/>
-                </a:lnTo>
-                <a:lnTo>
-                  <a:pt x="259207" y="259189"/>
-                </a:lnTo>
-                <a:lnTo>
-                  <a:pt x="264160" y="253429"/>
-                </a:lnTo>
-                <a:lnTo>
-                  <a:pt x="269240" y="246950"/>
-                </a:lnTo>
-                <a:lnTo>
-                  <a:pt x="274320" y="241190"/>
-                </a:lnTo>
-                <a:lnTo>
-                  <a:pt x="292989" y="205913"/>
-                </a:lnTo>
-                <a:lnTo>
-                  <a:pt x="295910" y="198710"/>
-                </a:lnTo>
-                <a:lnTo>
-                  <a:pt x="298069" y="190793"/>
-                </a:lnTo>
-                <a:lnTo>
-                  <a:pt x="299466" y="183595"/>
-                </a:lnTo>
-                <a:lnTo>
-                  <a:pt x="300863" y="175671"/>
-                </a:lnTo>
-                <a:lnTo>
-                  <a:pt x="302387" y="167754"/>
-                </a:lnTo>
-                <a:lnTo>
-                  <a:pt x="303022" y="159832"/>
-                </a:lnTo>
-                <a:lnTo>
-                  <a:pt x="303022" y="151913"/>
-                </a:lnTo>
-                <a:lnTo>
-                  <a:pt x="303784" y="151913"/>
-                </a:lnTo>
-                <a:lnTo>
-                  <a:pt x="303784" y="143996"/>
-                </a:lnTo>
-                <a:lnTo>
-                  <a:pt x="303022" y="136074"/>
-                </a:lnTo>
-                <a:lnTo>
-                  <a:pt x="293751" y="97194"/>
-                </a:lnTo>
-                <a:lnTo>
-                  <a:pt x="274955" y="62636"/>
-                </a:lnTo>
-                <a:lnTo>
-                  <a:pt x="247650" y="33839"/>
-                </a:lnTo>
-                <a:lnTo>
-                  <a:pt x="213741" y="12962"/>
-                </a:lnTo>
-                <a:lnTo>
-                  <a:pt x="183515" y="3601"/>
-                </a:lnTo>
-                <a:lnTo>
-                  <a:pt x="167767" y="718"/>
-                </a:lnTo>
-                <a:lnTo>
-                  <a:pt x="159766" y="0"/>
-                </a:lnTo>
-                <a:close/>
-              </a:path>
-            </a:pathLst>
-          </a:custGeom>
-          <a:solidFill>
-            <a:srgbClr val="959595"/>
-          </a:solidFill>
-        </p:spPr>
-        <p:txBody>
-          <a:bodyPr wrap="square" lIns="0" tIns="0" rIns="0" bIns="0" rtlCol="0"/>
-          <a:lstStyle/>
-          <a:p>
-            <a:pPr>
-              <a:defRPr/>
-            </a:pPr>
-            <a:endParaRPr/>
-          </a:p>
-        </p:txBody>
-      </p:sp>
-      <p:sp>
-        <p:nvSpPr>
-          <p:cNvPr id="27" name="bg object 27"/>
-          <p:cNvSpPr/>
-          <p:nvPr/>
-        </p:nvSpPr>
-        <p:spPr bwMode="auto">
-          <a:xfrm>
-            <a:off x="15656492" y="9899191"/>
-            <a:ext cx="304165" cy="304165"/>
-          </a:xfrm>
-          <a:custGeom>
-            <a:avLst/>
-            <a:gdLst/>
-            <a:ahLst/>
-            <a:cxnLst/>
-            <a:rect l="l" t="t" r="r" b="b"/>
-            <a:pathLst>
-              <a:path w="304165" h="304165" fill="norm" stroke="1" extrusionOk="0">
-                <a:moveTo>
-                  <a:pt x="0" y="151913"/>
-                </a:moveTo>
-                <a:lnTo>
-                  <a:pt x="0" y="143996"/>
-                </a:lnTo>
-                <a:lnTo>
-                  <a:pt x="635" y="136073"/>
-                </a:lnTo>
-                <a:lnTo>
-                  <a:pt x="2159" y="128156"/>
-                </a:lnTo>
-                <a:lnTo>
-                  <a:pt x="3556" y="120232"/>
-                </a:lnTo>
-                <a:lnTo>
-                  <a:pt x="16510" y="82797"/>
-                </a:lnTo>
-                <a:lnTo>
-                  <a:pt x="20066" y="75599"/>
-                </a:lnTo>
-                <a:lnTo>
-                  <a:pt x="44577" y="44638"/>
-                </a:lnTo>
-                <a:lnTo>
-                  <a:pt x="76328" y="20160"/>
-                </a:lnTo>
-                <a:lnTo>
-                  <a:pt x="112270" y="5040"/>
-                </a:lnTo>
-                <a:lnTo>
-                  <a:pt x="128145" y="2162"/>
-                </a:lnTo>
-                <a:lnTo>
-                  <a:pt x="136019" y="718"/>
-                </a:lnTo>
-                <a:lnTo>
-                  <a:pt x="143893" y="0"/>
-                </a:lnTo>
-                <a:lnTo>
-                  <a:pt x="151895" y="0"/>
-                </a:lnTo>
-                <a:lnTo>
-                  <a:pt x="159769" y="0"/>
-                </a:lnTo>
-                <a:lnTo>
-                  <a:pt x="167770" y="718"/>
-                </a:lnTo>
-                <a:lnTo>
-                  <a:pt x="175644" y="2162"/>
-                </a:lnTo>
-                <a:lnTo>
-                  <a:pt x="183518" y="3601"/>
-                </a:lnTo>
-                <a:lnTo>
-                  <a:pt x="220984" y="16559"/>
-                </a:lnTo>
-                <a:lnTo>
-                  <a:pt x="234700" y="24482"/>
-                </a:lnTo>
-                <a:lnTo>
-                  <a:pt x="241177" y="28798"/>
-                </a:lnTo>
-                <a:lnTo>
-                  <a:pt x="270007" y="56157"/>
-                </a:lnTo>
-                <a:lnTo>
-                  <a:pt x="290835" y="89995"/>
-                </a:lnTo>
-                <a:lnTo>
-                  <a:pt x="301631" y="128156"/>
-                </a:lnTo>
-                <a:lnTo>
-                  <a:pt x="303028" y="136073"/>
-                </a:lnTo>
-                <a:lnTo>
-                  <a:pt x="303790" y="143996"/>
-                </a:lnTo>
-                <a:lnTo>
-                  <a:pt x="303790" y="151913"/>
-                </a:lnTo>
-                <a:lnTo>
-                  <a:pt x="303028" y="151913"/>
-                </a:lnTo>
-                <a:lnTo>
-                  <a:pt x="303028" y="159831"/>
-                </a:lnTo>
-                <a:lnTo>
-                  <a:pt x="302393" y="167753"/>
-                </a:lnTo>
-                <a:lnTo>
-                  <a:pt x="300869" y="175671"/>
-                </a:lnTo>
-                <a:lnTo>
-                  <a:pt x="299471" y="183594"/>
-                </a:lnTo>
-                <a:lnTo>
-                  <a:pt x="298074" y="190792"/>
-                </a:lnTo>
-                <a:lnTo>
-                  <a:pt x="295915" y="198709"/>
-                </a:lnTo>
-                <a:lnTo>
-                  <a:pt x="292994" y="205913"/>
-                </a:lnTo>
-                <a:lnTo>
-                  <a:pt x="290073" y="213831"/>
-                </a:lnTo>
-                <a:lnTo>
-                  <a:pt x="269245" y="246949"/>
-                </a:lnTo>
-                <a:lnTo>
-                  <a:pt x="264165" y="253429"/>
-                </a:lnTo>
-                <a:lnTo>
-                  <a:pt x="259212" y="259188"/>
-                </a:lnTo>
-                <a:lnTo>
-                  <a:pt x="253370" y="264229"/>
-                </a:lnTo>
-                <a:lnTo>
-                  <a:pt x="246892" y="269988"/>
-                </a:lnTo>
-                <a:lnTo>
-                  <a:pt x="241177" y="274309"/>
-                </a:lnTo>
-                <a:lnTo>
-                  <a:pt x="233938" y="279350"/>
-                </a:lnTo>
-                <a:lnTo>
-                  <a:pt x="227461" y="282946"/>
-                </a:lnTo>
-                <a:lnTo>
-                  <a:pt x="220222" y="287267"/>
-                </a:lnTo>
-                <a:lnTo>
-                  <a:pt x="213110" y="290145"/>
-                </a:lnTo>
-                <a:lnTo>
-                  <a:pt x="205871" y="293746"/>
-                </a:lnTo>
-                <a:lnTo>
-                  <a:pt x="198631" y="295904"/>
-                </a:lnTo>
-                <a:lnTo>
-                  <a:pt x="190757" y="298787"/>
-                </a:lnTo>
-                <a:lnTo>
-                  <a:pt x="183518" y="300225"/>
-                </a:lnTo>
-                <a:lnTo>
-                  <a:pt x="175644" y="301664"/>
-                </a:lnTo>
-                <a:lnTo>
-                  <a:pt x="167770" y="303108"/>
-                </a:lnTo>
-                <a:lnTo>
-                  <a:pt x="159769" y="303827"/>
-                </a:lnTo>
-                <a:lnTo>
-                  <a:pt x="151895" y="303827"/>
-                </a:lnTo>
-                <a:lnTo>
-                  <a:pt x="151895" y="303108"/>
-                </a:lnTo>
-                <a:lnTo>
-                  <a:pt x="143893" y="303108"/>
-                </a:lnTo>
-                <a:lnTo>
-                  <a:pt x="136019" y="302388"/>
-                </a:lnTo>
-                <a:lnTo>
-                  <a:pt x="128145" y="300945"/>
-                </a:lnTo>
-                <a:lnTo>
-                  <a:pt x="120144" y="299506"/>
-                </a:lnTo>
-                <a:lnTo>
-                  <a:pt x="113032" y="298067"/>
-                </a:lnTo>
-                <a:lnTo>
-                  <a:pt x="105031" y="295904"/>
-                </a:lnTo>
-                <a:lnTo>
-                  <a:pt x="97918" y="293027"/>
-                </a:lnTo>
-                <a:lnTo>
-                  <a:pt x="89917" y="290145"/>
-                </a:lnTo>
-                <a:lnTo>
-                  <a:pt x="56770" y="269269"/>
-                </a:lnTo>
-                <a:lnTo>
-                  <a:pt x="50293" y="264229"/>
-                </a:lnTo>
-                <a:lnTo>
-                  <a:pt x="24384" y="233992"/>
-                </a:lnTo>
-                <a:lnTo>
-                  <a:pt x="20828" y="227507"/>
-                </a:lnTo>
-                <a:lnTo>
-                  <a:pt x="16510" y="220309"/>
-                </a:lnTo>
-                <a:lnTo>
-                  <a:pt x="13589" y="213111"/>
-                </a:lnTo>
-                <a:lnTo>
-                  <a:pt x="10033" y="205913"/>
-                </a:lnTo>
-                <a:lnTo>
-                  <a:pt x="7874" y="198709"/>
-                </a:lnTo>
-                <a:lnTo>
-                  <a:pt x="4953" y="190792"/>
-                </a:lnTo>
-                <a:lnTo>
-                  <a:pt x="3556" y="183594"/>
-                </a:lnTo>
-                <a:lnTo>
-                  <a:pt x="2159" y="175671"/>
-                </a:lnTo>
-                <a:lnTo>
-                  <a:pt x="635" y="167753"/>
-                </a:lnTo>
-                <a:lnTo>
-                  <a:pt x="0" y="159831"/>
-                </a:lnTo>
-                <a:lnTo>
-                  <a:pt x="0" y="151913"/>
-                </a:lnTo>
-                <a:close/>
-              </a:path>
-            </a:pathLst>
-          </a:custGeom>
-          <a:ln w="18719">
-            <a:solidFill>
-              <a:srgbClr val="959595"/>
-            </a:solidFill>
-          </a:ln>
-        </p:spPr>
-        <p:txBody>
-          <a:bodyPr wrap="square" lIns="0" tIns="0" rIns="0" bIns="0" rtlCol="0"/>
-          <a:lstStyle/>
-          <a:p>
-            <a:pPr>
-              <a:defRPr/>
-            </a:pPr>
-            <a:endParaRPr/>
-          </a:p>
-        </p:txBody>
-      </p:sp>
-      <p:sp>
-        <p:nvSpPr>
-          <p:cNvPr id="28" name="bg object 28"/>
-          <p:cNvSpPr/>
-          <p:nvPr/>
-        </p:nvSpPr>
-        <p:spPr bwMode="auto">
-          <a:xfrm>
-            <a:off x="0" y="9769798"/>
-            <a:ext cx="576580" cy="517525"/>
-          </a:xfrm>
-          <a:custGeom>
-            <a:avLst/>
-            <a:gdLst/>
-            <a:ahLst/>
-            <a:cxnLst/>
-            <a:rect l="l" t="t" r="r" b="b"/>
-            <a:pathLst>
-              <a:path w="576580" h="517525" fill="norm" stroke="1" extrusionOk="0">
-                <a:moveTo>
-                  <a:pt x="0" y="0"/>
-                </a:moveTo>
-                <a:lnTo>
-                  <a:pt x="0" y="517199"/>
-                </a:lnTo>
-                <a:lnTo>
-                  <a:pt x="576456" y="517199"/>
-                </a:lnTo>
-                <a:lnTo>
-                  <a:pt x="567352" y="463557"/>
-                </a:lnTo>
-                <a:lnTo>
-                  <a:pt x="551512" y="404517"/>
-                </a:lnTo>
-                <a:lnTo>
-                  <a:pt x="529912" y="346920"/>
-                </a:lnTo>
-                <a:lnTo>
-                  <a:pt x="501834" y="292921"/>
-                </a:lnTo>
-                <a:lnTo>
-                  <a:pt x="468713" y="241078"/>
-                </a:lnTo>
-                <a:lnTo>
-                  <a:pt x="429835" y="193557"/>
-                </a:lnTo>
-                <a:lnTo>
-                  <a:pt x="386636" y="150358"/>
-                </a:lnTo>
-                <a:lnTo>
-                  <a:pt x="339115" y="111480"/>
-                </a:lnTo>
-                <a:lnTo>
-                  <a:pt x="287997" y="78359"/>
-                </a:lnTo>
-                <a:lnTo>
-                  <a:pt x="233278" y="50281"/>
-                </a:lnTo>
-                <a:lnTo>
-                  <a:pt x="175676" y="28681"/>
-                </a:lnTo>
-                <a:lnTo>
-                  <a:pt x="116636" y="12841"/>
-                </a:lnTo>
-                <a:lnTo>
-                  <a:pt x="56157" y="2760"/>
-                </a:lnTo>
-                <a:lnTo>
-                  <a:pt x="0" y="0"/>
-                </a:lnTo>
-                <a:close/>
-              </a:path>
-            </a:pathLst>
-          </a:custGeom>
-          <a:solidFill>
-            <a:srgbClr val="959595"/>
-          </a:solidFill>
-        </p:spPr>
-        <p:txBody>
-          <a:bodyPr wrap="square" lIns="0" tIns="0" rIns="0" bIns="0" rtlCol="0"/>
-          <a:lstStyle/>
-          <a:p>
-            <a:pPr>
-              <a:defRPr/>
-            </a:pPr>
-            <a:endParaRPr/>
-          </a:p>
-        </p:txBody>
-      </p:sp>
-      <p:sp>
-        <p:nvSpPr>
-          <p:cNvPr id="29" name="bg object 29"/>
-          <p:cNvSpPr/>
-          <p:nvPr/>
-        </p:nvSpPr>
-        <p:spPr bwMode="auto">
-          <a:xfrm>
-            <a:off x="0" y="9769798"/>
-            <a:ext cx="576580" cy="517525"/>
-          </a:xfrm>
-          <a:custGeom>
-            <a:avLst/>
-            <a:gdLst/>
-            <a:ahLst/>
-            <a:cxnLst/>
-            <a:rect l="l" t="t" r="r" b="b"/>
-            <a:pathLst>
-              <a:path w="576580" h="517525" fill="norm" stroke="1" extrusionOk="0">
-                <a:moveTo>
-                  <a:pt x="0" y="0"/>
-                </a:moveTo>
-                <a:lnTo>
-                  <a:pt x="56157" y="2760"/>
-                </a:lnTo>
-                <a:lnTo>
-                  <a:pt x="116636" y="12841"/>
-                </a:lnTo>
-                <a:lnTo>
-                  <a:pt x="175676" y="28681"/>
-                </a:lnTo>
-                <a:lnTo>
-                  <a:pt x="233278" y="50281"/>
-                </a:lnTo>
-                <a:lnTo>
-                  <a:pt x="287997" y="78359"/>
-                </a:lnTo>
-                <a:lnTo>
-                  <a:pt x="339115" y="111480"/>
-                </a:lnTo>
-                <a:lnTo>
-                  <a:pt x="386636" y="150358"/>
-                </a:lnTo>
-                <a:lnTo>
-                  <a:pt x="429835" y="193557"/>
-                </a:lnTo>
-                <a:lnTo>
-                  <a:pt x="468713" y="241078"/>
-                </a:lnTo>
-                <a:lnTo>
-                  <a:pt x="501834" y="292921"/>
-                </a:lnTo>
-                <a:lnTo>
-                  <a:pt x="529912" y="346920"/>
-                </a:lnTo>
-                <a:lnTo>
-                  <a:pt x="551512" y="404517"/>
-                </a:lnTo>
-                <a:lnTo>
-                  <a:pt x="567352" y="463557"/>
-                </a:lnTo>
-                <a:lnTo>
-                  <a:pt x="573112" y="493799"/>
-                </a:lnTo>
-                <a:lnTo>
-                  <a:pt x="576456" y="517199"/>
-                </a:lnTo>
-              </a:path>
-            </a:pathLst>
-          </a:custGeom>
-          <a:ln w="18719">
-            <a:solidFill>
-              <a:srgbClr val="959595"/>
-            </a:solidFill>
-          </a:ln>
-        </p:spPr>
-        <p:txBody>
-          <a:bodyPr wrap="square" lIns="0" tIns="0" rIns="0" bIns="0" rtlCol="0"/>
-          <a:lstStyle/>
-          <a:p>
-            <a:pPr>
-              <a:defRPr/>
-            </a:pPr>
-            <a:endParaRPr/>
-          </a:p>
-        </p:txBody>
-      </p:sp>
-      <p:sp>
-        <p:nvSpPr>
-          <p:cNvPr id="2" name="Holder 2"/>
-          <p:cNvSpPr>
-            <a:spLocks noGrp="1"/>
-          </p:cNvSpPr>
-          <p:nvPr>
-            <p:ph type="title"/>
-          </p:nvPr>
-        </p:nvSpPr>
-        <p:spPr bwMode="auto"/>
-        <p:txBody>
-          <a:bodyPr lIns="0" tIns="0" rIns="0" bIns="0"/>
-          <a:lstStyle>
-            <a:lvl1pPr>
-              <a:defRPr sz="5600" b="1" i="0">
-                <a:solidFill>
-                  <a:schemeClr val="tx1"/>
-                </a:solidFill>
-                <a:latin typeface="Arial"/>
-                <a:cs typeface="Arial"/>
-              </a:defRPr>
-            </a:lvl1pPr>
-          </a:lstStyle>
-          <a:p>
-            <a:pPr>
-              <a:defRPr/>
-            </a:pPr>
-            <a:endParaRPr/>
-          </a:p>
-        </p:txBody>
-      </p:sp>
-      <p:sp>
-        <p:nvSpPr>
-          <p:cNvPr id="3" name="Holder 3"/>
-          <p:cNvSpPr>
-            <a:spLocks noGrp="1"/>
-          </p:cNvSpPr>
-          <p:nvPr>
-            <p:ph type="ftr" sz="quarter" idx="5"/>
-          </p:nvPr>
-        </p:nvSpPr>
-        <p:spPr bwMode="auto"/>
-        <p:txBody>
-          <a:bodyPr lIns="0" tIns="0" rIns="0" bIns="0"/>
-          <a:lstStyle>
-            <a:lvl1pPr algn="ctr">
-              <a:defRPr>
-                <a:solidFill>
-                  <a:schemeClr val="tx1">
-                    <a:tint val="75000"/>
-                  </a:schemeClr>
-                </a:solidFill>
-              </a:defRPr>
-            </a:lvl1pPr>
-          </a:lstStyle>
-          <a:p>
-            <a:pPr>
-              <a:defRPr/>
-            </a:pPr>
-            <a:endParaRPr/>
-          </a:p>
-        </p:txBody>
-      </p:sp>
-      <p:sp>
-        <p:nvSpPr>
-          <p:cNvPr id="4" name="Holder 4"/>
-          <p:cNvSpPr>
-            <a:spLocks noGrp="1"/>
-          </p:cNvSpPr>
-          <p:nvPr>
-            <p:ph type="dt" sz="half" idx="6"/>
-          </p:nvPr>
-        </p:nvSpPr>
-        <p:spPr bwMode="auto"/>
-        <p:txBody>
-          <a:bodyPr lIns="0" tIns="0" rIns="0" bIns="0"/>
-          <a:lstStyle>
-            <a:lvl1pPr algn="l">
-              <a:defRPr>
-                <a:solidFill>
-                  <a:schemeClr val="tx1">
-                    <a:tint val="75000"/>
-                  </a:schemeClr>
-                </a:solidFill>
-              </a:defRPr>
-            </a:lvl1pPr>
-          </a:lstStyle>
-          <a:p>
-            <a:pPr>
-              <a:defRPr/>
-            </a:pPr>
-            <a:fld id="{1D8BD707-D9CF-40AE-B4C6-C98DA3205C09}" type="datetimeFigureOut">
-              <a:rPr lang="en-US"/>
-              <a:t/>
-            </a:fld>
-            <a:endParaRPr/>
-          </a:p>
-        </p:txBody>
-      </p:sp>
-      <p:sp>
-        <p:nvSpPr>
-          <p:cNvPr id="5" name="Holder 5"/>
-          <p:cNvSpPr>
-            <a:spLocks noGrp="1"/>
-          </p:cNvSpPr>
-          <p:nvPr>
-            <p:ph type="sldNum" sz="quarter" idx="7"/>
-          </p:nvPr>
-        </p:nvSpPr>
-        <p:spPr bwMode="auto"/>
-        <p:txBody>
-          <a:bodyPr lIns="0" tIns="0" rIns="0" bIns="0"/>
-          <a:lstStyle>
-            <a:lvl1pPr algn="r">
-              <a:defRPr>
-                <a:solidFill>
-                  <a:schemeClr val="tx1">
-                    <a:tint val="75000"/>
-                  </a:schemeClr>
-                </a:solidFill>
-              </a:defRPr>
-            </a:lvl1pPr>
-          </a:lstStyle>
-          <a:p>
-            <a:pPr>
-              <a:defRPr/>
-            </a:pPr>
-            <a:fld id="{B6F15528-21DE-4FAA-801E-634DDDAF4B2B}" type="slidenum">
-              <a:rPr/>
-              <a:t>#</a:t>
-            </a:fld>
-            <a:endParaRPr/>
-          </a:p>
-        </p:txBody>
-      </p:sp>
-    </p:spTree>
-  </p:cSld>
-  <p:clrMapOvr>
-    <a:masterClrMapping/>
-  </p:clrMapOvr>
-</p:sldLayout>
-</file>
-
-<file path=ppt/slideLayouts/slideLayout5.xml><?xml version="1.0" encoding="utf-8"?>
-<p:sldLayout xmlns:a="http://schemas.openxmlformats.org/drawingml/2006/main" xmlns:r="http://schemas.openxmlformats.org/officeDocument/2006/relationships" xmlns:p="http://schemas.openxmlformats.org/presentationml/2006/main" xmlns:m="http://schemas.openxmlformats.org/officeDocument/2006/math" xmlns:w="http://schemas.openxmlformats.org/wordprocessingml/2006/main" matchingName="" preserve="1" showMasterPhAnim="0" showMasterSp="1" type="obj" userDrawn="1">
-  <p:cSld name="Blank">
-    <p:spTree>
-      <p:nvGrpSpPr>
-        <p:cNvPr id="1" name=""/>
-        <p:cNvGrpSpPr/>
-        <p:nvPr/>
-      </p:nvGrpSpPr>
-      <p:grpSpPr bwMode="auto">
-        <a:xfrm>
-          <a:off x="0" y="0"/>
-          <a:ext cx="0" cy="0"/>
-          <a:chOff x="0" y="0"/>
-          <a:chExt cx="0" cy="0"/>
-        </a:xfrm>
-      </p:grpSpPr>
-      <p:sp>
-        <p:nvSpPr>
-          <p:cNvPr id="2" name="Holder 2"/>
-          <p:cNvSpPr>
-            <a:spLocks noGrp="1"/>
-          </p:cNvSpPr>
-          <p:nvPr>
-            <p:ph type="ftr" sz="quarter" idx="5"/>
-          </p:nvPr>
-        </p:nvSpPr>
-        <p:spPr bwMode="auto"/>
-        <p:txBody>
-          <a:bodyPr lIns="0" tIns="0" rIns="0" bIns="0"/>
-          <a:lstStyle>
-            <a:lvl1pPr algn="ctr">
-              <a:defRPr>
-                <a:solidFill>
-                  <a:schemeClr val="tx1">
-                    <a:tint val="75000"/>
-                  </a:schemeClr>
-                </a:solidFill>
-              </a:defRPr>
-            </a:lvl1pPr>
-          </a:lstStyle>
-          <a:p>
-            <a:pPr>
-              <a:defRPr/>
-            </a:pPr>
-            <a:endParaRPr/>
-          </a:p>
-        </p:txBody>
-      </p:sp>
-      <p:sp>
-        <p:nvSpPr>
-          <p:cNvPr id="3" name="Holder 3"/>
-          <p:cNvSpPr>
-            <a:spLocks noGrp="1"/>
-          </p:cNvSpPr>
-          <p:nvPr>
-            <p:ph type="dt" sz="half" idx="6"/>
-          </p:nvPr>
-        </p:nvSpPr>
-        <p:spPr bwMode="auto"/>
-        <p:txBody>
-          <a:bodyPr lIns="0" tIns="0" rIns="0" bIns="0"/>
-          <a:lstStyle>
-            <a:lvl1pPr algn="l">
-              <a:defRPr>
-                <a:solidFill>
-                  <a:schemeClr val="tx1">
-                    <a:tint val="75000"/>
-                  </a:schemeClr>
-                </a:solidFill>
-              </a:defRPr>
-            </a:lvl1pPr>
-          </a:lstStyle>
-          <a:p>
-            <a:pPr>
-              <a:defRPr/>
-            </a:pPr>
-            <a:fld id="{1D8BD707-D9CF-40AE-B4C6-C98DA3205C09}" type="datetimeFigureOut">
-              <a:rPr lang="en-US"/>
-              <a:t/>
-            </a:fld>
-            <a:endParaRPr/>
-          </a:p>
-        </p:txBody>
-      </p:sp>
-      <p:sp>
-        <p:nvSpPr>
-          <p:cNvPr id="4" name="Holder 4"/>
-          <p:cNvSpPr>
-            <a:spLocks noGrp="1"/>
-          </p:cNvSpPr>
-          <p:nvPr>
-            <p:ph type="sldNum" sz="quarter" idx="7"/>
-          </p:nvPr>
-        </p:nvSpPr>
-        <p:spPr bwMode="auto"/>
-        <p:txBody>
-          <a:bodyPr lIns="0" tIns="0" rIns="0" bIns="0"/>
-          <a:lstStyle>
-            <a:lvl1pPr algn="r">
-              <a:defRPr>
-                <a:solidFill>
-                  <a:schemeClr val="tx1">
-                    <a:tint val="75000"/>
-                  </a:schemeClr>
-                </a:solidFill>
-              </a:defRPr>
-            </a:lvl1pPr>
-          </a:lstStyle>
-          <a:p>
-            <a:pPr>
-              <a:defRPr/>
-            </a:pPr>
-            <a:fld id="{B6F15528-21DE-4FAA-801E-634DDDAF4B2B}" type="slidenum">
-              <a:rPr/>
-              <a:t>#</a:t>
-            </a:fld>
-            <a:endParaRPr/>
-          </a:p>
-        </p:txBody>
-      </p:sp>
     </p:spTree>
   </p:cSld>
   <p:clrMapOvr>
@@ -4159,18 +3743,2579 @@
       </p:sp>
       <p:sp>
         <p:nvSpPr>
-          <p:cNvPr id="2" name="Holder 2"/>
+          <p:cNvPr id="2024541251" name="bg object 16"/>
+          <p:cNvSpPr/>
+          <p:nvPr/>
+        </p:nvSpPr>
+        <p:spPr bwMode="auto">
+          <a:xfrm>
+            <a:off x="0" y="0"/>
+            <a:ext cx="18288000" cy="10287000"/>
+          </a:xfrm>
+          <a:custGeom>
+            <a:avLst/>
+            <a:gdLst/>
+            <a:ahLst/>
+            <a:cxnLst/>
+            <a:rect l="l" t="t" r="r" b="b"/>
+            <a:pathLst>
+              <a:path w="18288000" h="10287000" fill="norm" stroke="1" extrusionOk="0">
+                <a:moveTo>
+                  <a:pt x="18288000" y="0"/>
+                </a:moveTo>
+                <a:lnTo>
+                  <a:pt x="0" y="0"/>
+                </a:lnTo>
+                <a:lnTo>
+                  <a:pt x="0" y="10287000"/>
+                </a:lnTo>
+                <a:lnTo>
+                  <a:pt x="18288000" y="10287000"/>
+                </a:lnTo>
+                <a:lnTo>
+                  <a:pt x="18288000" y="0"/>
+                </a:lnTo>
+                <a:close/>
+              </a:path>
+            </a:pathLst>
+          </a:custGeom>
+          <a:solidFill>
+            <a:srgbClr val="F3F3F3"/>
+          </a:solidFill>
+        </p:spPr>
+        <p:txBody>
+          <a:bodyPr wrap="square" lIns="0" tIns="0" rIns="0" bIns="0" rtlCol="0"/>
+          <a:lstStyle/>
+          <a:p>
+            <a:pPr>
+              <a:defRPr/>
+            </a:pPr>
+            <a:endParaRPr/>
+          </a:p>
+        </p:txBody>
+      </p:sp>
+      <p:pic>
+        <p:nvPicPr>
+          <p:cNvPr id="702761809" name="bg object 17"/>
+          <p:cNvPicPr/>
+          <p:nvPr/>
+        </p:nvPicPr>
+        <p:blipFill>
+          <a:blip r:embed="rId5"/>
+          <a:stretch/>
+        </p:blipFill>
+        <p:spPr bwMode="auto">
+          <a:xfrm>
+            <a:off x="-5037" y="-9358"/>
+            <a:ext cx="3058409" cy="1533510"/>
+          </a:xfrm>
+          <a:prstGeom prst="rect">
+            <a:avLst/>
+          </a:prstGeom>
+        </p:spPr>
+      </p:pic>
+      <p:sp>
+        <p:nvSpPr>
+          <p:cNvPr id="1609938794" name="bg object 18"/>
+          <p:cNvSpPr/>
+          <p:nvPr/>
+        </p:nvSpPr>
+        <p:spPr bwMode="auto">
+          <a:xfrm>
+            <a:off x="17322417" y="0"/>
+            <a:ext cx="965835" cy="916304"/>
+          </a:xfrm>
+          <a:custGeom>
+            <a:avLst/>
+            <a:gdLst/>
+            <a:ahLst/>
+            <a:cxnLst/>
+            <a:rect l="l" t="t" r="r" b="b"/>
+            <a:pathLst>
+              <a:path w="965834" h="916305" fill="norm" stroke="1" extrusionOk="0">
+                <a:moveTo>
+                  <a:pt x="506900" y="0"/>
+                </a:moveTo>
+                <a:lnTo>
+                  <a:pt x="488345" y="0"/>
+                </a:lnTo>
+                <a:lnTo>
+                  <a:pt x="487646" y="4151"/>
+                </a:lnTo>
+                <a:lnTo>
+                  <a:pt x="475680" y="47486"/>
+                </a:lnTo>
+                <a:lnTo>
+                  <a:pt x="459456" y="89850"/>
+                </a:lnTo>
+                <a:lnTo>
+                  <a:pt x="439280" y="130944"/>
+                </a:lnTo>
+                <a:lnTo>
+                  <a:pt x="415457" y="170467"/>
+                </a:lnTo>
+                <a:lnTo>
+                  <a:pt x="388292" y="208123"/>
+                </a:lnTo>
+                <a:lnTo>
+                  <a:pt x="358091" y="243610"/>
+                </a:lnTo>
+                <a:lnTo>
+                  <a:pt x="325158" y="276632"/>
+                </a:lnTo>
+                <a:lnTo>
+                  <a:pt x="289800" y="306888"/>
+                </a:lnTo>
+                <a:lnTo>
+                  <a:pt x="252320" y="334079"/>
+                </a:lnTo>
+                <a:lnTo>
+                  <a:pt x="213025" y="357908"/>
+                </a:lnTo>
+                <a:lnTo>
+                  <a:pt x="172220" y="378075"/>
+                </a:lnTo>
+                <a:lnTo>
+                  <a:pt x="130209" y="394280"/>
+                </a:lnTo>
+                <a:lnTo>
+                  <a:pt x="87299" y="406225"/>
+                </a:lnTo>
+                <a:lnTo>
+                  <a:pt x="43794" y="413612"/>
+                </a:lnTo>
+                <a:lnTo>
+                  <a:pt x="0" y="416140"/>
+                </a:lnTo>
+                <a:lnTo>
+                  <a:pt x="43794" y="418669"/>
+                </a:lnTo>
+                <a:lnTo>
+                  <a:pt x="87299" y="426055"/>
+                </a:lnTo>
+                <a:lnTo>
+                  <a:pt x="130209" y="437998"/>
+                </a:lnTo>
+                <a:lnTo>
+                  <a:pt x="172220" y="454199"/>
+                </a:lnTo>
+                <a:lnTo>
+                  <a:pt x="213025" y="474357"/>
+                </a:lnTo>
+                <a:lnTo>
+                  <a:pt x="252320" y="498173"/>
+                </a:lnTo>
+                <a:lnTo>
+                  <a:pt x="289800" y="525347"/>
+                </a:lnTo>
+                <a:lnTo>
+                  <a:pt x="325158" y="555579"/>
+                </a:lnTo>
+                <a:lnTo>
+                  <a:pt x="358091" y="588570"/>
+                </a:lnTo>
+                <a:lnTo>
+                  <a:pt x="388292" y="624019"/>
+                </a:lnTo>
+                <a:lnTo>
+                  <a:pt x="415457" y="661626"/>
+                </a:lnTo>
+                <a:lnTo>
+                  <a:pt x="439280" y="701093"/>
+                </a:lnTo>
+                <a:lnTo>
+                  <a:pt x="459456" y="742118"/>
+                </a:lnTo>
+                <a:lnTo>
+                  <a:pt x="475680" y="784402"/>
+                </a:lnTo>
+                <a:lnTo>
+                  <a:pt x="487646" y="827645"/>
+                </a:lnTo>
+                <a:lnTo>
+                  <a:pt x="495050" y="871547"/>
+                </a:lnTo>
+                <a:lnTo>
+                  <a:pt x="497585" y="915809"/>
+                </a:lnTo>
+                <a:lnTo>
+                  <a:pt x="500142" y="871547"/>
+                </a:lnTo>
+                <a:lnTo>
+                  <a:pt x="507604" y="827645"/>
+                </a:lnTo>
+                <a:lnTo>
+                  <a:pt x="519662" y="784402"/>
+                </a:lnTo>
+                <a:lnTo>
+                  <a:pt x="536008" y="742118"/>
+                </a:lnTo>
+                <a:lnTo>
+                  <a:pt x="556331" y="701093"/>
+                </a:lnTo>
+                <a:lnTo>
+                  <a:pt x="580323" y="661626"/>
+                </a:lnTo>
+                <a:lnTo>
+                  <a:pt x="607673" y="624019"/>
+                </a:lnTo>
+                <a:lnTo>
+                  <a:pt x="638073" y="588570"/>
+                </a:lnTo>
+                <a:lnTo>
+                  <a:pt x="671212" y="555579"/>
+                </a:lnTo>
+                <a:lnTo>
+                  <a:pt x="706783" y="525347"/>
+                </a:lnTo>
+                <a:lnTo>
+                  <a:pt x="744474" y="498173"/>
+                </a:lnTo>
+                <a:lnTo>
+                  <a:pt x="783977" y="474357"/>
+                </a:lnTo>
+                <a:lnTo>
+                  <a:pt x="824982" y="454199"/>
+                </a:lnTo>
+                <a:lnTo>
+                  <a:pt x="867181" y="437998"/>
+                </a:lnTo>
+                <a:lnTo>
+                  <a:pt x="910262" y="426055"/>
+                </a:lnTo>
+                <a:lnTo>
+                  <a:pt x="953918" y="418669"/>
+                </a:lnTo>
+                <a:lnTo>
+                  <a:pt x="965602" y="417996"/>
+                </a:lnTo>
+                <a:lnTo>
+                  <a:pt x="965602" y="414284"/>
+                </a:lnTo>
+                <a:lnTo>
+                  <a:pt x="910262" y="406225"/>
+                </a:lnTo>
+                <a:lnTo>
+                  <a:pt x="867181" y="394280"/>
+                </a:lnTo>
+                <a:lnTo>
+                  <a:pt x="824982" y="378075"/>
+                </a:lnTo>
+                <a:lnTo>
+                  <a:pt x="783977" y="357908"/>
+                </a:lnTo>
+                <a:lnTo>
+                  <a:pt x="744474" y="334079"/>
+                </a:lnTo>
+                <a:lnTo>
+                  <a:pt x="706783" y="306888"/>
+                </a:lnTo>
+                <a:lnTo>
+                  <a:pt x="671212" y="276632"/>
+                </a:lnTo>
+                <a:lnTo>
+                  <a:pt x="638073" y="243610"/>
+                </a:lnTo>
+                <a:lnTo>
+                  <a:pt x="607673" y="208123"/>
+                </a:lnTo>
+                <a:lnTo>
+                  <a:pt x="580323" y="170467"/>
+                </a:lnTo>
+                <a:lnTo>
+                  <a:pt x="556331" y="130944"/>
+                </a:lnTo>
+                <a:lnTo>
+                  <a:pt x="536008" y="89850"/>
+                </a:lnTo>
+                <a:lnTo>
+                  <a:pt x="519662" y="47486"/>
+                </a:lnTo>
+                <a:lnTo>
+                  <a:pt x="507604" y="4151"/>
+                </a:lnTo>
+                <a:lnTo>
+                  <a:pt x="506900" y="0"/>
+                </a:lnTo>
+                <a:close/>
+              </a:path>
+            </a:pathLst>
+          </a:custGeom>
+          <a:solidFill>
+            <a:srgbClr val="36D636"/>
+          </a:solidFill>
+        </p:spPr>
+        <p:txBody>
+          <a:bodyPr wrap="square" lIns="0" tIns="0" rIns="0" bIns="0" rtlCol="0"/>
+          <a:lstStyle/>
+          <a:p>
+            <a:pPr>
+              <a:defRPr/>
+            </a:pPr>
+            <a:endParaRPr/>
+          </a:p>
+        </p:txBody>
+      </p:sp>
+      <p:sp>
+        <p:nvSpPr>
+          <p:cNvPr id="66992240" name="bg object 19"/>
+          <p:cNvSpPr/>
+          <p:nvPr/>
+        </p:nvSpPr>
+        <p:spPr bwMode="auto">
+          <a:xfrm>
+            <a:off x="17322493" y="0"/>
+            <a:ext cx="965835" cy="916304"/>
+          </a:xfrm>
+          <a:custGeom>
+            <a:avLst/>
+            <a:gdLst/>
+            <a:ahLst/>
+            <a:cxnLst/>
+            <a:rect l="l" t="t" r="r" b="b"/>
+            <a:pathLst>
+              <a:path w="965834" h="916305" fill="norm" stroke="1" extrusionOk="0">
+                <a:moveTo>
+                  <a:pt x="506756" y="0"/>
+                </a:moveTo>
+                <a:lnTo>
+                  <a:pt x="519533" y="47536"/>
+                </a:lnTo>
+                <a:lnTo>
+                  <a:pt x="535885" y="89901"/>
+                </a:lnTo>
+                <a:lnTo>
+                  <a:pt x="556217" y="130995"/>
+                </a:lnTo>
+                <a:lnTo>
+                  <a:pt x="580217" y="170519"/>
+                </a:lnTo>
+                <a:lnTo>
+                  <a:pt x="607578" y="208175"/>
+                </a:lnTo>
+                <a:lnTo>
+                  <a:pt x="637988" y="243663"/>
+                </a:lnTo>
+                <a:lnTo>
+                  <a:pt x="671138" y="276686"/>
+                </a:lnTo>
+                <a:lnTo>
+                  <a:pt x="706718" y="306942"/>
+                </a:lnTo>
+                <a:lnTo>
+                  <a:pt x="744419" y="334135"/>
+                </a:lnTo>
+                <a:lnTo>
+                  <a:pt x="783931" y="357964"/>
+                </a:lnTo>
+                <a:lnTo>
+                  <a:pt x="824944" y="378130"/>
+                </a:lnTo>
+                <a:lnTo>
+                  <a:pt x="867149" y="394336"/>
+                </a:lnTo>
+                <a:lnTo>
+                  <a:pt x="910235" y="406282"/>
+                </a:lnTo>
+                <a:lnTo>
+                  <a:pt x="953893" y="413668"/>
+                </a:lnTo>
+                <a:lnTo>
+                  <a:pt x="965528" y="414338"/>
+                </a:lnTo>
+              </a:path>
+              <a:path w="965834" h="916305" fill="norm" stroke="1" extrusionOk="0">
+                <a:moveTo>
+                  <a:pt x="965528" y="418056"/>
+                </a:moveTo>
+                <a:lnTo>
+                  <a:pt x="910235" y="426111"/>
+                </a:lnTo>
+                <a:lnTo>
+                  <a:pt x="867149" y="438054"/>
+                </a:lnTo>
+                <a:lnTo>
+                  <a:pt x="824944" y="454254"/>
+                </a:lnTo>
+                <a:lnTo>
+                  <a:pt x="783931" y="474412"/>
+                </a:lnTo>
+                <a:lnTo>
+                  <a:pt x="744419" y="498227"/>
+                </a:lnTo>
+                <a:lnTo>
+                  <a:pt x="706718" y="525401"/>
+                </a:lnTo>
+                <a:lnTo>
+                  <a:pt x="671138" y="555632"/>
+                </a:lnTo>
+                <a:lnTo>
+                  <a:pt x="637988" y="588621"/>
+                </a:lnTo>
+                <a:lnTo>
+                  <a:pt x="607578" y="624069"/>
+                </a:lnTo>
+                <a:lnTo>
+                  <a:pt x="580217" y="661676"/>
+                </a:lnTo>
+                <a:lnTo>
+                  <a:pt x="556217" y="701140"/>
+                </a:lnTo>
+                <a:lnTo>
+                  <a:pt x="535885" y="742164"/>
+                </a:lnTo>
+                <a:lnTo>
+                  <a:pt x="519533" y="784447"/>
+                </a:lnTo>
+                <a:lnTo>
+                  <a:pt x="507469" y="827689"/>
+                </a:lnTo>
+                <a:lnTo>
+                  <a:pt x="500003" y="871590"/>
+                </a:lnTo>
+                <a:lnTo>
+                  <a:pt x="497446" y="915851"/>
+                </a:lnTo>
+                <a:lnTo>
+                  <a:pt x="494912" y="871590"/>
+                </a:lnTo>
+                <a:lnTo>
+                  <a:pt x="487512" y="827689"/>
+                </a:lnTo>
+                <a:lnTo>
+                  <a:pt x="475551" y="784447"/>
+                </a:lnTo>
+                <a:lnTo>
+                  <a:pt x="459335" y="742164"/>
+                </a:lnTo>
+                <a:lnTo>
+                  <a:pt x="439169" y="701140"/>
+                </a:lnTo>
+                <a:lnTo>
+                  <a:pt x="415356" y="661676"/>
+                </a:lnTo>
+                <a:lnTo>
+                  <a:pt x="388202" y="624069"/>
+                </a:lnTo>
+                <a:lnTo>
+                  <a:pt x="358013" y="588621"/>
+                </a:lnTo>
+                <a:lnTo>
+                  <a:pt x="325092" y="555632"/>
+                </a:lnTo>
+                <a:lnTo>
+                  <a:pt x="289746" y="525401"/>
+                </a:lnTo>
+                <a:lnTo>
+                  <a:pt x="252278" y="498227"/>
+                </a:lnTo>
+                <a:lnTo>
+                  <a:pt x="212993" y="474412"/>
+                </a:lnTo>
+                <a:lnTo>
+                  <a:pt x="172198" y="454254"/>
+                </a:lnTo>
+                <a:lnTo>
+                  <a:pt x="130196" y="438054"/>
+                </a:lnTo>
+                <a:lnTo>
+                  <a:pt x="87292" y="426111"/>
+                </a:lnTo>
+                <a:lnTo>
+                  <a:pt x="43792" y="418726"/>
+                </a:lnTo>
+                <a:lnTo>
+                  <a:pt x="0" y="416197"/>
+                </a:lnTo>
+                <a:lnTo>
+                  <a:pt x="43792" y="413668"/>
+                </a:lnTo>
+                <a:lnTo>
+                  <a:pt x="87292" y="406282"/>
+                </a:lnTo>
+                <a:lnTo>
+                  <a:pt x="130196" y="394336"/>
+                </a:lnTo>
+                <a:lnTo>
+                  <a:pt x="172198" y="378130"/>
+                </a:lnTo>
+                <a:lnTo>
+                  <a:pt x="212993" y="357964"/>
+                </a:lnTo>
+                <a:lnTo>
+                  <a:pt x="252278" y="334135"/>
+                </a:lnTo>
+                <a:lnTo>
+                  <a:pt x="289746" y="306942"/>
+                </a:lnTo>
+                <a:lnTo>
+                  <a:pt x="325092" y="276686"/>
+                </a:lnTo>
+                <a:lnTo>
+                  <a:pt x="358013" y="243663"/>
+                </a:lnTo>
+                <a:lnTo>
+                  <a:pt x="388202" y="208175"/>
+                </a:lnTo>
+                <a:lnTo>
+                  <a:pt x="415356" y="170519"/>
+                </a:lnTo>
+                <a:lnTo>
+                  <a:pt x="439169" y="130995"/>
+                </a:lnTo>
+                <a:lnTo>
+                  <a:pt x="459335" y="89901"/>
+                </a:lnTo>
+                <a:lnTo>
+                  <a:pt x="475551" y="47536"/>
+                </a:lnTo>
+                <a:lnTo>
+                  <a:pt x="487512" y="4199"/>
+                </a:lnTo>
+                <a:lnTo>
+                  <a:pt x="488218" y="0"/>
+                </a:lnTo>
+              </a:path>
+            </a:pathLst>
+          </a:custGeom>
+          <a:ln w="18718">
+            <a:solidFill>
+              <a:srgbClr val="36D636"/>
+            </a:solidFill>
+          </a:ln>
+        </p:spPr>
+        <p:txBody>
+          <a:bodyPr wrap="square" lIns="0" tIns="0" rIns="0" bIns="0" rtlCol="0"/>
+          <a:lstStyle/>
+          <a:p>
+            <a:pPr>
+              <a:defRPr/>
+            </a:pPr>
+            <a:endParaRPr/>
+          </a:p>
+        </p:txBody>
+      </p:sp>
+      <p:sp>
+        <p:nvSpPr>
+          <p:cNvPr id="2047891181" name="bg object 20"/>
+          <p:cNvSpPr/>
+          <p:nvPr/>
+        </p:nvSpPr>
+        <p:spPr bwMode="auto">
+          <a:xfrm>
+            <a:off x="17322417" y="840930"/>
+            <a:ext cx="965835" cy="1000125"/>
+          </a:xfrm>
+          <a:custGeom>
+            <a:avLst/>
+            <a:gdLst/>
+            <a:ahLst/>
+            <a:cxnLst/>
+            <a:rect l="l" t="t" r="r" b="b"/>
+            <a:pathLst>
+              <a:path w="965834" h="1000125" fill="norm" stroke="1" extrusionOk="0">
+                <a:moveTo>
+                  <a:pt x="497585" y="0"/>
+                </a:moveTo>
+                <a:lnTo>
+                  <a:pt x="495050" y="44382"/>
+                </a:lnTo>
+                <a:lnTo>
+                  <a:pt x="487646" y="88390"/>
+                </a:lnTo>
+                <a:lnTo>
+                  <a:pt x="475680" y="131726"/>
+                </a:lnTo>
+                <a:lnTo>
+                  <a:pt x="459456" y="174089"/>
+                </a:lnTo>
+                <a:lnTo>
+                  <a:pt x="439280" y="215183"/>
+                </a:lnTo>
+                <a:lnTo>
+                  <a:pt x="415457" y="254706"/>
+                </a:lnTo>
+                <a:lnTo>
+                  <a:pt x="388292" y="292362"/>
+                </a:lnTo>
+                <a:lnTo>
+                  <a:pt x="358091" y="327849"/>
+                </a:lnTo>
+                <a:lnTo>
+                  <a:pt x="325158" y="360871"/>
+                </a:lnTo>
+                <a:lnTo>
+                  <a:pt x="289800" y="391127"/>
+                </a:lnTo>
+                <a:lnTo>
+                  <a:pt x="252320" y="418319"/>
+                </a:lnTo>
+                <a:lnTo>
+                  <a:pt x="213025" y="442147"/>
+                </a:lnTo>
+                <a:lnTo>
+                  <a:pt x="172220" y="462314"/>
+                </a:lnTo>
+                <a:lnTo>
+                  <a:pt x="130209" y="478519"/>
+                </a:lnTo>
+                <a:lnTo>
+                  <a:pt x="87299" y="490464"/>
+                </a:lnTo>
+                <a:lnTo>
+                  <a:pt x="43794" y="497851"/>
+                </a:lnTo>
+                <a:lnTo>
+                  <a:pt x="0" y="500379"/>
+                </a:lnTo>
+                <a:lnTo>
+                  <a:pt x="43794" y="502908"/>
+                </a:lnTo>
+                <a:lnTo>
+                  <a:pt x="87299" y="510294"/>
+                </a:lnTo>
+                <a:lnTo>
+                  <a:pt x="130209" y="522237"/>
+                </a:lnTo>
+                <a:lnTo>
+                  <a:pt x="172220" y="538438"/>
+                </a:lnTo>
+                <a:lnTo>
+                  <a:pt x="213025" y="558596"/>
+                </a:lnTo>
+                <a:lnTo>
+                  <a:pt x="252320" y="582412"/>
+                </a:lnTo>
+                <a:lnTo>
+                  <a:pt x="289800" y="609586"/>
+                </a:lnTo>
+                <a:lnTo>
+                  <a:pt x="325158" y="639819"/>
+                </a:lnTo>
+                <a:lnTo>
+                  <a:pt x="358091" y="672809"/>
+                </a:lnTo>
+                <a:lnTo>
+                  <a:pt x="388292" y="708258"/>
+                </a:lnTo>
+                <a:lnTo>
+                  <a:pt x="415457" y="745865"/>
+                </a:lnTo>
+                <a:lnTo>
+                  <a:pt x="439280" y="785332"/>
+                </a:lnTo>
+                <a:lnTo>
+                  <a:pt x="459456" y="826357"/>
+                </a:lnTo>
+                <a:lnTo>
+                  <a:pt x="475680" y="868641"/>
+                </a:lnTo>
+                <a:lnTo>
+                  <a:pt x="487646" y="911884"/>
+                </a:lnTo>
+                <a:lnTo>
+                  <a:pt x="495050" y="955786"/>
+                </a:lnTo>
+                <a:lnTo>
+                  <a:pt x="497585" y="1000048"/>
+                </a:lnTo>
+                <a:lnTo>
+                  <a:pt x="500142" y="955786"/>
+                </a:lnTo>
+                <a:lnTo>
+                  <a:pt x="507604" y="911884"/>
+                </a:lnTo>
+                <a:lnTo>
+                  <a:pt x="519662" y="868641"/>
+                </a:lnTo>
+                <a:lnTo>
+                  <a:pt x="536008" y="826357"/>
+                </a:lnTo>
+                <a:lnTo>
+                  <a:pt x="556331" y="785332"/>
+                </a:lnTo>
+                <a:lnTo>
+                  <a:pt x="580323" y="745865"/>
+                </a:lnTo>
+                <a:lnTo>
+                  <a:pt x="607673" y="708258"/>
+                </a:lnTo>
+                <a:lnTo>
+                  <a:pt x="638073" y="672809"/>
+                </a:lnTo>
+                <a:lnTo>
+                  <a:pt x="671212" y="639819"/>
+                </a:lnTo>
+                <a:lnTo>
+                  <a:pt x="706783" y="609586"/>
+                </a:lnTo>
+                <a:lnTo>
+                  <a:pt x="744474" y="582412"/>
+                </a:lnTo>
+                <a:lnTo>
+                  <a:pt x="783977" y="558596"/>
+                </a:lnTo>
+                <a:lnTo>
+                  <a:pt x="824982" y="538438"/>
+                </a:lnTo>
+                <a:lnTo>
+                  <a:pt x="867181" y="522237"/>
+                </a:lnTo>
+                <a:lnTo>
+                  <a:pt x="910262" y="510294"/>
+                </a:lnTo>
+                <a:lnTo>
+                  <a:pt x="953918" y="502908"/>
+                </a:lnTo>
+                <a:lnTo>
+                  <a:pt x="965602" y="502235"/>
+                </a:lnTo>
+                <a:lnTo>
+                  <a:pt x="965602" y="498524"/>
+                </a:lnTo>
+                <a:lnTo>
+                  <a:pt x="910262" y="490464"/>
+                </a:lnTo>
+                <a:lnTo>
+                  <a:pt x="867181" y="478519"/>
+                </a:lnTo>
+                <a:lnTo>
+                  <a:pt x="824982" y="462314"/>
+                </a:lnTo>
+                <a:lnTo>
+                  <a:pt x="783977" y="442147"/>
+                </a:lnTo>
+                <a:lnTo>
+                  <a:pt x="744474" y="418319"/>
+                </a:lnTo>
+                <a:lnTo>
+                  <a:pt x="706783" y="391127"/>
+                </a:lnTo>
+                <a:lnTo>
+                  <a:pt x="671212" y="360871"/>
+                </a:lnTo>
+                <a:lnTo>
+                  <a:pt x="638073" y="327849"/>
+                </a:lnTo>
+                <a:lnTo>
+                  <a:pt x="607673" y="292362"/>
+                </a:lnTo>
+                <a:lnTo>
+                  <a:pt x="580323" y="254706"/>
+                </a:lnTo>
+                <a:lnTo>
+                  <a:pt x="556331" y="215183"/>
+                </a:lnTo>
+                <a:lnTo>
+                  <a:pt x="536008" y="174089"/>
+                </a:lnTo>
+                <a:lnTo>
+                  <a:pt x="519662" y="131726"/>
+                </a:lnTo>
+                <a:lnTo>
+                  <a:pt x="507604" y="88390"/>
+                </a:lnTo>
+                <a:lnTo>
+                  <a:pt x="500142" y="44382"/>
+                </a:lnTo>
+                <a:lnTo>
+                  <a:pt x="497585" y="0"/>
+                </a:lnTo>
+                <a:close/>
+              </a:path>
+            </a:pathLst>
+          </a:custGeom>
+          <a:solidFill>
+            <a:srgbClr val="36D636"/>
+          </a:solidFill>
+        </p:spPr>
+        <p:txBody>
+          <a:bodyPr wrap="square" lIns="0" tIns="0" rIns="0" bIns="0" rtlCol="0"/>
+          <a:lstStyle/>
+          <a:p>
+            <a:pPr>
+              <a:defRPr/>
+            </a:pPr>
+            <a:endParaRPr/>
+          </a:p>
+        </p:txBody>
+      </p:sp>
+      <p:sp>
+        <p:nvSpPr>
+          <p:cNvPr id="1111592467" name="bg object 21"/>
+          <p:cNvSpPr/>
+          <p:nvPr/>
+        </p:nvSpPr>
+        <p:spPr bwMode="auto">
+          <a:xfrm>
+            <a:off x="17322493" y="840981"/>
+            <a:ext cx="965835" cy="1000125"/>
+          </a:xfrm>
+          <a:custGeom>
+            <a:avLst/>
+            <a:gdLst/>
+            <a:ahLst/>
+            <a:cxnLst/>
+            <a:rect l="l" t="t" r="r" b="b"/>
+            <a:pathLst>
+              <a:path w="965834" h="1000125" fill="norm" stroke="1" extrusionOk="0">
+                <a:moveTo>
+                  <a:pt x="965528" y="502236"/>
+                </a:moveTo>
+                <a:lnTo>
+                  <a:pt x="910235" y="510291"/>
+                </a:lnTo>
+                <a:lnTo>
+                  <a:pt x="867149" y="522234"/>
+                </a:lnTo>
+                <a:lnTo>
+                  <a:pt x="824944" y="538434"/>
+                </a:lnTo>
+                <a:lnTo>
+                  <a:pt x="783931" y="558592"/>
+                </a:lnTo>
+                <a:lnTo>
+                  <a:pt x="744419" y="582408"/>
+                </a:lnTo>
+                <a:lnTo>
+                  <a:pt x="706718" y="609581"/>
+                </a:lnTo>
+                <a:lnTo>
+                  <a:pt x="671138" y="639813"/>
+                </a:lnTo>
+                <a:lnTo>
+                  <a:pt x="637988" y="672803"/>
+                </a:lnTo>
+                <a:lnTo>
+                  <a:pt x="607578" y="708252"/>
+                </a:lnTo>
+                <a:lnTo>
+                  <a:pt x="580217" y="745859"/>
+                </a:lnTo>
+                <a:lnTo>
+                  <a:pt x="556217" y="785325"/>
+                </a:lnTo>
+                <a:lnTo>
+                  <a:pt x="535885" y="826350"/>
+                </a:lnTo>
+                <a:lnTo>
+                  <a:pt x="519533" y="868634"/>
+                </a:lnTo>
+                <a:lnTo>
+                  <a:pt x="507469" y="911877"/>
+                </a:lnTo>
+                <a:lnTo>
+                  <a:pt x="500003" y="955780"/>
+                </a:lnTo>
+                <a:lnTo>
+                  <a:pt x="497446" y="1000043"/>
+                </a:lnTo>
+                <a:lnTo>
+                  <a:pt x="494912" y="955780"/>
+                </a:lnTo>
+                <a:lnTo>
+                  <a:pt x="487512" y="911877"/>
+                </a:lnTo>
+                <a:lnTo>
+                  <a:pt x="475551" y="868634"/>
+                </a:lnTo>
+                <a:lnTo>
+                  <a:pt x="459335" y="826350"/>
+                </a:lnTo>
+                <a:lnTo>
+                  <a:pt x="439169" y="785325"/>
+                </a:lnTo>
+                <a:lnTo>
+                  <a:pt x="415356" y="745859"/>
+                </a:lnTo>
+                <a:lnTo>
+                  <a:pt x="388202" y="708252"/>
+                </a:lnTo>
+                <a:lnTo>
+                  <a:pt x="358013" y="672803"/>
+                </a:lnTo>
+                <a:lnTo>
+                  <a:pt x="325092" y="639813"/>
+                </a:lnTo>
+                <a:lnTo>
+                  <a:pt x="289746" y="609581"/>
+                </a:lnTo>
+                <a:lnTo>
+                  <a:pt x="252278" y="582408"/>
+                </a:lnTo>
+                <a:lnTo>
+                  <a:pt x="212993" y="558592"/>
+                </a:lnTo>
+                <a:lnTo>
+                  <a:pt x="172198" y="538434"/>
+                </a:lnTo>
+                <a:lnTo>
+                  <a:pt x="130196" y="522234"/>
+                </a:lnTo>
+                <a:lnTo>
+                  <a:pt x="87292" y="510291"/>
+                </a:lnTo>
+                <a:lnTo>
+                  <a:pt x="43792" y="502905"/>
+                </a:lnTo>
+                <a:lnTo>
+                  <a:pt x="0" y="500377"/>
+                </a:lnTo>
+                <a:lnTo>
+                  <a:pt x="43792" y="497848"/>
+                </a:lnTo>
+                <a:lnTo>
+                  <a:pt x="87292" y="490462"/>
+                </a:lnTo>
+                <a:lnTo>
+                  <a:pt x="130196" y="478516"/>
+                </a:lnTo>
+                <a:lnTo>
+                  <a:pt x="172198" y="462310"/>
+                </a:lnTo>
+                <a:lnTo>
+                  <a:pt x="212993" y="442144"/>
+                </a:lnTo>
+                <a:lnTo>
+                  <a:pt x="252278" y="418315"/>
+                </a:lnTo>
+                <a:lnTo>
+                  <a:pt x="289746" y="391123"/>
+                </a:lnTo>
+                <a:lnTo>
+                  <a:pt x="325092" y="360867"/>
+                </a:lnTo>
+                <a:lnTo>
+                  <a:pt x="358013" y="327845"/>
+                </a:lnTo>
+                <a:lnTo>
+                  <a:pt x="388202" y="292357"/>
+                </a:lnTo>
+                <a:lnTo>
+                  <a:pt x="415356" y="254702"/>
+                </a:lnTo>
+                <a:lnTo>
+                  <a:pt x="439169" y="215179"/>
+                </a:lnTo>
+                <a:lnTo>
+                  <a:pt x="459335" y="174086"/>
+                </a:lnTo>
+                <a:lnTo>
+                  <a:pt x="475551" y="131723"/>
+                </a:lnTo>
+                <a:lnTo>
+                  <a:pt x="487512" y="88388"/>
+                </a:lnTo>
+                <a:lnTo>
+                  <a:pt x="494912" y="44380"/>
+                </a:lnTo>
+                <a:lnTo>
+                  <a:pt x="497446" y="0"/>
+                </a:lnTo>
+                <a:lnTo>
+                  <a:pt x="500003" y="44380"/>
+                </a:lnTo>
+                <a:lnTo>
+                  <a:pt x="507469" y="88388"/>
+                </a:lnTo>
+                <a:lnTo>
+                  <a:pt x="519533" y="131723"/>
+                </a:lnTo>
+                <a:lnTo>
+                  <a:pt x="535885" y="174086"/>
+                </a:lnTo>
+                <a:lnTo>
+                  <a:pt x="556217" y="215179"/>
+                </a:lnTo>
+                <a:lnTo>
+                  <a:pt x="580217" y="254702"/>
+                </a:lnTo>
+                <a:lnTo>
+                  <a:pt x="607578" y="292357"/>
+                </a:lnTo>
+                <a:lnTo>
+                  <a:pt x="637988" y="327845"/>
+                </a:lnTo>
+                <a:lnTo>
+                  <a:pt x="671138" y="360867"/>
+                </a:lnTo>
+                <a:lnTo>
+                  <a:pt x="706718" y="391123"/>
+                </a:lnTo>
+                <a:lnTo>
+                  <a:pt x="744419" y="418315"/>
+                </a:lnTo>
+                <a:lnTo>
+                  <a:pt x="783931" y="442144"/>
+                </a:lnTo>
+                <a:lnTo>
+                  <a:pt x="824944" y="462310"/>
+                </a:lnTo>
+                <a:lnTo>
+                  <a:pt x="867149" y="478516"/>
+                </a:lnTo>
+                <a:lnTo>
+                  <a:pt x="910235" y="490462"/>
+                </a:lnTo>
+                <a:lnTo>
+                  <a:pt x="953893" y="497848"/>
+                </a:lnTo>
+                <a:lnTo>
+                  <a:pt x="965528" y="498518"/>
+                </a:lnTo>
+              </a:path>
+            </a:pathLst>
+          </a:custGeom>
+          <a:ln w="18718">
+            <a:solidFill>
+              <a:srgbClr val="36D636"/>
+            </a:solidFill>
+          </a:ln>
+        </p:spPr>
+        <p:txBody>
+          <a:bodyPr wrap="square" lIns="0" tIns="0" rIns="0" bIns="0" rtlCol="0"/>
+          <a:lstStyle/>
+          <a:p>
+            <a:pPr>
+              <a:defRPr/>
+            </a:pPr>
+            <a:endParaRPr/>
+          </a:p>
+        </p:txBody>
+      </p:sp>
+      <p:sp>
+        <p:nvSpPr>
+          <p:cNvPr id="565318906" name="bg object 22"/>
+          <p:cNvSpPr/>
+          <p:nvPr/>
+        </p:nvSpPr>
+        <p:spPr bwMode="auto">
+          <a:xfrm>
+            <a:off x="17297221" y="0"/>
+            <a:ext cx="991234" cy="1841499"/>
+          </a:xfrm>
+          <a:custGeom>
+            <a:avLst/>
+            <a:gdLst/>
+            <a:ahLst/>
+            <a:cxnLst/>
+            <a:rect l="l" t="t" r="r" b="b"/>
+            <a:pathLst>
+              <a:path w="991234" h="1841500" fill="norm" stroke="1" extrusionOk="0">
+                <a:moveTo>
+                  <a:pt x="990800" y="1841026"/>
+                </a:moveTo>
+                <a:lnTo>
+                  <a:pt x="0" y="1841026"/>
+                </a:lnTo>
+                <a:lnTo>
+                  <a:pt x="0" y="0"/>
+                </a:lnTo>
+              </a:path>
+            </a:pathLst>
+          </a:custGeom>
+          <a:ln w="38157">
+            <a:solidFill>
+              <a:srgbClr val="959595"/>
+            </a:solidFill>
+          </a:ln>
+        </p:spPr>
+        <p:txBody>
+          <a:bodyPr wrap="square" lIns="0" tIns="0" rIns="0" bIns="0" rtlCol="0"/>
+          <a:lstStyle/>
+          <a:p>
+            <a:pPr>
+              <a:defRPr/>
+            </a:pPr>
+            <a:endParaRPr/>
+          </a:p>
+        </p:txBody>
+      </p:sp>
+      <p:sp>
+        <p:nvSpPr>
+          <p:cNvPr id="1957014209" name="bg object 23"/>
+          <p:cNvSpPr/>
+          <p:nvPr/>
+        </p:nvSpPr>
+        <p:spPr bwMode="auto">
+          <a:xfrm>
+            <a:off x="17601057" y="2326969"/>
+            <a:ext cx="440689" cy="440689"/>
+          </a:xfrm>
+          <a:custGeom>
+            <a:avLst/>
+            <a:gdLst/>
+            <a:ahLst/>
+            <a:cxnLst/>
+            <a:rect l="l" t="t" r="r" b="b"/>
+            <a:pathLst>
+              <a:path w="440690" h="440689" fill="norm" stroke="1" extrusionOk="0">
+                <a:moveTo>
+                  <a:pt x="231902" y="0"/>
+                </a:moveTo>
+                <a:lnTo>
+                  <a:pt x="208788" y="0"/>
+                </a:lnTo>
+                <a:lnTo>
+                  <a:pt x="185801" y="2870"/>
+                </a:lnTo>
+                <a:lnTo>
+                  <a:pt x="141097" y="14389"/>
+                </a:lnTo>
+                <a:lnTo>
+                  <a:pt x="110236" y="29514"/>
+                </a:lnTo>
+                <a:lnTo>
+                  <a:pt x="100076" y="35267"/>
+                </a:lnTo>
+                <a:lnTo>
+                  <a:pt x="64770" y="64795"/>
+                </a:lnTo>
+                <a:lnTo>
+                  <a:pt x="35306" y="100076"/>
+                </a:lnTo>
+                <a:lnTo>
+                  <a:pt x="29591" y="110147"/>
+                </a:lnTo>
+                <a:lnTo>
+                  <a:pt x="23749" y="120230"/>
+                </a:lnTo>
+                <a:lnTo>
+                  <a:pt x="7239" y="163423"/>
+                </a:lnTo>
+                <a:lnTo>
+                  <a:pt x="1524" y="197269"/>
+                </a:lnTo>
+                <a:lnTo>
+                  <a:pt x="0" y="208788"/>
+                </a:lnTo>
+                <a:lnTo>
+                  <a:pt x="0" y="220306"/>
+                </a:lnTo>
+                <a:lnTo>
+                  <a:pt x="0" y="231825"/>
+                </a:lnTo>
+                <a:lnTo>
+                  <a:pt x="1524" y="243344"/>
+                </a:lnTo>
+                <a:lnTo>
+                  <a:pt x="10795" y="287985"/>
+                </a:lnTo>
+                <a:lnTo>
+                  <a:pt x="29591" y="330466"/>
+                </a:lnTo>
+                <a:lnTo>
+                  <a:pt x="56896" y="367182"/>
+                </a:lnTo>
+                <a:lnTo>
+                  <a:pt x="82169" y="390944"/>
+                </a:lnTo>
+                <a:lnTo>
+                  <a:pt x="90805" y="398145"/>
+                </a:lnTo>
+                <a:lnTo>
+                  <a:pt x="131064" y="421182"/>
+                </a:lnTo>
+                <a:lnTo>
+                  <a:pt x="175006" y="434860"/>
+                </a:lnTo>
+                <a:lnTo>
+                  <a:pt x="185801" y="437019"/>
+                </a:lnTo>
+                <a:lnTo>
+                  <a:pt x="208788" y="439902"/>
+                </a:lnTo>
+                <a:lnTo>
+                  <a:pt x="220345" y="439902"/>
+                </a:lnTo>
+                <a:lnTo>
+                  <a:pt x="220345" y="440626"/>
+                </a:lnTo>
+                <a:lnTo>
+                  <a:pt x="231902" y="440626"/>
+                </a:lnTo>
+                <a:lnTo>
+                  <a:pt x="243332" y="439178"/>
+                </a:lnTo>
+                <a:lnTo>
+                  <a:pt x="254889" y="437743"/>
+                </a:lnTo>
+                <a:lnTo>
+                  <a:pt x="309626" y="421182"/>
+                </a:lnTo>
+                <a:lnTo>
+                  <a:pt x="349250" y="398145"/>
+                </a:lnTo>
+                <a:lnTo>
+                  <a:pt x="383794" y="367182"/>
+                </a:lnTo>
+                <a:lnTo>
+                  <a:pt x="390906" y="358546"/>
+                </a:lnTo>
+                <a:lnTo>
+                  <a:pt x="398145" y="349910"/>
+                </a:lnTo>
+                <a:lnTo>
+                  <a:pt x="421259" y="309587"/>
+                </a:lnTo>
+                <a:lnTo>
+                  <a:pt x="434848" y="265671"/>
+                </a:lnTo>
+                <a:lnTo>
+                  <a:pt x="437007" y="254863"/>
+                </a:lnTo>
+                <a:lnTo>
+                  <a:pt x="438531" y="243344"/>
+                </a:lnTo>
+                <a:lnTo>
+                  <a:pt x="439928" y="231825"/>
+                </a:lnTo>
+                <a:lnTo>
+                  <a:pt x="439928" y="220306"/>
+                </a:lnTo>
+                <a:lnTo>
+                  <a:pt x="440690" y="220306"/>
+                </a:lnTo>
+                <a:lnTo>
+                  <a:pt x="440690" y="208788"/>
+                </a:lnTo>
+                <a:lnTo>
+                  <a:pt x="439166" y="197269"/>
+                </a:lnTo>
+                <a:lnTo>
+                  <a:pt x="437769" y="185750"/>
+                </a:lnTo>
+                <a:lnTo>
+                  <a:pt x="426212" y="141109"/>
+                </a:lnTo>
+                <a:lnTo>
+                  <a:pt x="411099" y="110147"/>
+                </a:lnTo>
+                <a:lnTo>
+                  <a:pt x="405384" y="100076"/>
+                </a:lnTo>
+                <a:lnTo>
+                  <a:pt x="398907" y="90716"/>
+                </a:lnTo>
+                <a:lnTo>
+                  <a:pt x="391668" y="81343"/>
+                </a:lnTo>
+                <a:lnTo>
+                  <a:pt x="383794" y="72707"/>
+                </a:lnTo>
+                <a:lnTo>
+                  <a:pt x="375793" y="64795"/>
+                </a:lnTo>
+                <a:lnTo>
+                  <a:pt x="367919" y="56870"/>
+                </a:lnTo>
+                <a:lnTo>
+                  <a:pt x="359283" y="48958"/>
+                </a:lnTo>
+                <a:lnTo>
+                  <a:pt x="349885" y="41757"/>
+                </a:lnTo>
+                <a:lnTo>
+                  <a:pt x="340614" y="35267"/>
+                </a:lnTo>
+                <a:lnTo>
+                  <a:pt x="330454" y="29514"/>
+                </a:lnTo>
+                <a:lnTo>
+                  <a:pt x="320421" y="23749"/>
+                </a:lnTo>
+                <a:lnTo>
+                  <a:pt x="277241" y="7188"/>
+                </a:lnTo>
+                <a:lnTo>
+                  <a:pt x="254889" y="2870"/>
+                </a:lnTo>
+                <a:lnTo>
+                  <a:pt x="231902" y="0"/>
+                </a:lnTo>
+                <a:close/>
+              </a:path>
+            </a:pathLst>
+          </a:custGeom>
+          <a:solidFill>
+            <a:srgbClr val="959595"/>
+          </a:solidFill>
+        </p:spPr>
+        <p:txBody>
+          <a:bodyPr wrap="square" lIns="0" tIns="0" rIns="0" bIns="0" rtlCol="0"/>
+          <a:lstStyle/>
+          <a:p>
+            <a:pPr>
+              <a:defRPr/>
+            </a:pPr>
+            <a:endParaRPr/>
+          </a:p>
+        </p:txBody>
+      </p:sp>
+      <p:sp>
+        <p:nvSpPr>
+          <p:cNvPr id="495679061" name="bg object 24"/>
+          <p:cNvSpPr/>
+          <p:nvPr/>
+        </p:nvSpPr>
+        <p:spPr bwMode="auto">
+          <a:xfrm>
+            <a:off x="17601123" y="2326999"/>
+            <a:ext cx="440689" cy="440689"/>
+          </a:xfrm>
+          <a:custGeom>
+            <a:avLst/>
+            <a:gdLst/>
+            <a:ahLst/>
+            <a:cxnLst/>
+            <a:rect l="l" t="t" r="r" b="b"/>
+            <a:pathLst>
+              <a:path w="440690" h="440689" fill="norm" stroke="1" extrusionOk="0">
+                <a:moveTo>
+                  <a:pt x="0" y="220311"/>
+                </a:moveTo>
+                <a:lnTo>
+                  <a:pt x="0" y="208792"/>
+                </a:lnTo>
+                <a:lnTo>
+                  <a:pt x="1396" y="197273"/>
+                </a:lnTo>
+                <a:lnTo>
+                  <a:pt x="2793" y="185753"/>
+                </a:lnTo>
+                <a:lnTo>
+                  <a:pt x="14350" y="141112"/>
+                </a:lnTo>
+                <a:lnTo>
+                  <a:pt x="35305" y="100077"/>
+                </a:lnTo>
+                <a:lnTo>
+                  <a:pt x="64768" y="64796"/>
+                </a:lnTo>
+                <a:lnTo>
+                  <a:pt x="100073" y="35281"/>
+                </a:lnTo>
+                <a:lnTo>
+                  <a:pt x="141093" y="14402"/>
+                </a:lnTo>
+                <a:lnTo>
+                  <a:pt x="185669" y="2882"/>
+                </a:lnTo>
+                <a:lnTo>
+                  <a:pt x="197226" y="1447"/>
+                </a:lnTo>
+                <a:lnTo>
+                  <a:pt x="208782" y="0"/>
+                </a:lnTo>
+                <a:lnTo>
+                  <a:pt x="220212" y="0"/>
+                </a:lnTo>
+                <a:lnTo>
+                  <a:pt x="231769" y="0"/>
+                </a:lnTo>
+                <a:lnTo>
+                  <a:pt x="243325" y="1447"/>
+                </a:lnTo>
+                <a:lnTo>
+                  <a:pt x="288663" y="10807"/>
+                </a:lnTo>
+                <a:lnTo>
+                  <a:pt x="330445" y="29515"/>
+                </a:lnTo>
+                <a:lnTo>
+                  <a:pt x="367909" y="56884"/>
+                </a:lnTo>
+                <a:lnTo>
+                  <a:pt x="398770" y="90717"/>
+                </a:lnTo>
+                <a:lnTo>
+                  <a:pt x="421883" y="131041"/>
+                </a:lnTo>
+                <a:lnTo>
+                  <a:pt x="435472" y="174234"/>
+                </a:lnTo>
+                <a:lnTo>
+                  <a:pt x="440551" y="208792"/>
+                </a:lnTo>
+                <a:lnTo>
+                  <a:pt x="440551" y="220311"/>
+                </a:lnTo>
+                <a:lnTo>
+                  <a:pt x="439789" y="220311"/>
+                </a:lnTo>
+                <a:lnTo>
+                  <a:pt x="439789" y="231830"/>
+                </a:lnTo>
+                <a:lnTo>
+                  <a:pt x="438393" y="243362"/>
+                </a:lnTo>
+                <a:lnTo>
+                  <a:pt x="436996" y="254881"/>
+                </a:lnTo>
+                <a:lnTo>
+                  <a:pt x="434837" y="265676"/>
+                </a:lnTo>
+                <a:lnTo>
+                  <a:pt x="432678" y="277195"/>
+                </a:lnTo>
+                <a:lnTo>
+                  <a:pt x="428995" y="287990"/>
+                </a:lnTo>
+                <a:lnTo>
+                  <a:pt x="425439" y="298786"/>
+                </a:lnTo>
+                <a:lnTo>
+                  <a:pt x="421121" y="309594"/>
+                </a:lnTo>
+                <a:lnTo>
+                  <a:pt x="398135" y="349917"/>
+                </a:lnTo>
+                <a:lnTo>
+                  <a:pt x="390896" y="358553"/>
+                </a:lnTo>
+                <a:lnTo>
+                  <a:pt x="383657" y="367189"/>
+                </a:lnTo>
+                <a:lnTo>
+                  <a:pt x="349114" y="398140"/>
+                </a:lnTo>
+                <a:lnTo>
+                  <a:pt x="339716" y="404630"/>
+                </a:lnTo>
+                <a:lnTo>
+                  <a:pt x="330445" y="411107"/>
+                </a:lnTo>
+                <a:lnTo>
+                  <a:pt x="287901" y="429827"/>
+                </a:lnTo>
+                <a:lnTo>
+                  <a:pt x="243325" y="439187"/>
+                </a:lnTo>
+                <a:lnTo>
+                  <a:pt x="231769" y="440622"/>
+                </a:lnTo>
+                <a:lnTo>
+                  <a:pt x="220212" y="440622"/>
+                </a:lnTo>
+                <a:lnTo>
+                  <a:pt x="220212" y="439911"/>
+                </a:lnTo>
+                <a:lnTo>
+                  <a:pt x="208782" y="439911"/>
+                </a:lnTo>
+                <a:lnTo>
+                  <a:pt x="197226" y="438463"/>
+                </a:lnTo>
+                <a:lnTo>
+                  <a:pt x="185669" y="437028"/>
+                </a:lnTo>
+                <a:lnTo>
+                  <a:pt x="174874" y="434869"/>
+                </a:lnTo>
+                <a:lnTo>
+                  <a:pt x="163444" y="432710"/>
+                </a:lnTo>
+                <a:lnTo>
+                  <a:pt x="152650" y="429103"/>
+                </a:lnTo>
+                <a:lnTo>
+                  <a:pt x="141855" y="425509"/>
+                </a:lnTo>
+                <a:lnTo>
+                  <a:pt x="100708" y="404630"/>
+                </a:lnTo>
+                <a:lnTo>
+                  <a:pt x="64768" y="375825"/>
+                </a:lnTo>
+                <a:lnTo>
+                  <a:pt x="35940" y="339833"/>
+                </a:lnTo>
+                <a:lnTo>
+                  <a:pt x="15112" y="298786"/>
+                </a:lnTo>
+                <a:lnTo>
+                  <a:pt x="10794" y="287990"/>
+                </a:lnTo>
+                <a:lnTo>
+                  <a:pt x="1396" y="243362"/>
+                </a:lnTo>
+                <a:lnTo>
+                  <a:pt x="0" y="231830"/>
+                </a:lnTo>
+                <a:lnTo>
+                  <a:pt x="0" y="220311"/>
+                </a:lnTo>
+                <a:close/>
+              </a:path>
+            </a:pathLst>
+          </a:custGeom>
+          <a:ln w="18718">
+            <a:solidFill>
+              <a:srgbClr val="959595"/>
+            </a:solidFill>
+          </a:ln>
+        </p:spPr>
+        <p:txBody>
+          <a:bodyPr wrap="square" lIns="0" tIns="0" rIns="0" bIns="0" rtlCol="0"/>
+          <a:lstStyle/>
+          <a:p>
+            <a:pPr>
+              <a:defRPr/>
+            </a:pPr>
+            <a:endParaRPr/>
+          </a:p>
+        </p:txBody>
+      </p:sp>
+      <p:sp>
+        <p:nvSpPr>
+          <p:cNvPr id="1430010337" name="bg object 25"/>
+          <p:cNvSpPr/>
+          <p:nvPr/>
+        </p:nvSpPr>
+        <p:spPr bwMode="auto">
+          <a:xfrm>
+            <a:off x="14952216" y="8116556"/>
+            <a:ext cx="3336289" cy="2171064"/>
+          </a:xfrm>
+          <a:custGeom>
+            <a:avLst/>
+            <a:gdLst/>
+            <a:ahLst/>
+            <a:cxnLst/>
+            <a:rect l="l" t="t" r="r" b="b"/>
+            <a:pathLst>
+              <a:path w="3336290" h="2171065" fill="norm" stroke="1" extrusionOk="0">
+                <a:moveTo>
+                  <a:pt x="1136903" y="1106587"/>
+                </a:moveTo>
+                <a:lnTo>
+                  <a:pt x="553719" y="1106587"/>
+                </a:lnTo>
+                <a:lnTo>
+                  <a:pt x="0" y="1660961"/>
+                </a:lnTo>
+                <a:lnTo>
+                  <a:pt x="0" y="2170440"/>
+                </a:lnTo>
+                <a:lnTo>
+                  <a:pt x="29590" y="2170440"/>
+                </a:lnTo>
+                <a:lnTo>
+                  <a:pt x="29590" y="1689760"/>
+                </a:lnTo>
+                <a:lnTo>
+                  <a:pt x="2245613" y="1689760"/>
+                </a:lnTo>
+                <a:lnTo>
+                  <a:pt x="2274043" y="1660961"/>
+                </a:lnTo>
+                <a:lnTo>
+                  <a:pt x="42544" y="1660961"/>
+                </a:lnTo>
+                <a:lnTo>
+                  <a:pt x="553719" y="1148349"/>
+                </a:lnTo>
+                <a:lnTo>
+                  <a:pt x="583945" y="1148349"/>
+                </a:lnTo>
+                <a:lnTo>
+                  <a:pt x="583945" y="1136829"/>
+                </a:lnTo>
+                <a:lnTo>
+                  <a:pt x="1136903" y="1136829"/>
+                </a:lnTo>
+                <a:lnTo>
+                  <a:pt x="1136903" y="1106587"/>
+                </a:lnTo>
+                <a:close/>
+              </a:path>
+              <a:path w="3336290" h="2171065" fill="norm" stroke="1" extrusionOk="0">
+                <a:moveTo>
+                  <a:pt x="583945" y="1689760"/>
+                </a:moveTo>
+                <a:lnTo>
+                  <a:pt x="553719" y="1689760"/>
+                </a:lnTo>
+                <a:lnTo>
+                  <a:pt x="553719" y="2170440"/>
+                </a:lnTo>
+                <a:lnTo>
+                  <a:pt x="583945" y="2170440"/>
+                </a:lnTo>
+                <a:lnTo>
+                  <a:pt x="583945" y="1689760"/>
+                </a:lnTo>
+                <a:close/>
+              </a:path>
+              <a:path w="3336290" h="2171065" fill="norm" stroke="1" extrusionOk="0">
+                <a:moveTo>
+                  <a:pt x="1136903" y="1689760"/>
+                </a:moveTo>
+                <a:lnTo>
+                  <a:pt x="1106677" y="1689760"/>
+                </a:lnTo>
+                <a:lnTo>
+                  <a:pt x="1106677" y="2170440"/>
+                </a:lnTo>
+                <a:lnTo>
+                  <a:pt x="1136903" y="2170440"/>
+                </a:lnTo>
+                <a:lnTo>
+                  <a:pt x="1136903" y="1689760"/>
+                </a:lnTo>
+                <a:close/>
+              </a:path>
+              <a:path w="3336290" h="2171065" fill="norm" stroke="1" extrusionOk="0">
+                <a:moveTo>
+                  <a:pt x="1691258" y="1689760"/>
+                </a:moveTo>
+                <a:lnTo>
+                  <a:pt x="1661032" y="1689760"/>
+                </a:lnTo>
+                <a:lnTo>
+                  <a:pt x="1661032" y="2170440"/>
+                </a:lnTo>
+                <a:lnTo>
+                  <a:pt x="1691258" y="2170440"/>
+                </a:lnTo>
+                <a:lnTo>
+                  <a:pt x="1691258" y="1689760"/>
+                </a:lnTo>
+                <a:close/>
+              </a:path>
+              <a:path w="3336290" h="2171065" fill="norm" stroke="1" extrusionOk="0">
+                <a:moveTo>
+                  <a:pt x="583945" y="1148349"/>
+                </a:moveTo>
+                <a:lnTo>
+                  <a:pt x="553719" y="1148349"/>
+                </a:lnTo>
+                <a:lnTo>
+                  <a:pt x="553719" y="1660961"/>
+                </a:lnTo>
+                <a:lnTo>
+                  <a:pt x="583945" y="1660961"/>
+                </a:lnTo>
+                <a:lnTo>
+                  <a:pt x="583945" y="1148349"/>
+                </a:lnTo>
+                <a:close/>
+              </a:path>
+              <a:path w="3336290" h="2171065" fill="norm" stroke="1" extrusionOk="0">
+                <a:moveTo>
+                  <a:pt x="1136903" y="1136829"/>
+                </a:moveTo>
+                <a:lnTo>
+                  <a:pt x="1106677" y="1136829"/>
+                </a:lnTo>
+                <a:lnTo>
+                  <a:pt x="1106677" y="1660961"/>
+                </a:lnTo>
+                <a:lnTo>
+                  <a:pt x="1136903" y="1660961"/>
+                </a:lnTo>
+                <a:lnTo>
+                  <a:pt x="1136903" y="1136829"/>
+                </a:lnTo>
+                <a:close/>
+              </a:path>
+              <a:path w="3336290" h="2171065" fill="norm" stroke="1" extrusionOk="0">
+                <a:moveTo>
+                  <a:pt x="2797174" y="582460"/>
+                </a:moveTo>
+                <a:lnTo>
+                  <a:pt x="2768345" y="582460"/>
+                </a:lnTo>
+                <a:lnTo>
+                  <a:pt x="2768345" y="1106587"/>
+                </a:lnTo>
+                <a:lnTo>
+                  <a:pt x="1661032" y="1106587"/>
+                </a:lnTo>
+                <a:lnTo>
+                  <a:pt x="1661032" y="1660961"/>
+                </a:lnTo>
+                <a:lnTo>
+                  <a:pt x="1691258" y="1660961"/>
+                </a:lnTo>
+                <a:lnTo>
+                  <a:pt x="1691258" y="1136829"/>
+                </a:lnTo>
+                <a:lnTo>
+                  <a:pt x="2797174" y="1136829"/>
+                </a:lnTo>
+                <a:lnTo>
+                  <a:pt x="2797174" y="1131069"/>
+                </a:lnTo>
+                <a:lnTo>
+                  <a:pt x="2840021" y="1087869"/>
+                </a:lnTo>
+                <a:lnTo>
+                  <a:pt x="2797174" y="1087869"/>
+                </a:lnTo>
+                <a:lnTo>
+                  <a:pt x="2797174" y="582460"/>
+                </a:lnTo>
+                <a:close/>
+              </a:path>
+              <a:path w="3336290" h="2171065" fill="norm" stroke="1" extrusionOk="0">
+                <a:moveTo>
+                  <a:pt x="2245613" y="1136829"/>
+                </a:moveTo>
+                <a:lnTo>
+                  <a:pt x="2215387" y="1136829"/>
+                </a:lnTo>
+                <a:lnTo>
+                  <a:pt x="2215387" y="1660961"/>
+                </a:lnTo>
+                <a:lnTo>
+                  <a:pt x="2274043" y="1660961"/>
+                </a:lnTo>
+                <a:lnTo>
+                  <a:pt x="2288259" y="1646561"/>
+                </a:lnTo>
+                <a:lnTo>
+                  <a:pt x="2245613" y="1646561"/>
+                </a:lnTo>
+                <a:lnTo>
+                  <a:pt x="2245613" y="1136829"/>
+                </a:lnTo>
+                <a:close/>
+              </a:path>
+              <a:path w="3336290" h="2171065" fill="norm" stroke="1" extrusionOk="0">
+                <a:moveTo>
+                  <a:pt x="2791459" y="1136829"/>
+                </a:moveTo>
+                <a:lnTo>
+                  <a:pt x="2749676" y="1136829"/>
+                </a:lnTo>
+                <a:lnTo>
+                  <a:pt x="2245613" y="1646561"/>
+                </a:lnTo>
+                <a:lnTo>
+                  <a:pt x="2288259" y="1646561"/>
+                </a:lnTo>
+                <a:lnTo>
+                  <a:pt x="2791459" y="1136829"/>
+                </a:lnTo>
+                <a:close/>
+              </a:path>
+              <a:path w="3336290" h="2171065" fill="norm" stroke="1" extrusionOk="0">
+                <a:moveTo>
+                  <a:pt x="3335756" y="602615"/>
+                </a:moveTo>
+                <a:lnTo>
+                  <a:pt x="3321303" y="602615"/>
+                </a:lnTo>
+                <a:lnTo>
+                  <a:pt x="3321303" y="1136829"/>
+                </a:lnTo>
+                <a:lnTo>
+                  <a:pt x="3335756" y="1136829"/>
+                </a:lnTo>
+                <a:lnTo>
+                  <a:pt x="3335756" y="602615"/>
+                </a:lnTo>
+                <a:close/>
+              </a:path>
+              <a:path w="3336290" h="2171065" fill="norm" stroke="1" extrusionOk="0">
+                <a:moveTo>
+                  <a:pt x="3335756" y="29527"/>
+                </a:moveTo>
+                <a:lnTo>
+                  <a:pt x="3321303" y="29527"/>
+                </a:lnTo>
+                <a:lnTo>
+                  <a:pt x="3321303" y="552221"/>
+                </a:lnTo>
+                <a:lnTo>
+                  <a:pt x="2215387" y="552221"/>
+                </a:lnTo>
+                <a:lnTo>
+                  <a:pt x="2215387" y="1106587"/>
+                </a:lnTo>
+                <a:lnTo>
+                  <a:pt x="2245613" y="1106587"/>
+                </a:lnTo>
+                <a:lnTo>
+                  <a:pt x="2245613" y="582460"/>
+                </a:lnTo>
+                <a:lnTo>
+                  <a:pt x="3335756" y="582460"/>
+                </a:lnTo>
+                <a:lnTo>
+                  <a:pt x="3335756" y="29527"/>
+                </a:lnTo>
+                <a:close/>
+              </a:path>
+              <a:path w="3336290" h="2171065" fill="norm" stroke="1" extrusionOk="0">
+                <a:moveTo>
+                  <a:pt x="3335756" y="582460"/>
+                </a:moveTo>
+                <a:lnTo>
+                  <a:pt x="3298316" y="582460"/>
+                </a:lnTo>
+                <a:lnTo>
+                  <a:pt x="2797174" y="1087869"/>
+                </a:lnTo>
+                <a:lnTo>
+                  <a:pt x="2840021" y="1087869"/>
+                </a:lnTo>
+                <a:lnTo>
+                  <a:pt x="3321303" y="602615"/>
+                </a:lnTo>
+                <a:lnTo>
+                  <a:pt x="3335756" y="602615"/>
+                </a:lnTo>
+                <a:lnTo>
+                  <a:pt x="3335756" y="582460"/>
+                </a:lnTo>
+                <a:close/>
+              </a:path>
+              <a:path w="3336290" h="2171065" fill="norm" stroke="1" extrusionOk="0">
+                <a:moveTo>
+                  <a:pt x="3335756" y="0"/>
+                </a:moveTo>
+                <a:lnTo>
+                  <a:pt x="2768345" y="0"/>
+                </a:lnTo>
+                <a:lnTo>
+                  <a:pt x="2768345" y="552221"/>
+                </a:lnTo>
+                <a:lnTo>
+                  <a:pt x="2797174" y="552221"/>
+                </a:lnTo>
+                <a:lnTo>
+                  <a:pt x="2797174" y="29527"/>
+                </a:lnTo>
+                <a:lnTo>
+                  <a:pt x="3335756" y="29527"/>
+                </a:lnTo>
+                <a:lnTo>
+                  <a:pt x="3335756" y="0"/>
+                </a:lnTo>
+                <a:close/>
+              </a:path>
+            </a:pathLst>
+          </a:custGeom>
+          <a:solidFill>
+            <a:srgbClr val="36D636"/>
+          </a:solidFill>
+        </p:spPr>
+        <p:txBody>
+          <a:bodyPr wrap="square" lIns="0" tIns="0" rIns="0" bIns="0" rtlCol="0"/>
+          <a:lstStyle/>
+          <a:p>
+            <a:pPr>
+              <a:defRPr/>
+            </a:pPr>
+            <a:endParaRPr/>
+          </a:p>
+        </p:txBody>
+      </p:sp>
+      <p:sp>
+        <p:nvSpPr>
+          <p:cNvPr id="1798391342" name="bg object 26"/>
+          <p:cNvSpPr/>
+          <p:nvPr/>
+        </p:nvSpPr>
+        <p:spPr bwMode="auto">
+          <a:xfrm>
+            <a:off x="15656432" y="9899190"/>
+            <a:ext cx="304164" cy="304164"/>
+          </a:xfrm>
+          <a:custGeom>
+            <a:avLst/>
+            <a:gdLst/>
+            <a:ahLst/>
+            <a:cxnLst/>
+            <a:rect l="l" t="t" r="r" b="b"/>
+            <a:pathLst>
+              <a:path w="304165" h="304165" fill="norm" stroke="1" extrusionOk="0">
+                <a:moveTo>
+                  <a:pt x="159766" y="0"/>
+                </a:moveTo>
+                <a:lnTo>
+                  <a:pt x="144018" y="0"/>
+                </a:lnTo>
+                <a:lnTo>
+                  <a:pt x="136017" y="718"/>
+                </a:lnTo>
+                <a:lnTo>
+                  <a:pt x="97155" y="10081"/>
+                </a:lnTo>
+                <a:lnTo>
+                  <a:pt x="62611" y="28798"/>
+                </a:lnTo>
+                <a:lnTo>
+                  <a:pt x="33782" y="56158"/>
+                </a:lnTo>
+                <a:lnTo>
+                  <a:pt x="12954" y="89996"/>
+                </a:lnTo>
+                <a:lnTo>
+                  <a:pt x="2159" y="128155"/>
+                </a:lnTo>
+                <a:lnTo>
+                  <a:pt x="635" y="136074"/>
+                </a:lnTo>
+                <a:lnTo>
+                  <a:pt x="0" y="143996"/>
+                </a:lnTo>
+                <a:lnTo>
+                  <a:pt x="0" y="151913"/>
+                </a:lnTo>
+                <a:lnTo>
+                  <a:pt x="0" y="159832"/>
+                </a:lnTo>
+                <a:lnTo>
+                  <a:pt x="635" y="167754"/>
+                </a:lnTo>
+                <a:lnTo>
+                  <a:pt x="2159" y="175671"/>
+                </a:lnTo>
+                <a:lnTo>
+                  <a:pt x="3556" y="183595"/>
+                </a:lnTo>
+                <a:lnTo>
+                  <a:pt x="4953" y="190793"/>
+                </a:lnTo>
+                <a:lnTo>
+                  <a:pt x="7874" y="198710"/>
+                </a:lnTo>
+                <a:lnTo>
+                  <a:pt x="10033" y="205913"/>
+                </a:lnTo>
+                <a:lnTo>
+                  <a:pt x="13589" y="213112"/>
+                </a:lnTo>
+                <a:lnTo>
+                  <a:pt x="16510" y="220310"/>
+                </a:lnTo>
+                <a:lnTo>
+                  <a:pt x="20828" y="227509"/>
+                </a:lnTo>
+                <a:lnTo>
+                  <a:pt x="44577" y="259189"/>
+                </a:lnTo>
+                <a:lnTo>
+                  <a:pt x="56896" y="269269"/>
+                </a:lnTo>
+                <a:lnTo>
+                  <a:pt x="62611" y="274310"/>
+                </a:lnTo>
+                <a:lnTo>
+                  <a:pt x="97917" y="293027"/>
+                </a:lnTo>
+                <a:lnTo>
+                  <a:pt x="105029" y="295905"/>
+                </a:lnTo>
+                <a:lnTo>
+                  <a:pt x="113030" y="298068"/>
+                </a:lnTo>
+                <a:lnTo>
+                  <a:pt x="120142" y="299506"/>
+                </a:lnTo>
+                <a:lnTo>
+                  <a:pt x="128143" y="300945"/>
+                </a:lnTo>
+                <a:lnTo>
+                  <a:pt x="136017" y="302389"/>
+                </a:lnTo>
+                <a:lnTo>
+                  <a:pt x="144018" y="303108"/>
+                </a:lnTo>
+                <a:lnTo>
+                  <a:pt x="151892" y="303108"/>
+                </a:lnTo>
+                <a:lnTo>
+                  <a:pt x="151892" y="303827"/>
+                </a:lnTo>
+                <a:lnTo>
+                  <a:pt x="159766" y="303827"/>
+                </a:lnTo>
+                <a:lnTo>
+                  <a:pt x="167767" y="303108"/>
+                </a:lnTo>
+                <a:lnTo>
+                  <a:pt x="183515" y="300226"/>
+                </a:lnTo>
+                <a:lnTo>
+                  <a:pt x="190754" y="298787"/>
+                </a:lnTo>
+                <a:lnTo>
+                  <a:pt x="198628" y="295905"/>
+                </a:lnTo>
+                <a:lnTo>
+                  <a:pt x="205867" y="293747"/>
+                </a:lnTo>
+                <a:lnTo>
+                  <a:pt x="213106" y="290145"/>
+                </a:lnTo>
+                <a:lnTo>
+                  <a:pt x="220218" y="287268"/>
+                </a:lnTo>
+                <a:lnTo>
+                  <a:pt x="227457" y="282947"/>
+                </a:lnTo>
+                <a:lnTo>
+                  <a:pt x="233934" y="279350"/>
+                </a:lnTo>
+                <a:lnTo>
+                  <a:pt x="241173" y="274310"/>
+                </a:lnTo>
+                <a:lnTo>
+                  <a:pt x="246888" y="269989"/>
+                </a:lnTo>
+                <a:lnTo>
+                  <a:pt x="253365" y="264229"/>
+                </a:lnTo>
+                <a:lnTo>
+                  <a:pt x="259207" y="259189"/>
+                </a:lnTo>
+                <a:lnTo>
+                  <a:pt x="264160" y="253429"/>
+                </a:lnTo>
+                <a:lnTo>
+                  <a:pt x="269240" y="246950"/>
+                </a:lnTo>
+                <a:lnTo>
+                  <a:pt x="274320" y="241190"/>
+                </a:lnTo>
+                <a:lnTo>
+                  <a:pt x="292989" y="205913"/>
+                </a:lnTo>
+                <a:lnTo>
+                  <a:pt x="295910" y="198710"/>
+                </a:lnTo>
+                <a:lnTo>
+                  <a:pt x="298069" y="190793"/>
+                </a:lnTo>
+                <a:lnTo>
+                  <a:pt x="299466" y="183595"/>
+                </a:lnTo>
+                <a:lnTo>
+                  <a:pt x="300863" y="175671"/>
+                </a:lnTo>
+                <a:lnTo>
+                  <a:pt x="302387" y="167754"/>
+                </a:lnTo>
+                <a:lnTo>
+                  <a:pt x="303022" y="159832"/>
+                </a:lnTo>
+                <a:lnTo>
+                  <a:pt x="303022" y="151913"/>
+                </a:lnTo>
+                <a:lnTo>
+                  <a:pt x="303784" y="151913"/>
+                </a:lnTo>
+                <a:lnTo>
+                  <a:pt x="303784" y="143996"/>
+                </a:lnTo>
+                <a:lnTo>
+                  <a:pt x="303022" y="136074"/>
+                </a:lnTo>
+                <a:lnTo>
+                  <a:pt x="293751" y="97194"/>
+                </a:lnTo>
+                <a:lnTo>
+                  <a:pt x="274955" y="62636"/>
+                </a:lnTo>
+                <a:lnTo>
+                  <a:pt x="247650" y="33839"/>
+                </a:lnTo>
+                <a:lnTo>
+                  <a:pt x="213741" y="12962"/>
+                </a:lnTo>
+                <a:lnTo>
+                  <a:pt x="183515" y="3601"/>
+                </a:lnTo>
+                <a:lnTo>
+                  <a:pt x="167767" y="718"/>
+                </a:lnTo>
+                <a:lnTo>
+                  <a:pt x="159766" y="0"/>
+                </a:lnTo>
+                <a:close/>
+              </a:path>
+            </a:pathLst>
+          </a:custGeom>
+          <a:solidFill>
+            <a:srgbClr val="959595"/>
+          </a:solidFill>
+        </p:spPr>
+        <p:txBody>
+          <a:bodyPr wrap="square" lIns="0" tIns="0" rIns="0" bIns="0" rtlCol="0"/>
+          <a:lstStyle/>
+          <a:p>
+            <a:pPr>
+              <a:defRPr/>
+            </a:pPr>
+            <a:endParaRPr/>
+          </a:p>
+        </p:txBody>
+      </p:sp>
+      <p:sp>
+        <p:nvSpPr>
+          <p:cNvPr id="725344727" name="bg object 27"/>
+          <p:cNvSpPr/>
+          <p:nvPr/>
+        </p:nvSpPr>
+        <p:spPr bwMode="auto">
+          <a:xfrm>
+            <a:off x="15656491" y="9899190"/>
+            <a:ext cx="304164" cy="304164"/>
+          </a:xfrm>
+          <a:custGeom>
+            <a:avLst/>
+            <a:gdLst/>
+            <a:ahLst/>
+            <a:cxnLst/>
+            <a:rect l="l" t="t" r="r" b="b"/>
+            <a:pathLst>
+              <a:path w="304165" h="304165" fill="norm" stroke="1" extrusionOk="0">
+                <a:moveTo>
+                  <a:pt x="0" y="151913"/>
+                </a:moveTo>
+                <a:lnTo>
+                  <a:pt x="0" y="143996"/>
+                </a:lnTo>
+                <a:lnTo>
+                  <a:pt x="635" y="136073"/>
+                </a:lnTo>
+                <a:lnTo>
+                  <a:pt x="2159" y="128156"/>
+                </a:lnTo>
+                <a:lnTo>
+                  <a:pt x="3556" y="120232"/>
+                </a:lnTo>
+                <a:lnTo>
+                  <a:pt x="16510" y="82797"/>
+                </a:lnTo>
+                <a:lnTo>
+                  <a:pt x="20066" y="75599"/>
+                </a:lnTo>
+                <a:lnTo>
+                  <a:pt x="44577" y="44638"/>
+                </a:lnTo>
+                <a:lnTo>
+                  <a:pt x="76328" y="20160"/>
+                </a:lnTo>
+                <a:lnTo>
+                  <a:pt x="112270" y="5040"/>
+                </a:lnTo>
+                <a:lnTo>
+                  <a:pt x="128145" y="2162"/>
+                </a:lnTo>
+                <a:lnTo>
+                  <a:pt x="136019" y="718"/>
+                </a:lnTo>
+                <a:lnTo>
+                  <a:pt x="143893" y="0"/>
+                </a:lnTo>
+                <a:lnTo>
+                  <a:pt x="151895" y="0"/>
+                </a:lnTo>
+                <a:lnTo>
+                  <a:pt x="159769" y="0"/>
+                </a:lnTo>
+                <a:lnTo>
+                  <a:pt x="167770" y="718"/>
+                </a:lnTo>
+                <a:lnTo>
+                  <a:pt x="175644" y="2162"/>
+                </a:lnTo>
+                <a:lnTo>
+                  <a:pt x="183518" y="3601"/>
+                </a:lnTo>
+                <a:lnTo>
+                  <a:pt x="220984" y="16559"/>
+                </a:lnTo>
+                <a:lnTo>
+                  <a:pt x="234700" y="24482"/>
+                </a:lnTo>
+                <a:lnTo>
+                  <a:pt x="241177" y="28798"/>
+                </a:lnTo>
+                <a:lnTo>
+                  <a:pt x="270007" y="56157"/>
+                </a:lnTo>
+                <a:lnTo>
+                  <a:pt x="290835" y="89995"/>
+                </a:lnTo>
+                <a:lnTo>
+                  <a:pt x="301631" y="128156"/>
+                </a:lnTo>
+                <a:lnTo>
+                  <a:pt x="303028" y="136073"/>
+                </a:lnTo>
+                <a:lnTo>
+                  <a:pt x="303790" y="143996"/>
+                </a:lnTo>
+                <a:lnTo>
+                  <a:pt x="303790" y="151913"/>
+                </a:lnTo>
+                <a:lnTo>
+                  <a:pt x="303028" y="151913"/>
+                </a:lnTo>
+                <a:lnTo>
+                  <a:pt x="303028" y="159831"/>
+                </a:lnTo>
+                <a:lnTo>
+                  <a:pt x="302393" y="167753"/>
+                </a:lnTo>
+                <a:lnTo>
+                  <a:pt x="300869" y="175671"/>
+                </a:lnTo>
+                <a:lnTo>
+                  <a:pt x="299471" y="183594"/>
+                </a:lnTo>
+                <a:lnTo>
+                  <a:pt x="298074" y="190792"/>
+                </a:lnTo>
+                <a:lnTo>
+                  <a:pt x="295915" y="198709"/>
+                </a:lnTo>
+                <a:lnTo>
+                  <a:pt x="292994" y="205913"/>
+                </a:lnTo>
+                <a:lnTo>
+                  <a:pt x="290073" y="213831"/>
+                </a:lnTo>
+                <a:lnTo>
+                  <a:pt x="269245" y="246949"/>
+                </a:lnTo>
+                <a:lnTo>
+                  <a:pt x="264165" y="253429"/>
+                </a:lnTo>
+                <a:lnTo>
+                  <a:pt x="259212" y="259188"/>
+                </a:lnTo>
+                <a:lnTo>
+                  <a:pt x="253370" y="264229"/>
+                </a:lnTo>
+                <a:lnTo>
+                  <a:pt x="246892" y="269988"/>
+                </a:lnTo>
+                <a:lnTo>
+                  <a:pt x="241177" y="274309"/>
+                </a:lnTo>
+                <a:lnTo>
+                  <a:pt x="233938" y="279350"/>
+                </a:lnTo>
+                <a:lnTo>
+                  <a:pt x="227461" y="282946"/>
+                </a:lnTo>
+                <a:lnTo>
+                  <a:pt x="220222" y="287267"/>
+                </a:lnTo>
+                <a:lnTo>
+                  <a:pt x="213110" y="290145"/>
+                </a:lnTo>
+                <a:lnTo>
+                  <a:pt x="205871" y="293746"/>
+                </a:lnTo>
+                <a:lnTo>
+                  <a:pt x="198631" y="295904"/>
+                </a:lnTo>
+                <a:lnTo>
+                  <a:pt x="190757" y="298787"/>
+                </a:lnTo>
+                <a:lnTo>
+                  <a:pt x="183518" y="300225"/>
+                </a:lnTo>
+                <a:lnTo>
+                  <a:pt x="175644" y="301664"/>
+                </a:lnTo>
+                <a:lnTo>
+                  <a:pt x="167770" y="303108"/>
+                </a:lnTo>
+                <a:lnTo>
+                  <a:pt x="159769" y="303827"/>
+                </a:lnTo>
+                <a:lnTo>
+                  <a:pt x="151895" y="303827"/>
+                </a:lnTo>
+                <a:lnTo>
+                  <a:pt x="151895" y="303108"/>
+                </a:lnTo>
+                <a:lnTo>
+                  <a:pt x="143893" y="303108"/>
+                </a:lnTo>
+                <a:lnTo>
+                  <a:pt x="136019" y="302388"/>
+                </a:lnTo>
+                <a:lnTo>
+                  <a:pt x="128145" y="300945"/>
+                </a:lnTo>
+                <a:lnTo>
+                  <a:pt x="120144" y="299506"/>
+                </a:lnTo>
+                <a:lnTo>
+                  <a:pt x="113032" y="298067"/>
+                </a:lnTo>
+                <a:lnTo>
+                  <a:pt x="105031" y="295904"/>
+                </a:lnTo>
+                <a:lnTo>
+                  <a:pt x="97918" y="293027"/>
+                </a:lnTo>
+                <a:lnTo>
+                  <a:pt x="89917" y="290145"/>
+                </a:lnTo>
+                <a:lnTo>
+                  <a:pt x="56770" y="269269"/>
+                </a:lnTo>
+                <a:lnTo>
+                  <a:pt x="50293" y="264229"/>
+                </a:lnTo>
+                <a:lnTo>
+                  <a:pt x="24384" y="233992"/>
+                </a:lnTo>
+                <a:lnTo>
+                  <a:pt x="20828" y="227507"/>
+                </a:lnTo>
+                <a:lnTo>
+                  <a:pt x="16510" y="220309"/>
+                </a:lnTo>
+                <a:lnTo>
+                  <a:pt x="13589" y="213111"/>
+                </a:lnTo>
+                <a:lnTo>
+                  <a:pt x="10033" y="205913"/>
+                </a:lnTo>
+                <a:lnTo>
+                  <a:pt x="7874" y="198709"/>
+                </a:lnTo>
+                <a:lnTo>
+                  <a:pt x="4953" y="190792"/>
+                </a:lnTo>
+                <a:lnTo>
+                  <a:pt x="3556" y="183594"/>
+                </a:lnTo>
+                <a:lnTo>
+                  <a:pt x="2159" y="175671"/>
+                </a:lnTo>
+                <a:lnTo>
+                  <a:pt x="635" y="167753"/>
+                </a:lnTo>
+                <a:lnTo>
+                  <a:pt x="0" y="159831"/>
+                </a:lnTo>
+                <a:lnTo>
+                  <a:pt x="0" y="151913"/>
+                </a:lnTo>
+                <a:close/>
+              </a:path>
+            </a:pathLst>
+          </a:custGeom>
+          <a:ln w="18719">
+            <a:solidFill>
+              <a:srgbClr val="959595"/>
+            </a:solidFill>
+          </a:ln>
+        </p:spPr>
+        <p:txBody>
+          <a:bodyPr wrap="square" lIns="0" tIns="0" rIns="0" bIns="0" rtlCol="0"/>
+          <a:lstStyle/>
+          <a:p>
+            <a:pPr>
+              <a:defRPr/>
+            </a:pPr>
+            <a:endParaRPr/>
+          </a:p>
+        </p:txBody>
+      </p:sp>
+      <p:sp>
+        <p:nvSpPr>
+          <p:cNvPr id="2118424953" name="bg object 28"/>
+          <p:cNvSpPr/>
+          <p:nvPr/>
+        </p:nvSpPr>
+        <p:spPr bwMode="auto">
+          <a:xfrm>
+            <a:off x="0" y="9769797"/>
+            <a:ext cx="576579" cy="517524"/>
+          </a:xfrm>
+          <a:custGeom>
+            <a:avLst/>
+            <a:gdLst/>
+            <a:ahLst/>
+            <a:cxnLst/>
+            <a:rect l="l" t="t" r="r" b="b"/>
+            <a:pathLst>
+              <a:path w="576580" h="517525" fill="norm" stroke="1" extrusionOk="0">
+                <a:moveTo>
+                  <a:pt x="0" y="0"/>
+                </a:moveTo>
+                <a:lnTo>
+                  <a:pt x="0" y="517199"/>
+                </a:lnTo>
+                <a:lnTo>
+                  <a:pt x="576456" y="517199"/>
+                </a:lnTo>
+                <a:lnTo>
+                  <a:pt x="567352" y="463557"/>
+                </a:lnTo>
+                <a:lnTo>
+                  <a:pt x="551512" y="404517"/>
+                </a:lnTo>
+                <a:lnTo>
+                  <a:pt x="529912" y="346920"/>
+                </a:lnTo>
+                <a:lnTo>
+                  <a:pt x="501834" y="292921"/>
+                </a:lnTo>
+                <a:lnTo>
+                  <a:pt x="468713" y="241078"/>
+                </a:lnTo>
+                <a:lnTo>
+                  <a:pt x="429835" y="193557"/>
+                </a:lnTo>
+                <a:lnTo>
+                  <a:pt x="386636" y="150358"/>
+                </a:lnTo>
+                <a:lnTo>
+                  <a:pt x="339115" y="111480"/>
+                </a:lnTo>
+                <a:lnTo>
+                  <a:pt x="287997" y="78359"/>
+                </a:lnTo>
+                <a:lnTo>
+                  <a:pt x="233278" y="50281"/>
+                </a:lnTo>
+                <a:lnTo>
+                  <a:pt x="175676" y="28681"/>
+                </a:lnTo>
+                <a:lnTo>
+                  <a:pt x="116636" y="12841"/>
+                </a:lnTo>
+                <a:lnTo>
+                  <a:pt x="56157" y="2760"/>
+                </a:lnTo>
+                <a:lnTo>
+                  <a:pt x="0" y="0"/>
+                </a:lnTo>
+                <a:close/>
+              </a:path>
+            </a:pathLst>
+          </a:custGeom>
+          <a:solidFill>
+            <a:srgbClr val="959595"/>
+          </a:solidFill>
+        </p:spPr>
+        <p:txBody>
+          <a:bodyPr wrap="square" lIns="0" tIns="0" rIns="0" bIns="0" rtlCol="0"/>
+          <a:lstStyle/>
+          <a:p>
+            <a:pPr>
+              <a:defRPr/>
+            </a:pPr>
+            <a:endParaRPr/>
+          </a:p>
+        </p:txBody>
+      </p:sp>
+      <p:sp>
+        <p:nvSpPr>
+          <p:cNvPr id="1909546797" name="bg object 29"/>
+          <p:cNvSpPr/>
+          <p:nvPr/>
+        </p:nvSpPr>
+        <p:spPr bwMode="auto">
+          <a:xfrm>
+            <a:off x="0" y="9769797"/>
+            <a:ext cx="576579" cy="517524"/>
+          </a:xfrm>
+          <a:custGeom>
+            <a:avLst/>
+            <a:gdLst/>
+            <a:ahLst/>
+            <a:cxnLst/>
+            <a:rect l="l" t="t" r="r" b="b"/>
+            <a:pathLst>
+              <a:path w="576580" h="517525" fill="norm" stroke="1" extrusionOk="0">
+                <a:moveTo>
+                  <a:pt x="0" y="0"/>
+                </a:moveTo>
+                <a:lnTo>
+                  <a:pt x="56157" y="2760"/>
+                </a:lnTo>
+                <a:lnTo>
+                  <a:pt x="116636" y="12841"/>
+                </a:lnTo>
+                <a:lnTo>
+                  <a:pt x="175676" y="28681"/>
+                </a:lnTo>
+                <a:lnTo>
+                  <a:pt x="233278" y="50281"/>
+                </a:lnTo>
+                <a:lnTo>
+                  <a:pt x="287997" y="78359"/>
+                </a:lnTo>
+                <a:lnTo>
+                  <a:pt x="339115" y="111480"/>
+                </a:lnTo>
+                <a:lnTo>
+                  <a:pt x="386636" y="150358"/>
+                </a:lnTo>
+                <a:lnTo>
+                  <a:pt x="429835" y="193557"/>
+                </a:lnTo>
+                <a:lnTo>
+                  <a:pt x="468713" y="241078"/>
+                </a:lnTo>
+                <a:lnTo>
+                  <a:pt x="501834" y="292921"/>
+                </a:lnTo>
+                <a:lnTo>
+                  <a:pt x="529912" y="346920"/>
+                </a:lnTo>
+                <a:lnTo>
+                  <a:pt x="551512" y="404517"/>
+                </a:lnTo>
+                <a:lnTo>
+                  <a:pt x="567352" y="463557"/>
+                </a:lnTo>
+                <a:lnTo>
+                  <a:pt x="573112" y="493799"/>
+                </a:lnTo>
+                <a:lnTo>
+                  <a:pt x="576456" y="517199"/>
+                </a:lnTo>
+              </a:path>
+            </a:pathLst>
+          </a:custGeom>
+          <a:ln w="18719">
+            <a:solidFill>
+              <a:srgbClr val="959595"/>
+            </a:solidFill>
+          </a:ln>
+        </p:spPr>
+        <p:txBody>
+          <a:bodyPr wrap="square" lIns="0" tIns="0" rIns="0" bIns="0" rtlCol="0"/>
+          <a:lstStyle/>
+          <a:p>
+            <a:pPr>
+              <a:defRPr/>
+            </a:pPr>
+            <a:endParaRPr/>
+          </a:p>
+        </p:txBody>
+      </p:sp>
+      <p:sp>
+        <p:nvSpPr>
+          <p:cNvPr id="1168777194" name="title_text"/>
           <p:cNvSpPr>
             <a:spLocks noGrp="1"/>
           </p:cNvSpPr>
           <p:nvPr>
-            <p:ph type="title"/>
+            <p:ph type="ctrTitle"/>
           </p:nvPr>
         </p:nvSpPr>
         <p:spPr bwMode="auto">
-          <a:xfrm>
-            <a:off x="4958270" y="3109772"/>
-            <a:ext cx="8384158" cy="882650"/>
+          <a:xfrm rot="0" flipH="0" flipV="0">
+            <a:off x="1371600" y="3193198"/>
+            <a:ext cx="15556314" cy="853799"/>
           </a:xfrm>
           <a:prstGeom prst="rect">
             <a:avLst/>
@@ -4201,18 +6346,18 @@
       </p:sp>
       <p:sp>
         <p:nvSpPr>
-          <p:cNvPr id="3" name="Holder 3"/>
+          <p:cNvPr id="1228703067" name="subtitle_text"/>
           <p:cNvSpPr>
             <a:spLocks noGrp="1"/>
           </p:cNvSpPr>
           <p:nvPr>
-            <p:ph type="body" idx="1"/>
+            <p:ph type="subTitle" idx="4"/>
           </p:nvPr>
         </p:nvSpPr>
         <p:spPr bwMode="auto">
-          <a:xfrm>
-            <a:off x="4860452" y="4294371"/>
-            <a:ext cx="8579794" cy="2120900"/>
+          <a:xfrm rot="0" flipH="0" flipV="0">
+            <a:off x="2746800" y="5767199"/>
+            <a:ext cx="12811209" cy="419459"/>
           </a:xfrm>
           <a:prstGeom prst="rect">
             <a:avLst/>
@@ -4241,140 +6386,6 @@
           </a:p>
         </p:txBody>
       </p:sp>
-      <p:sp>
-        <p:nvSpPr>
-          <p:cNvPr id="4" name="Holder 4"/>
-          <p:cNvSpPr>
-            <a:spLocks noGrp="1"/>
-          </p:cNvSpPr>
-          <p:nvPr>
-            <p:ph type="ftr" sz="quarter" idx="5"/>
-          </p:nvPr>
-        </p:nvSpPr>
-        <p:spPr bwMode="auto">
-          <a:xfrm>
-            <a:off x="6222238" y="9578721"/>
-            <a:ext cx="5856224" cy="514985"/>
-          </a:xfrm>
-          <a:prstGeom prst="rect">
-            <a:avLst/>
-          </a:prstGeom>
-        </p:spPr>
-        <p:txBody>
-          <a:bodyPr wrap="square" lIns="0" tIns="0" rIns="0" bIns="0">
-            <a:spAutoFit/>
-          </a:bodyPr>
-          <a:lstStyle>
-            <a:lvl1pPr algn="ctr">
-              <a:defRPr>
-                <a:solidFill>
-                  <a:schemeClr val="tx1">
-                    <a:tint val="75000"/>
-                  </a:schemeClr>
-                </a:solidFill>
-              </a:defRPr>
-            </a:lvl1pPr>
-          </a:lstStyle>
-          <a:p>
-            <a:pPr>
-              <a:defRPr/>
-            </a:pPr>
-            <a:endParaRPr/>
-          </a:p>
-        </p:txBody>
-      </p:sp>
-      <p:sp>
-        <p:nvSpPr>
-          <p:cNvPr id="5" name="Holder 5"/>
-          <p:cNvSpPr>
-            <a:spLocks noGrp="1"/>
-          </p:cNvSpPr>
-          <p:nvPr>
-            <p:ph type="dt" sz="half" idx="6"/>
-          </p:nvPr>
-        </p:nvSpPr>
-        <p:spPr bwMode="auto">
-          <a:xfrm>
-            <a:off x="915035" y="9578721"/>
-            <a:ext cx="4209161" cy="514985"/>
-          </a:xfrm>
-          <a:prstGeom prst="rect">
-            <a:avLst/>
-          </a:prstGeom>
-        </p:spPr>
-        <p:txBody>
-          <a:bodyPr wrap="square" lIns="0" tIns="0" rIns="0" bIns="0">
-            <a:spAutoFit/>
-          </a:bodyPr>
-          <a:lstStyle>
-            <a:lvl1pPr algn="l">
-              <a:defRPr>
-                <a:solidFill>
-                  <a:schemeClr val="tx1">
-                    <a:tint val="75000"/>
-                  </a:schemeClr>
-                </a:solidFill>
-              </a:defRPr>
-            </a:lvl1pPr>
-          </a:lstStyle>
-          <a:p>
-            <a:pPr>
-              <a:defRPr/>
-            </a:pPr>
-            <a:fld id="{1D8BD707-D9CF-40AE-B4C6-C98DA3205C09}" type="datetimeFigureOut">
-              <a:rPr lang="en-US"/>
-              <a:t/>
-            </a:fld>
-            <a:endParaRPr/>
-          </a:p>
-        </p:txBody>
-      </p:sp>
-      <p:sp>
-        <p:nvSpPr>
-          <p:cNvPr id="6" name="Holder 6"/>
-          <p:cNvSpPr>
-            <a:spLocks noGrp="1"/>
-          </p:cNvSpPr>
-          <p:nvPr>
-            <p:ph type="sldNum" sz="quarter" idx="7"/>
-          </p:nvPr>
-        </p:nvSpPr>
-        <p:spPr bwMode="auto">
-          <a:xfrm>
-            <a:off x="13176505" y="9578721"/>
-            <a:ext cx="4209161" cy="514985"/>
-          </a:xfrm>
-          <a:prstGeom prst="rect">
-            <a:avLst/>
-          </a:prstGeom>
-        </p:spPr>
-        <p:txBody>
-          <a:bodyPr wrap="square" lIns="0" tIns="0" rIns="0" bIns="0">
-            <a:spAutoFit/>
-          </a:bodyPr>
-          <a:lstStyle>
-            <a:lvl1pPr algn="r">
-              <a:defRPr>
-                <a:solidFill>
-                  <a:schemeClr val="tx1">
-                    <a:tint val="75000"/>
-                  </a:schemeClr>
-                </a:solidFill>
-              </a:defRPr>
-            </a:lvl1pPr>
-          </a:lstStyle>
-          <a:p>
-            <a:pPr>
-              <a:defRPr/>
-            </a:pPr>
-            <a:fld id="{B6F15528-21DE-4FAA-801E-634DDDAF4B2B}" type="slidenum">
-              <a:rPr/>
-              <a:t>#</a:t>
-            </a:fld>
-            <a:endParaRPr/>
-          </a:p>
-        </p:txBody>
-      </p:sp>
     </p:spTree>
   </p:cSld>
   <p:clrMap bg1="lt1" tx1="dk1" bg2="lt2" tx2="dk2" accent1="accent1" accent2="accent2" accent3="accent3" accent4="accent4" accent5="accent5" accent6="accent6" hlink="hlink" folHlink="folHlink"/>
@@ -4382,8 +6393,6 @@
     <p:sldLayoutId id="2147483649" r:id="rId1"/>
     <p:sldLayoutId id="2147483650" r:id="rId2"/>
     <p:sldLayoutId id="2147483651" r:id="rId3"/>
-    <p:sldLayoutId id="2147483652" r:id="rId4"/>
-    <p:sldLayoutId id="2147483653" r:id="rId5"/>
   </p:sldLayoutIdLst>
   <p:txStyles>
     <p:titleStyle>
